--- a/checkup_presentation.pptx
+++ b/checkup_presentation.pptx
@@ -6,6 +6,13 @@
   </p:sldMasterIdLst>
   <p:sldIdLst>
     <p:sldId id="256" r:id="rId3"/>
+    <p:sldId id="257" r:id="rId4"/>
+    <p:sldId id="258" r:id="rId5"/>
+    <p:sldId id="259" r:id="rId6"/>
+    <p:sldId id="260" r:id="rId7"/>
+    <p:sldId id="261" r:id="rId8"/>
+    <p:sldId id="262" r:id="rId9"/>
+    <p:sldId id="263" r:id="rId10"/>
   </p:sldIdLst>
   <p:sldSz cx="10080625" cy="7559675"/>
   <p:notesSz cx="7772400" cy="10058400"/>
@@ -53,7 +60,7 @@
       </p:grpSpPr>
       <p:sp>
         <p:nvSpPr>
-          <p:cNvPr id="26" name="PlaceHolder 1"/>
+          <p:cNvPr id="23" name="PlaceHolder 1"/>
           <p:cNvSpPr>
             <a:spLocks noGrp="1"/>
           </p:cNvSpPr>
@@ -64,7 +71,7 @@
         <p:spPr>
           <a:xfrm>
             <a:off x="504000" y="301320"/>
-            <a:ext cx="9071640" cy="1262520"/>
+            <a:ext cx="9071280" cy="1262520"/>
           </a:xfrm>
           <a:prstGeom prst="rect">
             <a:avLst/>
@@ -80,7 +87,7 @@
       </p:sp>
       <p:sp>
         <p:nvSpPr>
-          <p:cNvPr id="27" name="PlaceHolder 2"/>
+          <p:cNvPr id="24" name="PlaceHolder 2"/>
           <p:cNvSpPr>
             <a:spLocks noGrp="1"/>
           </p:cNvSpPr>
@@ -90,8 +97,8 @@
         </p:nvSpPr>
         <p:spPr>
           <a:xfrm>
-            <a:off x="504000" y="1769040"/>
-            <a:ext cx="9071640" cy="2091240"/>
+            <a:off x="504000" y="1768680"/>
+            <a:ext cx="9072000" cy="2090880"/>
           </a:xfrm>
           <a:prstGeom prst="rect">
             <a:avLst/>
@@ -106,7 +113,7 @@
       </p:sp>
       <p:sp>
         <p:nvSpPr>
-          <p:cNvPr id="28" name="PlaceHolder 3"/>
+          <p:cNvPr id="25" name="PlaceHolder 3"/>
           <p:cNvSpPr>
             <a:spLocks noGrp="1"/>
           </p:cNvSpPr>
@@ -116,8 +123,8 @@
         </p:nvSpPr>
         <p:spPr>
           <a:xfrm>
-            <a:off x="504000" y="4059360"/>
-            <a:ext cx="9071640" cy="2091240"/>
+            <a:off x="504000" y="4058640"/>
+            <a:ext cx="9072000" cy="2090880"/>
           </a:xfrm>
           <a:prstGeom prst="rect">
             <a:avLst/>
@@ -154,7 +161,7 @@
       </p:grpSpPr>
       <p:sp>
         <p:nvSpPr>
-          <p:cNvPr id="29" name="PlaceHolder 1"/>
+          <p:cNvPr id="26" name="PlaceHolder 1"/>
           <p:cNvSpPr>
             <a:spLocks noGrp="1"/>
           </p:cNvSpPr>
@@ -165,7 +172,7 @@
         <p:spPr>
           <a:xfrm>
             <a:off x="504000" y="301320"/>
-            <a:ext cx="9071640" cy="1262520"/>
+            <a:ext cx="9071280" cy="1262520"/>
           </a:xfrm>
           <a:prstGeom prst="rect">
             <a:avLst/>
@@ -181,7 +188,7 @@
       </p:sp>
       <p:sp>
         <p:nvSpPr>
-          <p:cNvPr id="30" name="PlaceHolder 2"/>
+          <p:cNvPr id="27" name="PlaceHolder 2"/>
           <p:cNvSpPr>
             <a:spLocks noGrp="1"/>
           </p:cNvSpPr>
@@ -191,8 +198,8 @@
         </p:nvSpPr>
         <p:spPr>
           <a:xfrm>
-            <a:off x="504000" y="1769040"/>
-            <a:ext cx="4426920" cy="2091240"/>
+            <a:off x="504000" y="1768680"/>
+            <a:ext cx="4426920" cy="2090880"/>
           </a:xfrm>
           <a:prstGeom prst="rect">
             <a:avLst/>
@@ -207,7 +214,7 @@
       </p:sp>
       <p:sp>
         <p:nvSpPr>
-          <p:cNvPr id="31" name="PlaceHolder 3"/>
+          <p:cNvPr id="28" name="PlaceHolder 3"/>
           <p:cNvSpPr>
             <a:spLocks noGrp="1"/>
           </p:cNvSpPr>
@@ -217,8 +224,8 @@
         </p:nvSpPr>
         <p:spPr>
           <a:xfrm>
-            <a:off x="5152680" y="1769040"/>
-            <a:ext cx="4426920" cy="2091240"/>
+            <a:off x="5152680" y="1768680"/>
+            <a:ext cx="4426920" cy="2090880"/>
           </a:xfrm>
           <a:prstGeom prst="rect">
             <a:avLst/>
@@ -233,7 +240,7 @@
       </p:sp>
       <p:sp>
         <p:nvSpPr>
-          <p:cNvPr id="32" name="PlaceHolder 4"/>
+          <p:cNvPr id="29" name="PlaceHolder 4"/>
           <p:cNvSpPr>
             <a:spLocks noGrp="1"/>
           </p:cNvSpPr>
@@ -243,8 +250,8 @@
         </p:nvSpPr>
         <p:spPr>
           <a:xfrm>
-            <a:off x="5152680" y="4059360"/>
-            <a:ext cx="4426920" cy="2091240"/>
+            <a:off x="5152680" y="4058640"/>
+            <a:ext cx="4426920" cy="2090880"/>
           </a:xfrm>
           <a:prstGeom prst="rect">
             <a:avLst/>
@@ -259,7 +266,7 @@
       </p:sp>
       <p:sp>
         <p:nvSpPr>
-          <p:cNvPr id="33" name="PlaceHolder 5"/>
+          <p:cNvPr id="30" name="PlaceHolder 5"/>
           <p:cNvSpPr>
             <a:spLocks noGrp="1"/>
           </p:cNvSpPr>
@@ -269,8 +276,8 @@
         </p:nvSpPr>
         <p:spPr>
           <a:xfrm>
-            <a:off x="504000" y="4059360"/>
-            <a:ext cx="4426920" cy="2091240"/>
+            <a:off x="504000" y="4058640"/>
+            <a:ext cx="4426920" cy="2090880"/>
           </a:xfrm>
           <a:prstGeom prst="rect">
             <a:avLst/>
@@ -307,7 +314,7 @@
       </p:grpSpPr>
       <p:sp>
         <p:nvSpPr>
-          <p:cNvPr id="34" name="PlaceHolder 1"/>
+          <p:cNvPr id="31" name="PlaceHolder 1"/>
           <p:cNvSpPr>
             <a:spLocks noGrp="1"/>
           </p:cNvSpPr>
@@ -318,7 +325,7 @@
         <p:spPr>
           <a:xfrm>
             <a:off x="504000" y="301320"/>
-            <a:ext cx="9071640" cy="1262520"/>
+            <a:ext cx="9071280" cy="1262520"/>
           </a:xfrm>
           <a:prstGeom prst="rect">
             <a:avLst/>
@@ -334,7 +341,7 @@
       </p:sp>
       <p:sp>
         <p:nvSpPr>
-          <p:cNvPr id="35" name="PlaceHolder 2"/>
+          <p:cNvPr id="32" name="PlaceHolder 2"/>
           <p:cNvSpPr>
             <a:spLocks noGrp="1"/>
           </p:cNvSpPr>
@@ -344,8 +351,8 @@
         </p:nvSpPr>
         <p:spPr>
           <a:xfrm>
-            <a:off x="504000" y="1769040"/>
-            <a:ext cx="9071640" cy="4384440"/>
+            <a:off x="504000" y="1768680"/>
+            <a:ext cx="9072000" cy="4384080"/>
           </a:xfrm>
           <a:prstGeom prst="rect">
             <a:avLst/>
@@ -360,7 +367,7 @@
       </p:sp>
       <p:sp>
         <p:nvSpPr>
-          <p:cNvPr id="36" name="PlaceHolder 3"/>
+          <p:cNvPr id="33" name="PlaceHolder 3"/>
           <p:cNvSpPr>
             <a:spLocks noGrp="1"/>
           </p:cNvSpPr>
@@ -370,8 +377,8 @@
         </p:nvSpPr>
         <p:spPr>
           <a:xfrm>
-            <a:off x="504000" y="1769040"/>
-            <a:ext cx="9071640" cy="4384440"/>
+            <a:off x="504000" y="1768680"/>
+            <a:ext cx="9072000" cy="4384080"/>
           </a:xfrm>
           <a:prstGeom prst="rect">
             <a:avLst/>
@@ -386,7 +393,7 @@
       </p:sp>
       <p:pic>
         <p:nvPicPr>
-          <p:cNvPr id="37" name="" descr=""/>
+          <p:cNvPr id="34" name="" descr=""/>
           <p:cNvPicPr/>
           <p:nvPr/>
         </p:nvPicPr>
@@ -398,8 +405,8 @@
         </p:blipFill>
         <p:spPr>
           <a:xfrm>
-            <a:off x="2292120" y="1768680"/>
-            <a:ext cx="5495040" cy="4384440"/>
+            <a:off x="2292480" y="1768680"/>
+            <a:ext cx="5494680" cy="4384080"/>
           </a:xfrm>
           <a:prstGeom prst="rect">
             <a:avLst/>
@@ -411,7 +418,7 @@
       </p:pic>
       <p:pic>
         <p:nvPicPr>
-          <p:cNvPr id="38" name="" descr=""/>
+          <p:cNvPr id="35" name="" descr=""/>
           <p:cNvPicPr/>
           <p:nvPr/>
         </p:nvPicPr>
@@ -423,8 +430,8 @@
         </p:blipFill>
         <p:spPr>
           <a:xfrm>
-            <a:off x="2292120" y="1768680"/>
-            <a:ext cx="5495040" cy="4384440"/>
+            <a:off x="2292480" y="1768680"/>
+            <a:ext cx="5494680" cy="4384080"/>
           </a:xfrm>
           <a:prstGeom prst="rect">
             <a:avLst/>
@@ -458,7 +465,7 @@
       </p:grpSpPr>
       <p:sp>
         <p:nvSpPr>
-          <p:cNvPr id="5" name="PlaceHolder 1"/>
+          <p:cNvPr id="2" name="PlaceHolder 1"/>
           <p:cNvSpPr>
             <a:spLocks noGrp="1"/>
           </p:cNvSpPr>
@@ -469,7 +476,7 @@
         <p:spPr>
           <a:xfrm>
             <a:off x="504000" y="301320"/>
-            <a:ext cx="9071640" cy="1262520"/>
+            <a:ext cx="9071280" cy="1262520"/>
           </a:xfrm>
           <a:prstGeom prst="rect">
             <a:avLst/>
@@ -485,7 +492,7 @@
       </p:sp>
       <p:sp>
         <p:nvSpPr>
-          <p:cNvPr id="6" name="PlaceHolder 2"/>
+          <p:cNvPr id="3" name="PlaceHolder 2"/>
           <p:cNvSpPr>
             <a:spLocks noGrp="1"/>
           </p:cNvSpPr>
@@ -495,8 +502,8 @@
         </p:nvSpPr>
         <p:spPr>
           <a:xfrm>
-            <a:off x="504000" y="1769040"/>
-            <a:ext cx="9071640" cy="4384800"/>
+            <a:off x="504000" y="1768680"/>
+            <a:ext cx="9072000" cy="4384440"/>
           </a:xfrm>
           <a:prstGeom prst="rect">
             <a:avLst/>
@@ -534,7 +541,7 @@
       </p:grpSpPr>
       <p:sp>
         <p:nvSpPr>
-          <p:cNvPr id="7" name="PlaceHolder 1"/>
+          <p:cNvPr id="4" name="PlaceHolder 1"/>
           <p:cNvSpPr>
             <a:spLocks noGrp="1"/>
           </p:cNvSpPr>
@@ -545,7 +552,7 @@
         <p:spPr>
           <a:xfrm>
             <a:off x="504000" y="301320"/>
-            <a:ext cx="9071640" cy="1262520"/>
+            <a:ext cx="9071280" cy="1262520"/>
           </a:xfrm>
           <a:prstGeom prst="rect">
             <a:avLst/>
@@ -561,7 +568,7 @@
       </p:sp>
       <p:sp>
         <p:nvSpPr>
-          <p:cNvPr id="8" name="PlaceHolder 2"/>
+          <p:cNvPr id="5" name="PlaceHolder 2"/>
           <p:cNvSpPr>
             <a:spLocks noGrp="1"/>
           </p:cNvSpPr>
@@ -571,8 +578,8 @@
         </p:nvSpPr>
         <p:spPr>
           <a:xfrm>
-            <a:off x="504000" y="1769040"/>
-            <a:ext cx="9071640" cy="4384440"/>
+            <a:off x="504000" y="1768680"/>
+            <a:ext cx="9072000" cy="4384080"/>
           </a:xfrm>
           <a:prstGeom prst="rect">
             <a:avLst/>
@@ -609,7 +616,7 @@
       </p:grpSpPr>
       <p:sp>
         <p:nvSpPr>
-          <p:cNvPr id="9" name="PlaceHolder 1"/>
+          <p:cNvPr id="6" name="PlaceHolder 1"/>
           <p:cNvSpPr>
             <a:spLocks noGrp="1"/>
           </p:cNvSpPr>
@@ -620,7 +627,7 @@
         <p:spPr>
           <a:xfrm>
             <a:off x="504000" y="301320"/>
-            <a:ext cx="9071640" cy="1262520"/>
+            <a:ext cx="9071280" cy="1262520"/>
           </a:xfrm>
           <a:prstGeom prst="rect">
             <a:avLst/>
@@ -636,7 +643,7 @@
       </p:sp>
       <p:sp>
         <p:nvSpPr>
-          <p:cNvPr id="10" name="PlaceHolder 2"/>
+          <p:cNvPr id="7" name="PlaceHolder 2"/>
           <p:cNvSpPr>
             <a:spLocks noGrp="1"/>
           </p:cNvSpPr>
@@ -646,8 +653,8 @@
         </p:nvSpPr>
         <p:spPr>
           <a:xfrm>
-            <a:off x="504000" y="1769040"/>
-            <a:ext cx="4426920" cy="4384440"/>
+            <a:off x="504000" y="1768680"/>
+            <a:ext cx="4426920" cy="4384080"/>
           </a:xfrm>
           <a:prstGeom prst="rect">
             <a:avLst/>
@@ -662,7 +669,7 @@
       </p:sp>
       <p:sp>
         <p:nvSpPr>
-          <p:cNvPr id="11" name="PlaceHolder 3"/>
+          <p:cNvPr id="8" name="PlaceHolder 3"/>
           <p:cNvSpPr>
             <a:spLocks noGrp="1"/>
           </p:cNvSpPr>
@@ -672,8 +679,8 @@
         </p:nvSpPr>
         <p:spPr>
           <a:xfrm>
-            <a:off x="5152680" y="1769040"/>
-            <a:ext cx="4426920" cy="4384440"/>
+            <a:off x="5152680" y="1768680"/>
+            <a:ext cx="4426920" cy="4384080"/>
           </a:xfrm>
           <a:prstGeom prst="rect">
             <a:avLst/>
@@ -710,7 +717,7 @@
       </p:grpSpPr>
       <p:sp>
         <p:nvSpPr>
-          <p:cNvPr id="12" name="PlaceHolder 1"/>
+          <p:cNvPr id="9" name="PlaceHolder 1"/>
           <p:cNvSpPr>
             <a:spLocks noGrp="1"/>
           </p:cNvSpPr>
@@ -721,7 +728,7 @@
         <p:spPr>
           <a:xfrm>
             <a:off x="504000" y="301320"/>
-            <a:ext cx="9071640" cy="1262520"/>
+            <a:ext cx="9071280" cy="1262520"/>
           </a:xfrm>
           <a:prstGeom prst="rect">
             <a:avLst/>
@@ -759,7 +766,7 @@
       </p:grpSpPr>
       <p:sp>
         <p:nvSpPr>
-          <p:cNvPr id="13" name="PlaceHolder 1"/>
+          <p:cNvPr id="10" name="PlaceHolder 1"/>
           <p:cNvSpPr>
             <a:spLocks noGrp="1"/>
           </p:cNvSpPr>
@@ -770,7 +777,7 @@
         <p:spPr>
           <a:xfrm>
             <a:off x="504000" y="301320"/>
-            <a:ext cx="9071640" cy="5852160"/>
+            <a:ext cx="9071280" cy="5852160"/>
           </a:xfrm>
           <a:prstGeom prst="rect">
             <a:avLst/>
@@ -808,7 +815,7 @@
       </p:grpSpPr>
       <p:sp>
         <p:nvSpPr>
-          <p:cNvPr id="14" name="PlaceHolder 1"/>
+          <p:cNvPr id="11" name="PlaceHolder 1"/>
           <p:cNvSpPr>
             <a:spLocks noGrp="1"/>
           </p:cNvSpPr>
@@ -819,7 +826,7 @@
         <p:spPr>
           <a:xfrm>
             <a:off x="504000" y="301320"/>
-            <a:ext cx="9071640" cy="1262520"/>
+            <a:ext cx="9071280" cy="1262520"/>
           </a:xfrm>
           <a:prstGeom prst="rect">
             <a:avLst/>
@@ -835,7 +842,7 @@
       </p:sp>
       <p:sp>
         <p:nvSpPr>
-          <p:cNvPr id="15" name="PlaceHolder 2"/>
+          <p:cNvPr id="12" name="PlaceHolder 2"/>
           <p:cNvSpPr>
             <a:spLocks noGrp="1"/>
           </p:cNvSpPr>
@@ -845,8 +852,8 @@
         </p:nvSpPr>
         <p:spPr>
           <a:xfrm>
-            <a:off x="504000" y="1769040"/>
-            <a:ext cx="4426920" cy="2091240"/>
+            <a:off x="504000" y="1768680"/>
+            <a:ext cx="4426920" cy="2090880"/>
           </a:xfrm>
           <a:prstGeom prst="rect">
             <a:avLst/>
@@ -861,7 +868,7 @@
       </p:sp>
       <p:sp>
         <p:nvSpPr>
-          <p:cNvPr id="16" name="PlaceHolder 3"/>
+          <p:cNvPr id="13" name="PlaceHolder 3"/>
           <p:cNvSpPr>
             <a:spLocks noGrp="1"/>
           </p:cNvSpPr>
@@ -871,8 +878,8 @@
         </p:nvSpPr>
         <p:spPr>
           <a:xfrm>
-            <a:off x="504000" y="4059360"/>
-            <a:ext cx="4426920" cy="2091240"/>
+            <a:off x="504000" y="4058640"/>
+            <a:ext cx="4426920" cy="2090880"/>
           </a:xfrm>
           <a:prstGeom prst="rect">
             <a:avLst/>
@@ -887,7 +894,7 @@
       </p:sp>
       <p:sp>
         <p:nvSpPr>
-          <p:cNvPr id="17" name="PlaceHolder 4"/>
+          <p:cNvPr id="14" name="PlaceHolder 4"/>
           <p:cNvSpPr>
             <a:spLocks noGrp="1"/>
           </p:cNvSpPr>
@@ -897,8 +904,8 @@
         </p:nvSpPr>
         <p:spPr>
           <a:xfrm>
-            <a:off x="5152680" y="1769040"/>
-            <a:ext cx="4426920" cy="4384440"/>
+            <a:off x="5152680" y="1768680"/>
+            <a:ext cx="4426920" cy="4384080"/>
           </a:xfrm>
           <a:prstGeom prst="rect">
             <a:avLst/>
@@ -935,7 +942,7 @@
       </p:grpSpPr>
       <p:sp>
         <p:nvSpPr>
-          <p:cNvPr id="18" name="PlaceHolder 1"/>
+          <p:cNvPr id="15" name="PlaceHolder 1"/>
           <p:cNvSpPr>
             <a:spLocks noGrp="1"/>
           </p:cNvSpPr>
@@ -946,7 +953,7 @@
         <p:spPr>
           <a:xfrm>
             <a:off x="504000" y="301320"/>
-            <a:ext cx="9071640" cy="1262520"/>
+            <a:ext cx="9071280" cy="1262520"/>
           </a:xfrm>
           <a:prstGeom prst="rect">
             <a:avLst/>
@@ -962,7 +969,7 @@
       </p:sp>
       <p:sp>
         <p:nvSpPr>
-          <p:cNvPr id="19" name="PlaceHolder 2"/>
+          <p:cNvPr id="16" name="PlaceHolder 2"/>
           <p:cNvSpPr>
             <a:spLocks noGrp="1"/>
           </p:cNvSpPr>
@@ -972,8 +979,8 @@
         </p:nvSpPr>
         <p:spPr>
           <a:xfrm>
-            <a:off x="504000" y="1769040"/>
-            <a:ext cx="4426920" cy="4384440"/>
+            <a:off x="504000" y="1768680"/>
+            <a:ext cx="4426920" cy="4384080"/>
           </a:xfrm>
           <a:prstGeom prst="rect">
             <a:avLst/>
@@ -988,7 +995,7 @@
       </p:sp>
       <p:sp>
         <p:nvSpPr>
-          <p:cNvPr id="20" name="PlaceHolder 3"/>
+          <p:cNvPr id="17" name="PlaceHolder 3"/>
           <p:cNvSpPr>
             <a:spLocks noGrp="1"/>
           </p:cNvSpPr>
@@ -998,8 +1005,8 @@
         </p:nvSpPr>
         <p:spPr>
           <a:xfrm>
-            <a:off x="5152680" y="1769040"/>
-            <a:ext cx="4426920" cy="2091240"/>
+            <a:off x="5152680" y="1768680"/>
+            <a:ext cx="4426920" cy="2090880"/>
           </a:xfrm>
           <a:prstGeom prst="rect">
             <a:avLst/>
@@ -1014,7 +1021,7 @@
       </p:sp>
       <p:sp>
         <p:nvSpPr>
-          <p:cNvPr id="21" name="PlaceHolder 4"/>
+          <p:cNvPr id="18" name="PlaceHolder 4"/>
           <p:cNvSpPr>
             <a:spLocks noGrp="1"/>
           </p:cNvSpPr>
@@ -1024,8 +1031,8 @@
         </p:nvSpPr>
         <p:spPr>
           <a:xfrm>
-            <a:off x="5152680" y="4059360"/>
-            <a:ext cx="4426920" cy="2091240"/>
+            <a:off x="5152680" y="4058640"/>
+            <a:ext cx="4426920" cy="2090880"/>
           </a:xfrm>
           <a:prstGeom prst="rect">
             <a:avLst/>
@@ -1062,7 +1069,7 @@
       </p:grpSpPr>
       <p:sp>
         <p:nvSpPr>
-          <p:cNvPr id="22" name="PlaceHolder 1"/>
+          <p:cNvPr id="19" name="PlaceHolder 1"/>
           <p:cNvSpPr>
             <a:spLocks noGrp="1"/>
           </p:cNvSpPr>
@@ -1073,7 +1080,7 @@
         <p:spPr>
           <a:xfrm>
             <a:off x="504000" y="301320"/>
-            <a:ext cx="9071640" cy="1262520"/>
+            <a:ext cx="9071280" cy="1262520"/>
           </a:xfrm>
           <a:prstGeom prst="rect">
             <a:avLst/>
@@ -1089,7 +1096,7 @@
       </p:sp>
       <p:sp>
         <p:nvSpPr>
-          <p:cNvPr id="23" name="PlaceHolder 2"/>
+          <p:cNvPr id="20" name="PlaceHolder 2"/>
           <p:cNvSpPr>
             <a:spLocks noGrp="1"/>
           </p:cNvSpPr>
@@ -1099,8 +1106,8 @@
         </p:nvSpPr>
         <p:spPr>
           <a:xfrm>
-            <a:off x="504000" y="1769040"/>
-            <a:ext cx="4426920" cy="2091240"/>
+            <a:off x="504000" y="1768680"/>
+            <a:ext cx="4426920" cy="2090880"/>
           </a:xfrm>
           <a:prstGeom prst="rect">
             <a:avLst/>
@@ -1115,7 +1122,7 @@
       </p:sp>
       <p:sp>
         <p:nvSpPr>
-          <p:cNvPr id="24" name="PlaceHolder 3"/>
+          <p:cNvPr id="21" name="PlaceHolder 3"/>
           <p:cNvSpPr>
             <a:spLocks noGrp="1"/>
           </p:cNvSpPr>
@@ -1125,8 +1132,8 @@
         </p:nvSpPr>
         <p:spPr>
           <a:xfrm>
-            <a:off x="5152680" y="1769040"/>
-            <a:ext cx="4426920" cy="2091240"/>
+            <a:off x="5152680" y="1768680"/>
+            <a:ext cx="4426920" cy="2090880"/>
           </a:xfrm>
           <a:prstGeom prst="rect">
             <a:avLst/>
@@ -1141,7 +1148,7 @@
       </p:sp>
       <p:sp>
         <p:nvSpPr>
-          <p:cNvPr id="25" name="PlaceHolder 4"/>
+          <p:cNvPr id="22" name="PlaceHolder 4"/>
           <p:cNvSpPr>
             <a:spLocks noGrp="1"/>
           </p:cNvSpPr>
@@ -1151,8 +1158,8 @@
         </p:nvSpPr>
         <p:spPr>
           <a:xfrm>
-            <a:off x="504000" y="4059360"/>
-            <a:ext cx="9071640" cy="2091240"/>
+            <a:off x="504000" y="4058640"/>
+            <a:ext cx="9072000" cy="2090880"/>
           </a:xfrm>
           <a:prstGeom prst="rect">
             <a:avLst/>
@@ -1200,7 +1207,7 @@
         <p:spPr>
           <a:xfrm>
             <a:off x="504000" y="301320"/>
-            <a:ext cx="9071640" cy="1262160"/>
+            <a:ext cx="9071280" cy="1262160"/>
           </a:xfrm>
           <a:prstGeom prst="rect">
             <a:avLst/>
@@ -1209,9 +1216,8 @@
         <p:txBody>
           <a:bodyPr lIns="0" rIns="0" tIns="0" bIns="0" anchor="ctr"/>
           <a:p>
-            <a:pPr algn="ctr"/>
             <a:r>
-              <a:rPr lang="en-US" sz="4400">
+              <a:rPr lang="en-US">
                 <a:latin typeface="Arial"/>
               </a:rPr>
               <a:t>Click to edit the title text format</a:t>
@@ -1232,8 +1238,8 @@
         </p:nvSpPr>
         <p:spPr>
           <a:xfrm>
-            <a:off x="504000" y="1769040"/>
-            <a:ext cx="9071640" cy="4384440"/>
+            <a:off x="504000" y="1768680"/>
+            <a:ext cx="9072000" cy="4384080"/>
           </a:xfrm>
           <a:prstGeom prst="rect">
             <a:avLst/>
@@ -1337,104 +1343,6 @@
               </a:rPr>
               <a:t>Seventh Outline Level</a:t>
             </a:r>
-            <a:endParaRPr/>
-          </a:p>
-        </p:txBody>
-      </p:sp>
-      <p:sp>
-        <p:nvSpPr>
-          <p:cNvPr id="2" name="PlaceHolder 3"/>
-          <p:cNvSpPr>
-            <a:spLocks noGrp="1"/>
-          </p:cNvSpPr>
-          <p:nvPr>
-            <p:ph type="dt"/>
-          </p:nvPr>
-        </p:nvSpPr>
-        <p:spPr>
-          <a:xfrm>
-            <a:off x="504000" y="6887160"/>
-            <a:ext cx="2348280" cy="521280"/>
-          </a:xfrm>
-          <a:prstGeom prst="rect">
-            <a:avLst/>
-          </a:prstGeom>
-        </p:spPr>
-        <p:txBody>
-          <a:bodyPr lIns="0" rIns="0" tIns="0" bIns="0"/>
-          <a:p>
-            <a:r>
-              <a:rPr lang="en-US" sz="1400">
-                <a:latin typeface="Times New Roman"/>
-              </a:rPr>
-              <a:t>&lt;date/time&gt;</a:t>
-            </a:r>
-            <a:endParaRPr/>
-          </a:p>
-        </p:txBody>
-      </p:sp>
-      <p:sp>
-        <p:nvSpPr>
-          <p:cNvPr id="3" name="PlaceHolder 4"/>
-          <p:cNvSpPr>
-            <a:spLocks noGrp="1"/>
-          </p:cNvSpPr>
-          <p:nvPr>
-            <p:ph type="ftr"/>
-          </p:nvPr>
-        </p:nvSpPr>
-        <p:spPr>
-          <a:xfrm>
-            <a:off x="3447360" y="6887160"/>
-            <a:ext cx="3195000" cy="521280"/>
-          </a:xfrm>
-          <a:prstGeom prst="rect">
-            <a:avLst/>
-          </a:prstGeom>
-        </p:spPr>
-        <p:txBody>
-          <a:bodyPr lIns="0" rIns="0" tIns="0" bIns="0"/>
-          <a:p>
-            <a:pPr algn="ctr"/>
-            <a:r>
-              <a:rPr lang="en-US" sz="1400">
-                <a:latin typeface="Times New Roman"/>
-              </a:rPr>
-              <a:t>&lt;footer&gt;</a:t>
-            </a:r>
-            <a:endParaRPr/>
-          </a:p>
-        </p:txBody>
-      </p:sp>
-      <p:sp>
-        <p:nvSpPr>
-          <p:cNvPr id="4" name="PlaceHolder 5"/>
-          <p:cNvSpPr>
-            <a:spLocks noGrp="1"/>
-          </p:cNvSpPr>
-          <p:nvPr>
-            <p:ph type="sldNum"/>
-          </p:nvPr>
-        </p:nvSpPr>
-        <p:spPr>
-          <a:xfrm>
-            <a:off x="7227360" y="6887160"/>
-            <a:ext cx="2348280" cy="521280"/>
-          </a:xfrm>
-          <a:prstGeom prst="rect">
-            <a:avLst/>
-          </a:prstGeom>
-        </p:spPr>
-        <p:txBody>
-          <a:bodyPr lIns="0" rIns="0" tIns="0" bIns="0"/>
-          <a:p>
-            <a:pPr algn="r"/>
-            <a:fld id="{7C6E7AC6-F952-42B3-934B-9A604CB570CB}" type="slidenum">
-              <a:rPr lang="en-US" sz="1400">
-                <a:latin typeface="Times New Roman"/>
-              </a:rPr>
-              <a:t>&lt;number&gt;</a:t>
-            </a:fld>
             <a:endParaRPr/>
           </a:p>
         </p:txBody>
@@ -1478,23 +1386,31 @@
       </p:grpSpPr>
       <p:sp>
         <p:nvSpPr>
-          <p:cNvPr id="39" name="TextShape 1"/>
-          <p:cNvSpPr txBox="1"/>
+          <p:cNvPr id="36" name="CustomShape 1"/>
+          <p:cNvSpPr/>
           <p:nvPr/>
         </p:nvSpPr>
         <p:spPr>
           <a:xfrm>
             <a:off x="504000" y="301320"/>
-            <a:ext cx="9071640" cy="1262160"/>
-          </a:xfrm>
-          <a:prstGeom prst="rect">
-            <a:avLst/>
-          </a:prstGeom>
+            <a:ext cx="9071280" cy="1261800"/>
+          </a:xfrm>
+          <a:prstGeom prst="rect">
+            <a:avLst/>
+          </a:prstGeom>
+          <a:noFill/>
+          <a:ln>
+            <a:noFill/>
+          </a:ln>
         </p:spPr>
         <p:txBody>
           <a:bodyPr lIns="0" rIns="0" tIns="0" bIns="0" anchor="ctr"/>
           <a:p>
-            <a:pPr algn="ctr"/>
+            <a:pPr algn="ctr">
+              <a:lnSpc>
+                <a:spcPct val="100000"/>
+              </a:lnSpc>
+            </a:pPr>
             <a:r>
               <a:rPr lang="en-US" sz="4400">
                 <a:latin typeface="Arial"/>
@@ -1507,23 +1423,31 @@
       </p:sp>
       <p:sp>
         <p:nvSpPr>
-          <p:cNvPr id="40" name="TextShape 2"/>
-          <p:cNvSpPr txBox="1"/>
+          <p:cNvPr id="37" name="CustomShape 2"/>
+          <p:cNvSpPr/>
           <p:nvPr/>
         </p:nvSpPr>
         <p:spPr>
           <a:xfrm>
             <a:off x="504000" y="1769040"/>
-            <a:ext cx="9071640" cy="4384440"/>
-          </a:xfrm>
-          <a:prstGeom prst="rect">
-            <a:avLst/>
-          </a:prstGeom>
+            <a:ext cx="9071280" cy="4384080"/>
+          </a:xfrm>
+          <a:prstGeom prst="rect">
+            <a:avLst/>
+          </a:prstGeom>
+          <a:noFill/>
+          <a:ln>
+            <a:noFill/>
+          </a:ln>
         </p:spPr>
         <p:txBody>
           <a:bodyPr lIns="0" rIns="0" tIns="0" bIns="0" anchor="ctr"/>
           <a:p>
-            <a:pPr algn="ctr"/>
+            <a:pPr algn="ctr">
+              <a:lnSpc>
+                <a:spcPct val="100000"/>
+              </a:lnSpc>
+            </a:pPr>
             <a:r>
               <a:rPr lang="en-US" sz="3200">
                 <a:latin typeface="Arial"/>
@@ -1533,7 +1457,11 @@
             <a:endParaRPr/>
           </a:p>
           <a:p>
-            <a:pPr algn="ctr"/>
+            <a:pPr algn="ctr">
+              <a:lnSpc>
+                <a:spcPct val="100000"/>
+              </a:lnSpc>
+            </a:pPr>
             <a:r>
               <a:rPr lang="en-US" sz="3200">
                 <a:latin typeface="Arial"/>
@@ -1573,6 +1501,518 @@
       </p:par>
     </p:tnLst>
   </p:timing>
+</p:sld>
+</file>
+
+<file path=ppt/slides/slide2.xml><?xml version="1.0" encoding="utf-8"?>
+<p:sld xmlns:a="http://schemas.openxmlformats.org/drawingml/2006/main" xmlns:p="http://schemas.openxmlformats.org/presentationml/2006/main" xmlns:r="http://schemas.openxmlformats.org/officeDocument/2006/relationships">
+  <p:cSld>
+    <p:spTree>
+      <p:nvGrpSpPr>
+        <p:cNvPr id="1" name=""/>
+        <p:cNvGrpSpPr/>
+        <p:nvPr/>
+      </p:nvGrpSpPr>
+      <p:grpSpPr>
+        <a:xfrm>
+          <a:off x="0" y="0"/>
+          <a:ext cx="0" cy="0"/>
+          <a:chOff x="0" y="0"/>
+          <a:chExt cx="0" cy="0"/>
+        </a:xfrm>
+      </p:grpSpPr>
+      <p:sp>
+        <p:nvSpPr>
+          <p:cNvPr id="38" name="TextShape 1"/>
+          <p:cNvSpPr txBox="1"/>
+          <p:nvPr/>
+        </p:nvSpPr>
+        <p:spPr>
+          <a:xfrm>
+            <a:off x="504000" y="301320"/>
+            <a:ext cx="9071280" cy="1262160"/>
+          </a:xfrm>
+          <a:prstGeom prst="rect">
+            <a:avLst/>
+          </a:prstGeom>
+        </p:spPr>
+        <p:txBody>
+          <a:bodyPr lIns="0" rIns="0" tIns="0" bIns="0" anchor="ctr"/>
+          <a:p>
+            <a:pPr algn="ctr"/>
+            <a:r>
+              <a:rPr lang="en-US" sz="4400">
+                <a:latin typeface="Arial"/>
+              </a:rPr>
+              <a:t>Dataset</a:t>
+            </a:r>
+            <a:endParaRPr/>
+          </a:p>
+        </p:txBody>
+      </p:sp>
+      <p:pic>
+        <p:nvPicPr>
+          <p:cNvPr id="39" name="" descr=""/>
+          <p:cNvPicPr/>
+          <p:nvPr/>
+        </p:nvPicPr>
+        <p:blipFill>
+          <a:blip r:embed="rId1"/>
+          <a:stretch>
+            <a:fillRect/>
+          </a:stretch>
+        </p:blipFill>
+        <p:spPr>
+          <a:xfrm>
+            <a:off x="504000" y="1463040"/>
+            <a:ext cx="9005760" cy="5571000"/>
+          </a:xfrm>
+          <a:prstGeom prst="rect">
+            <a:avLst/>
+          </a:prstGeom>
+          <a:ln>
+            <a:noFill/>
+          </a:ln>
+        </p:spPr>
+      </p:pic>
+    </p:spTree>
+  </p:cSld>
+</p:sld>
+</file>
+
+<file path=ppt/slides/slide3.xml><?xml version="1.0" encoding="utf-8"?>
+<p:sld xmlns:a="http://schemas.openxmlformats.org/drawingml/2006/main" xmlns:p="http://schemas.openxmlformats.org/presentationml/2006/main" xmlns:r="http://schemas.openxmlformats.org/officeDocument/2006/relationships">
+  <p:cSld>
+    <p:spTree>
+      <p:nvGrpSpPr>
+        <p:cNvPr id="1" name=""/>
+        <p:cNvGrpSpPr/>
+        <p:nvPr/>
+      </p:nvGrpSpPr>
+      <p:grpSpPr>
+        <a:xfrm>
+          <a:off x="0" y="0"/>
+          <a:ext cx="0" cy="0"/>
+          <a:chOff x="0" y="0"/>
+          <a:chExt cx="0" cy="0"/>
+        </a:xfrm>
+      </p:grpSpPr>
+      <p:sp>
+        <p:nvSpPr>
+          <p:cNvPr id="40" name="TextShape 1"/>
+          <p:cNvSpPr txBox="1"/>
+          <p:nvPr/>
+        </p:nvSpPr>
+        <p:spPr>
+          <a:xfrm>
+            <a:off x="504000" y="301320"/>
+            <a:ext cx="9071280" cy="1262160"/>
+          </a:xfrm>
+          <a:prstGeom prst="rect">
+            <a:avLst/>
+          </a:prstGeom>
+        </p:spPr>
+        <p:txBody>
+          <a:bodyPr lIns="0" rIns="0" tIns="0" bIns="0" anchor="ctr"/>
+          <a:p>
+            <a:pPr algn="ctr"/>
+            <a:r>
+              <a:rPr lang="en-US" sz="4400">
+                <a:latin typeface="Arial"/>
+              </a:rPr>
+              <a:t>Design</a:t>
+            </a:r>
+            <a:endParaRPr/>
+          </a:p>
+        </p:txBody>
+      </p:sp>
+      <p:pic>
+        <p:nvPicPr>
+          <p:cNvPr id="41" name="" descr=""/>
+          <p:cNvPicPr/>
+          <p:nvPr/>
+        </p:nvPicPr>
+        <p:blipFill>
+          <a:blip r:embed="rId1"/>
+          <a:stretch>
+            <a:fillRect/>
+          </a:stretch>
+        </p:blipFill>
+        <p:spPr>
+          <a:xfrm>
+            <a:off x="640080" y="1645920"/>
+            <a:ext cx="8595360" cy="4754880"/>
+          </a:xfrm>
+          <a:prstGeom prst="rect">
+            <a:avLst/>
+          </a:prstGeom>
+          <a:ln>
+            <a:noFill/>
+          </a:ln>
+        </p:spPr>
+      </p:pic>
+    </p:spTree>
+  </p:cSld>
+</p:sld>
+</file>
+
+<file path=ppt/slides/slide4.xml><?xml version="1.0" encoding="utf-8"?>
+<p:sld xmlns:a="http://schemas.openxmlformats.org/drawingml/2006/main" xmlns:p="http://schemas.openxmlformats.org/presentationml/2006/main" xmlns:r="http://schemas.openxmlformats.org/officeDocument/2006/relationships">
+  <p:cSld>
+    <p:spTree>
+      <p:nvGrpSpPr>
+        <p:cNvPr id="1" name=""/>
+        <p:cNvGrpSpPr/>
+        <p:nvPr/>
+      </p:nvGrpSpPr>
+      <p:grpSpPr>
+        <a:xfrm>
+          <a:off x="0" y="0"/>
+          <a:ext cx="0" cy="0"/>
+          <a:chOff x="0" y="0"/>
+          <a:chExt cx="0" cy="0"/>
+        </a:xfrm>
+      </p:grpSpPr>
+      <p:sp>
+        <p:nvSpPr>
+          <p:cNvPr id="42" name="TextShape 1"/>
+          <p:cNvSpPr txBox="1"/>
+          <p:nvPr/>
+        </p:nvSpPr>
+        <p:spPr>
+          <a:xfrm>
+            <a:off x="504000" y="301320"/>
+            <a:ext cx="9071280" cy="1262160"/>
+          </a:xfrm>
+          <a:prstGeom prst="rect">
+            <a:avLst/>
+          </a:prstGeom>
+        </p:spPr>
+        <p:txBody>
+          <a:bodyPr lIns="0" rIns="0" tIns="0" bIns="0" anchor="ctr"/>
+          <a:p>
+            <a:pPr algn="ctr"/>
+            <a:r>
+              <a:rPr lang="en-US" sz="4400">
+                <a:latin typeface="Arial"/>
+              </a:rPr>
+              <a:t>Design</a:t>
+            </a:r>
+            <a:endParaRPr/>
+          </a:p>
+        </p:txBody>
+      </p:sp>
+      <p:pic>
+        <p:nvPicPr>
+          <p:cNvPr id="43" name="" descr=""/>
+          <p:cNvPicPr/>
+          <p:nvPr/>
+        </p:nvPicPr>
+        <p:blipFill>
+          <a:blip r:embed="rId1"/>
+          <a:stretch>
+            <a:fillRect/>
+          </a:stretch>
+        </p:blipFill>
+        <p:spPr>
+          <a:xfrm>
+            <a:off x="640080" y="1828800"/>
+            <a:ext cx="8663040" cy="4782960"/>
+          </a:xfrm>
+          <a:prstGeom prst="rect">
+            <a:avLst/>
+          </a:prstGeom>
+          <a:ln>
+            <a:noFill/>
+          </a:ln>
+        </p:spPr>
+      </p:pic>
+    </p:spTree>
+  </p:cSld>
+</p:sld>
+</file>
+
+<file path=ppt/slides/slide5.xml><?xml version="1.0" encoding="utf-8"?>
+<p:sld xmlns:a="http://schemas.openxmlformats.org/drawingml/2006/main" xmlns:p="http://schemas.openxmlformats.org/presentationml/2006/main" xmlns:r="http://schemas.openxmlformats.org/officeDocument/2006/relationships">
+  <p:cSld>
+    <p:spTree>
+      <p:nvGrpSpPr>
+        <p:cNvPr id="1" name=""/>
+        <p:cNvGrpSpPr/>
+        <p:nvPr/>
+      </p:nvGrpSpPr>
+      <p:grpSpPr>
+        <a:xfrm>
+          <a:off x="0" y="0"/>
+          <a:ext cx="0" cy="0"/>
+          <a:chOff x="0" y="0"/>
+          <a:chExt cx="0" cy="0"/>
+        </a:xfrm>
+      </p:grpSpPr>
+      <p:sp>
+        <p:nvSpPr>
+          <p:cNvPr id="44" name="TextShape 1"/>
+          <p:cNvSpPr txBox="1"/>
+          <p:nvPr/>
+        </p:nvSpPr>
+        <p:spPr>
+          <a:xfrm>
+            <a:off x="504000" y="301320"/>
+            <a:ext cx="9071280" cy="1262160"/>
+          </a:xfrm>
+          <a:prstGeom prst="rect">
+            <a:avLst/>
+          </a:prstGeom>
+        </p:spPr>
+        <p:txBody>
+          <a:bodyPr lIns="0" rIns="0" tIns="0" bIns="0" anchor="ctr"/>
+          <a:p>
+            <a:pPr algn="ctr"/>
+            <a:r>
+              <a:rPr lang="en-US" sz="4400">
+                <a:latin typeface="Arial"/>
+              </a:rPr>
+              <a:t>Design</a:t>
+            </a:r>
+            <a:endParaRPr/>
+          </a:p>
+        </p:txBody>
+      </p:sp>
+      <p:pic>
+        <p:nvPicPr>
+          <p:cNvPr id="45" name="" descr=""/>
+          <p:cNvPicPr/>
+          <p:nvPr/>
+        </p:nvPicPr>
+        <p:blipFill>
+          <a:blip r:embed="rId1"/>
+          <a:stretch>
+            <a:fillRect/>
+          </a:stretch>
+        </p:blipFill>
+        <p:spPr>
+          <a:xfrm>
+            <a:off x="548640" y="1596960"/>
+            <a:ext cx="9144000" cy="5169600"/>
+          </a:xfrm>
+          <a:prstGeom prst="rect">
+            <a:avLst/>
+          </a:prstGeom>
+          <a:ln>
+            <a:noFill/>
+          </a:ln>
+        </p:spPr>
+      </p:pic>
+    </p:spTree>
+  </p:cSld>
+</p:sld>
+</file>
+
+<file path=ppt/slides/slide6.xml><?xml version="1.0" encoding="utf-8"?>
+<p:sld xmlns:a="http://schemas.openxmlformats.org/drawingml/2006/main" xmlns:p="http://schemas.openxmlformats.org/presentationml/2006/main" xmlns:r="http://schemas.openxmlformats.org/officeDocument/2006/relationships">
+  <p:cSld>
+    <p:spTree>
+      <p:nvGrpSpPr>
+        <p:cNvPr id="1" name=""/>
+        <p:cNvGrpSpPr/>
+        <p:nvPr/>
+      </p:nvGrpSpPr>
+      <p:grpSpPr>
+        <a:xfrm>
+          <a:off x="0" y="0"/>
+          <a:ext cx="0" cy="0"/>
+          <a:chOff x="0" y="0"/>
+          <a:chExt cx="0" cy="0"/>
+        </a:xfrm>
+      </p:grpSpPr>
+      <p:sp>
+        <p:nvSpPr>
+          <p:cNvPr id="46" name="TextShape 1"/>
+          <p:cNvSpPr txBox="1"/>
+          <p:nvPr/>
+        </p:nvSpPr>
+        <p:spPr>
+          <a:xfrm>
+            <a:off x="504000" y="301320"/>
+            <a:ext cx="9071280" cy="1262160"/>
+          </a:xfrm>
+          <a:prstGeom prst="rect">
+            <a:avLst/>
+          </a:prstGeom>
+        </p:spPr>
+        <p:txBody>
+          <a:bodyPr lIns="0" rIns="0" tIns="0" bIns="0" anchor="ctr"/>
+          <a:p>
+            <a:pPr algn="ctr"/>
+            <a:r>
+              <a:rPr lang="en-US" sz="4400">
+                <a:latin typeface="Arial"/>
+              </a:rPr>
+              <a:t>Design</a:t>
+            </a:r>
+            <a:endParaRPr/>
+          </a:p>
+        </p:txBody>
+      </p:sp>
+    </p:spTree>
+  </p:cSld>
+</p:sld>
+</file>
+
+<file path=ppt/slides/slide7.xml><?xml version="1.0" encoding="utf-8"?>
+<p:sld xmlns:a="http://schemas.openxmlformats.org/drawingml/2006/main" xmlns:p="http://schemas.openxmlformats.org/presentationml/2006/main" xmlns:r="http://schemas.openxmlformats.org/officeDocument/2006/relationships">
+  <p:cSld>
+    <p:spTree>
+      <p:nvGrpSpPr>
+        <p:cNvPr id="1" name=""/>
+        <p:cNvGrpSpPr/>
+        <p:nvPr/>
+      </p:nvGrpSpPr>
+      <p:grpSpPr>
+        <a:xfrm>
+          <a:off x="0" y="0"/>
+          <a:ext cx="0" cy="0"/>
+          <a:chOff x="0" y="0"/>
+          <a:chExt cx="0" cy="0"/>
+        </a:xfrm>
+      </p:grpSpPr>
+      <p:sp>
+        <p:nvSpPr>
+          <p:cNvPr id="47" name="TextShape 1"/>
+          <p:cNvSpPr txBox="1"/>
+          <p:nvPr/>
+        </p:nvSpPr>
+        <p:spPr>
+          <a:xfrm>
+            <a:off x="504000" y="301320"/>
+            <a:ext cx="9071280" cy="1262160"/>
+          </a:xfrm>
+          <a:prstGeom prst="rect">
+            <a:avLst/>
+          </a:prstGeom>
+        </p:spPr>
+        <p:txBody>
+          <a:bodyPr lIns="0" rIns="0" tIns="0" bIns="0" anchor="ctr"/>
+          <a:p>
+            <a:pPr algn="ctr"/>
+            <a:r>
+              <a:rPr lang="en-US" sz="4400">
+                <a:latin typeface="Arial"/>
+              </a:rPr>
+              <a:t>System Architecture</a:t>
+            </a:r>
+            <a:endParaRPr/>
+          </a:p>
+        </p:txBody>
+      </p:sp>
+      <p:sp>
+        <p:nvSpPr>
+          <p:cNvPr id="48" name="TextShape 2"/>
+          <p:cNvSpPr txBox="1"/>
+          <p:nvPr/>
+        </p:nvSpPr>
+        <p:spPr>
+          <a:xfrm>
+            <a:off x="504000" y="1768680"/>
+            <a:ext cx="9072000" cy="4384080"/>
+          </a:xfrm>
+          <a:prstGeom prst="rect">
+            <a:avLst/>
+          </a:prstGeom>
+        </p:spPr>
+        <p:txBody>
+          <a:bodyPr lIns="0" rIns="0" tIns="0" bIns="0"/>
+          <a:p>
+            <a:pPr>
+              <a:buSzPct val="45000"/>
+              <a:buFont typeface="StarSymbol"/>
+              <a:buChar char=""/>
+            </a:pPr>
+            <a:r>
+              <a:rPr lang="en-US" sz="3200">
+                <a:latin typeface="Arial"/>
+              </a:rPr>
+              <a:t>Using Processing</a:t>
+            </a:r>
+            <a:endParaRPr/>
+          </a:p>
+        </p:txBody>
+      </p:sp>
+    </p:spTree>
+  </p:cSld>
+</p:sld>
+</file>
+
+<file path=ppt/slides/slide8.xml><?xml version="1.0" encoding="utf-8"?>
+<p:sld xmlns:a="http://schemas.openxmlformats.org/drawingml/2006/main" xmlns:p="http://schemas.openxmlformats.org/presentationml/2006/main" xmlns:r="http://schemas.openxmlformats.org/officeDocument/2006/relationships">
+  <p:cSld>
+    <p:spTree>
+      <p:nvGrpSpPr>
+        <p:cNvPr id="1" name=""/>
+        <p:cNvGrpSpPr/>
+        <p:nvPr/>
+      </p:nvGrpSpPr>
+      <p:grpSpPr>
+        <a:xfrm>
+          <a:off x="0" y="0"/>
+          <a:ext cx="0" cy="0"/>
+          <a:chOff x="0" y="0"/>
+          <a:chExt cx="0" cy="0"/>
+        </a:xfrm>
+      </p:grpSpPr>
+      <p:sp>
+        <p:nvSpPr>
+          <p:cNvPr id="49" name="TextShape 1"/>
+          <p:cNvSpPr txBox="1"/>
+          <p:nvPr/>
+        </p:nvSpPr>
+        <p:spPr>
+          <a:xfrm>
+            <a:off x="504000" y="301320"/>
+            <a:ext cx="9071280" cy="1262160"/>
+          </a:xfrm>
+          <a:prstGeom prst="rect">
+            <a:avLst/>
+          </a:prstGeom>
+        </p:spPr>
+        <p:txBody>
+          <a:bodyPr lIns="0" rIns="0" tIns="0" bIns="0" anchor="ctr"/>
+          <a:p>
+            <a:pPr algn="ctr"/>
+            <a:r>
+              <a:rPr lang="en-US" sz="4400">
+                <a:latin typeface="Arial"/>
+              </a:rPr>
+              <a:t>Usage Scenario</a:t>
+            </a:r>
+            <a:endParaRPr/>
+          </a:p>
+        </p:txBody>
+      </p:sp>
+      <p:sp>
+        <p:nvSpPr>
+          <p:cNvPr id="50" name="TextShape 2"/>
+          <p:cNvSpPr txBox="1"/>
+          <p:nvPr/>
+        </p:nvSpPr>
+        <p:spPr>
+          <a:xfrm>
+            <a:off x="504000" y="1768680"/>
+            <a:ext cx="9072000" cy="4384080"/>
+          </a:xfrm>
+          <a:prstGeom prst="rect">
+            <a:avLst/>
+          </a:prstGeom>
+        </p:spPr>
+        <p:txBody>
+          <a:bodyPr lIns="0" rIns="0" tIns="0" bIns="0"/>
+          <a:p>
+            <a:endParaRPr/>
+          </a:p>
+        </p:txBody>
+      </p:sp>
+    </p:spTree>
+  </p:cSld>
 </p:sld>
 </file>
 

--- a/checkup_presentation.pptx
+++ b/checkup_presentation.pptx
@@ -3,18 +3,20 @@
 <p:presentation xmlns:a="http://schemas.openxmlformats.org/drawingml/2006/main" xmlns:p="http://schemas.openxmlformats.org/presentationml/2006/main" xmlns:r="http://schemas.openxmlformats.org/officeDocument/2006/relationships">
   <p:sldMasterIdLst>
     <p:sldMasterId id="2147483648" r:id="rId2"/>
+    <p:sldMasterId id="2147483661" r:id="rId3"/>
+    <p:sldMasterId id="2147483674" r:id="rId4"/>
   </p:sldMasterIdLst>
   <p:sldIdLst>
-    <p:sldId id="256" r:id="rId3"/>
-    <p:sldId id="257" r:id="rId4"/>
-    <p:sldId id="258" r:id="rId5"/>
-    <p:sldId id="259" r:id="rId6"/>
-    <p:sldId id="260" r:id="rId7"/>
-    <p:sldId id="261" r:id="rId8"/>
-    <p:sldId id="262" r:id="rId9"/>
-    <p:sldId id="263" r:id="rId10"/>
+    <p:sldId id="256" r:id="rId5"/>
+    <p:sldId id="257" r:id="rId6"/>
+    <p:sldId id="258" r:id="rId7"/>
+    <p:sldId id="259" r:id="rId8"/>
+    <p:sldId id="260" r:id="rId9"/>
+    <p:sldId id="261" r:id="rId10"/>
+    <p:sldId id="262" r:id="rId11"/>
+    <p:sldId id="263" r:id="rId12"/>
   </p:sldIdLst>
-  <p:sldSz cx="10080625" cy="7559675"/>
+  <p:sldSz cx="9144000" cy="6858000"/>
   <p:notesSz cx="7772400" cy="10058400"/>
 </p:presentation>
 </file>
@@ -60,7 +62,7 @@
       </p:grpSpPr>
       <p:sp>
         <p:nvSpPr>
-          <p:cNvPr id="23" name="PlaceHolder 1"/>
+          <p:cNvPr id="26" name="PlaceHolder 1"/>
           <p:cNvSpPr>
             <a:spLocks noGrp="1"/>
           </p:cNvSpPr>
@@ -70,8 +72,8 @@
         </p:nvSpPr>
         <p:spPr>
           <a:xfrm>
-            <a:off x="504000" y="301320"/>
-            <a:ext cx="9071280" cy="1262520"/>
+            <a:off x="457200" y="274680"/>
+            <a:ext cx="8229240" cy="1143000"/>
           </a:xfrm>
           <a:prstGeom prst="rect">
             <a:avLst/>
@@ -80,14 +82,13 @@
         <p:txBody>
           <a:bodyPr lIns="0" rIns="0" tIns="0" bIns="0" anchor="ctr"/>
           <a:p>
-            <a:pPr algn="ctr"/>
-            <a:endParaRPr/>
-          </a:p>
-        </p:txBody>
-      </p:sp>
-      <p:sp>
-        <p:nvSpPr>
-          <p:cNvPr id="24" name="PlaceHolder 2"/>
+            <a:endParaRPr/>
+          </a:p>
+        </p:txBody>
+      </p:sp>
+      <p:sp>
+        <p:nvSpPr>
+          <p:cNvPr id="27" name="PlaceHolder 2"/>
           <p:cNvSpPr>
             <a:spLocks noGrp="1"/>
           </p:cNvSpPr>
@@ -97,8 +98,8 @@
         </p:nvSpPr>
         <p:spPr>
           <a:xfrm>
-            <a:off x="504000" y="1768680"/>
-            <a:ext cx="9072000" cy="2090880"/>
+            <a:off x="457200" y="1600200"/>
+            <a:ext cx="8229240" cy="2158560"/>
           </a:xfrm>
           <a:prstGeom prst="rect">
             <a:avLst/>
@@ -113,7 +114,7 @@
       </p:sp>
       <p:sp>
         <p:nvSpPr>
-          <p:cNvPr id="25" name="PlaceHolder 3"/>
+          <p:cNvPr id="28" name="PlaceHolder 3"/>
           <p:cNvSpPr>
             <a:spLocks noGrp="1"/>
           </p:cNvSpPr>
@@ -123,8 +124,8 @@
         </p:nvSpPr>
         <p:spPr>
           <a:xfrm>
-            <a:off x="504000" y="4058640"/>
-            <a:ext cx="9072000" cy="2090880"/>
+            <a:off x="457200" y="3964320"/>
+            <a:ext cx="8229240" cy="2158560"/>
           </a:xfrm>
           <a:prstGeom prst="rect">
             <a:avLst/>
@@ -161,7 +162,7 @@
       </p:grpSpPr>
       <p:sp>
         <p:nvSpPr>
-          <p:cNvPr id="26" name="PlaceHolder 1"/>
+          <p:cNvPr id="29" name="PlaceHolder 1"/>
           <p:cNvSpPr>
             <a:spLocks noGrp="1"/>
           </p:cNvSpPr>
@@ -171,8 +172,8 @@
         </p:nvSpPr>
         <p:spPr>
           <a:xfrm>
-            <a:off x="504000" y="301320"/>
-            <a:ext cx="9071280" cy="1262520"/>
+            <a:off x="457200" y="274680"/>
+            <a:ext cx="8229240" cy="1143000"/>
           </a:xfrm>
           <a:prstGeom prst="rect">
             <a:avLst/>
@@ -181,14 +182,13 @@
         <p:txBody>
           <a:bodyPr lIns="0" rIns="0" tIns="0" bIns="0" anchor="ctr"/>
           <a:p>
-            <a:pPr algn="ctr"/>
-            <a:endParaRPr/>
-          </a:p>
-        </p:txBody>
-      </p:sp>
-      <p:sp>
-        <p:nvSpPr>
-          <p:cNvPr id="27" name="PlaceHolder 2"/>
+            <a:endParaRPr/>
+          </a:p>
+        </p:txBody>
+      </p:sp>
+      <p:sp>
+        <p:nvSpPr>
+          <p:cNvPr id="30" name="PlaceHolder 2"/>
           <p:cNvSpPr>
             <a:spLocks noGrp="1"/>
           </p:cNvSpPr>
@@ -198,8 +198,8 @@
         </p:nvSpPr>
         <p:spPr>
           <a:xfrm>
-            <a:off x="504000" y="1768680"/>
-            <a:ext cx="4426920" cy="2090880"/>
+            <a:off x="457200" y="1600200"/>
+            <a:ext cx="4015800" cy="2158560"/>
           </a:xfrm>
           <a:prstGeom prst="rect">
             <a:avLst/>
@@ -214,7 +214,7 @@
       </p:sp>
       <p:sp>
         <p:nvSpPr>
-          <p:cNvPr id="28" name="PlaceHolder 3"/>
+          <p:cNvPr id="31" name="PlaceHolder 3"/>
           <p:cNvSpPr>
             <a:spLocks noGrp="1"/>
           </p:cNvSpPr>
@@ -224,8 +224,8 @@
         </p:nvSpPr>
         <p:spPr>
           <a:xfrm>
-            <a:off x="5152680" y="1768680"/>
-            <a:ext cx="4426920" cy="2090880"/>
+            <a:off x="4674240" y="1600200"/>
+            <a:ext cx="4015800" cy="2158560"/>
           </a:xfrm>
           <a:prstGeom prst="rect">
             <a:avLst/>
@@ -240,7 +240,7 @@
       </p:sp>
       <p:sp>
         <p:nvSpPr>
-          <p:cNvPr id="29" name="PlaceHolder 4"/>
+          <p:cNvPr id="32" name="PlaceHolder 4"/>
           <p:cNvSpPr>
             <a:spLocks noGrp="1"/>
           </p:cNvSpPr>
@@ -250,8 +250,8 @@
         </p:nvSpPr>
         <p:spPr>
           <a:xfrm>
-            <a:off x="5152680" y="4058640"/>
-            <a:ext cx="4426920" cy="2090880"/>
+            <a:off x="4674240" y="3964320"/>
+            <a:ext cx="4015800" cy="2158560"/>
           </a:xfrm>
           <a:prstGeom prst="rect">
             <a:avLst/>
@@ -266,7 +266,7 @@
       </p:sp>
       <p:sp>
         <p:nvSpPr>
-          <p:cNvPr id="30" name="PlaceHolder 5"/>
+          <p:cNvPr id="33" name="PlaceHolder 5"/>
           <p:cNvSpPr>
             <a:spLocks noGrp="1"/>
           </p:cNvSpPr>
@@ -276,8 +276,8 @@
         </p:nvSpPr>
         <p:spPr>
           <a:xfrm>
-            <a:off x="504000" y="4058640"/>
-            <a:ext cx="4426920" cy="2090880"/>
+            <a:off x="457200" y="3964320"/>
+            <a:ext cx="4015800" cy="2158560"/>
           </a:xfrm>
           <a:prstGeom prst="rect">
             <a:avLst/>
@@ -314,7 +314,7 @@
       </p:grpSpPr>
       <p:sp>
         <p:nvSpPr>
-          <p:cNvPr id="31" name="PlaceHolder 1"/>
+          <p:cNvPr id="34" name="PlaceHolder 1"/>
           <p:cNvSpPr>
             <a:spLocks noGrp="1"/>
           </p:cNvSpPr>
@@ -324,8 +324,8 @@
         </p:nvSpPr>
         <p:spPr>
           <a:xfrm>
-            <a:off x="504000" y="301320"/>
-            <a:ext cx="9071280" cy="1262520"/>
+            <a:off x="457200" y="274680"/>
+            <a:ext cx="8229240" cy="1143000"/>
           </a:xfrm>
           <a:prstGeom prst="rect">
             <a:avLst/>
@@ -334,14 +334,13 @@
         <p:txBody>
           <a:bodyPr lIns="0" rIns="0" tIns="0" bIns="0" anchor="ctr"/>
           <a:p>
-            <a:pPr algn="ctr"/>
-            <a:endParaRPr/>
-          </a:p>
-        </p:txBody>
-      </p:sp>
-      <p:sp>
-        <p:nvSpPr>
-          <p:cNvPr id="32" name="PlaceHolder 2"/>
+            <a:endParaRPr/>
+          </a:p>
+        </p:txBody>
+      </p:sp>
+      <p:sp>
+        <p:nvSpPr>
+          <p:cNvPr id="35" name="PlaceHolder 2"/>
           <p:cNvSpPr>
             <a:spLocks noGrp="1"/>
           </p:cNvSpPr>
@@ -351,8 +350,8 @@
         </p:nvSpPr>
         <p:spPr>
           <a:xfrm>
-            <a:off x="504000" y="1768680"/>
-            <a:ext cx="9072000" cy="4384080"/>
+            <a:off x="457200" y="1600200"/>
+            <a:ext cx="8229240" cy="4525560"/>
           </a:xfrm>
           <a:prstGeom prst="rect">
             <a:avLst/>
@@ -367,7 +366,7 @@
       </p:sp>
       <p:sp>
         <p:nvSpPr>
-          <p:cNvPr id="33" name="PlaceHolder 3"/>
+          <p:cNvPr id="36" name="PlaceHolder 3"/>
           <p:cNvSpPr>
             <a:spLocks noGrp="1"/>
           </p:cNvSpPr>
@@ -377,8 +376,8 @@
         </p:nvSpPr>
         <p:spPr>
           <a:xfrm>
-            <a:off x="504000" y="1768680"/>
-            <a:ext cx="9072000" cy="4384080"/>
+            <a:off x="457200" y="1600200"/>
+            <a:ext cx="8229240" cy="4525560"/>
           </a:xfrm>
           <a:prstGeom prst="rect">
             <a:avLst/>
@@ -393,7 +392,7 @@
       </p:sp>
       <p:pic>
         <p:nvPicPr>
-          <p:cNvPr id="34" name="" descr=""/>
+          <p:cNvPr id="37" name="" descr=""/>
           <p:cNvPicPr/>
           <p:nvPr/>
         </p:nvPicPr>
@@ -405,8 +404,8 @@
         </p:blipFill>
         <p:spPr>
           <a:xfrm>
-            <a:off x="2292480" y="1768680"/>
-            <a:ext cx="5494680" cy="4384080"/>
+            <a:off x="1735560" y="1599840"/>
+            <a:ext cx="5671800" cy="4525560"/>
           </a:xfrm>
           <a:prstGeom prst="rect">
             <a:avLst/>
@@ -418,7 +417,7 @@
       </p:pic>
       <p:pic>
         <p:nvPicPr>
-          <p:cNvPr id="35" name="" descr=""/>
+          <p:cNvPr id="38" name="" descr=""/>
           <p:cNvPicPr/>
           <p:nvPr/>
         </p:nvPicPr>
@@ -430,8 +429,8 @@
         </p:blipFill>
         <p:spPr>
           <a:xfrm>
-            <a:off x="2292480" y="1768680"/>
-            <a:ext cx="5494680" cy="4384080"/>
+            <a:off x="1735560" y="1599840"/>
+            <a:ext cx="5671800" cy="4525560"/>
           </a:xfrm>
           <a:prstGeom prst="rect">
             <a:avLst/>
@@ -441,6 +440,500 @@
           </a:ln>
         </p:spPr>
       </p:pic>
+    </p:spTree>
+  </p:cSld>
+</p:sldLayout>
+</file>
+
+<file path=ppt/slideLayouts/slideLayout13.xml><?xml version="1.0" encoding="utf-8"?>
+<p:sldLayout xmlns:a="http://schemas.openxmlformats.org/drawingml/2006/main" xmlns:p="http://schemas.openxmlformats.org/presentationml/2006/main" xmlns:r="http://schemas.openxmlformats.org/officeDocument/2006/relationships" type="blank" preserve="1">
+  <p:cSld name="Blank Slide">
+    <p:spTree>
+      <p:nvGrpSpPr>
+        <p:cNvPr id="1" name=""/>
+        <p:cNvGrpSpPr/>
+        <p:nvPr/>
+      </p:nvGrpSpPr>
+      <p:grpSpPr>
+        <a:xfrm>
+          <a:off x="0" y="0"/>
+          <a:ext cx="0" cy="0"/>
+          <a:chOff x="0" y="0"/>
+          <a:chExt cx="0" cy="0"/>
+        </a:xfrm>
+      </p:grpSpPr>
+    </p:spTree>
+  </p:cSld>
+</p:sldLayout>
+</file>
+
+<file path=ppt/slideLayouts/slideLayout14.xml><?xml version="1.0" encoding="utf-8"?>
+<p:sldLayout xmlns:a="http://schemas.openxmlformats.org/drawingml/2006/main" xmlns:p="http://schemas.openxmlformats.org/presentationml/2006/main" xmlns:r="http://schemas.openxmlformats.org/officeDocument/2006/relationships" type="tx" preserve="1">
+  <p:cSld name="Title Slide">
+    <p:spTree>
+      <p:nvGrpSpPr>
+        <p:cNvPr id="1" name=""/>
+        <p:cNvGrpSpPr/>
+        <p:nvPr/>
+      </p:nvGrpSpPr>
+      <p:grpSpPr>
+        <a:xfrm>
+          <a:off x="0" y="0"/>
+          <a:ext cx="0" cy="0"/>
+          <a:chOff x="0" y="0"/>
+          <a:chExt cx="0" cy="0"/>
+        </a:xfrm>
+      </p:grpSpPr>
+      <p:sp>
+        <p:nvSpPr>
+          <p:cNvPr id="44" name="PlaceHolder 1"/>
+          <p:cNvSpPr>
+            <a:spLocks noGrp="1"/>
+          </p:cNvSpPr>
+          <p:nvPr>
+            <p:ph type="title"/>
+          </p:nvPr>
+        </p:nvSpPr>
+        <p:spPr>
+          <a:xfrm>
+            <a:off x="457200" y="274680"/>
+            <a:ext cx="8229240" cy="1143000"/>
+          </a:xfrm>
+          <a:prstGeom prst="rect">
+            <a:avLst/>
+          </a:prstGeom>
+        </p:spPr>
+        <p:txBody>
+          <a:bodyPr lIns="0" rIns="0" tIns="0" bIns="0" anchor="ctr"/>
+          <a:p>
+            <a:endParaRPr/>
+          </a:p>
+        </p:txBody>
+      </p:sp>
+      <p:sp>
+        <p:nvSpPr>
+          <p:cNvPr id="45" name="PlaceHolder 2"/>
+          <p:cNvSpPr>
+            <a:spLocks noGrp="1"/>
+          </p:cNvSpPr>
+          <p:nvPr>
+            <p:ph type="subTitle"/>
+          </p:nvPr>
+        </p:nvSpPr>
+        <p:spPr>
+          <a:xfrm>
+            <a:off x="457200" y="1600200"/>
+            <a:ext cx="8229240" cy="4525920"/>
+          </a:xfrm>
+          <a:prstGeom prst="rect">
+            <a:avLst/>
+          </a:prstGeom>
+        </p:spPr>
+        <p:txBody>
+          <a:bodyPr lIns="0" rIns="0" tIns="0" bIns="0" anchor="ctr"/>
+          <a:p>
+            <a:pPr algn="ctr"/>
+            <a:endParaRPr/>
+          </a:p>
+        </p:txBody>
+      </p:sp>
+    </p:spTree>
+  </p:cSld>
+</p:sldLayout>
+</file>
+
+<file path=ppt/slideLayouts/slideLayout15.xml><?xml version="1.0" encoding="utf-8"?>
+<p:sldLayout xmlns:a="http://schemas.openxmlformats.org/drawingml/2006/main" xmlns:p="http://schemas.openxmlformats.org/presentationml/2006/main" xmlns:r="http://schemas.openxmlformats.org/officeDocument/2006/relationships" type="obj" preserve="1">
+  <p:cSld name="Title, Content">
+    <p:spTree>
+      <p:nvGrpSpPr>
+        <p:cNvPr id="1" name=""/>
+        <p:cNvGrpSpPr/>
+        <p:nvPr/>
+      </p:nvGrpSpPr>
+      <p:grpSpPr>
+        <a:xfrm>
+          <a:off x="0" y="0"/>
+          <a:ext cx="0" cy="0"/>
+          <a:chOff x="0" y="0"/>
+          <a:chExt cx="0" cy="0"/>
+        </a:xfrm>
+      </p:grpSpPr>
+      <p:sp>
+        <p:nvSpPr>
+          <p:cNvPr id="46" name="PlaceHolder 1"/>
+          <p:cNvSpPr>
+            <a:spLocks noGrp="1"/>
+          </p:cNvSpPr>
+          <p:nvPr>
+            <p:ph type="title"/>
+          </p:nvPr>
+        </p:nvSpPr>
+        <p:spPr>
+          <a:xfrm>
+            <a:off x="457200" y="274680"/>
+            <a:ext cx="8229240" cy="1143000"/>
+          </a:xfrm>
+          <a:prstGeom prst="rect">
+            <a:avLst/>
+          </a:prstGeom>
+        </p:spPr>
+        <p:txBody>
+          <a:bodyPr lIns="0" rIns="0" tIns="0" bIns="0" anchor="ctr"/>
+          <a:p>
+            <a:endParaRPr/>
+          </a:p>
+        </p:txBody>
+      </p:sp>
+      <p:sp>
+        <p:nvSpPr>
+          <p:cNvPr id="47" name="PlaceHolder 2"/>
+          <p:cNvSpPr>
+            <a:spLocks noGrp="1"/>
+          </p:cNvSpPr>
+          <p:nvPr>
+            <p:ph type="body"/>
+          </p:nvPr>
+        </p:nvSpPr>
+        <p:spPr>
+          <a:xfrm>
+            <a:off x="457200" y="1600200"/>
+            <a:ext cx="8229240" cy="4525560"/>
+          </a:xfrm>
+          <a:prstGeom prst="rect">
+            <a:avLst/>
+          </a:prstGeom>
+        </p:spPr>
+        <p:txBody>
+          <a:bodyPr lIns="0" rIns="0" tIns="0" bIns="0"/>
+          <a:p>
+            <a:endParaRPr/>
+          </a:p>
+        </p:txBody>
+      </p:sp>
+    </p:spTree>
+  </p:cSld>
+</p:sldLayout>
+</file>
+
+<file path=ppt/slideLayouts/slideLayout16.xml><?xml version="1.0" encoding="utf-8"?>
+<p:sldLayout xmlns:a="http://schemas.openxmlformats.org/drawingml/2006/main" xmlns:p="http://schemas.openxmlformats.org/presentationml/2006/main" xmlns:r="http://schemas.openxmlformats.org/officeDocument/2006/relationships" type="twoObj" preserve="1">
+  <p:cSld name="Title, 2 Content">
+    <p:spTree>
+      <p:nvGrpSpPr>
+        <p:cNvPr id="1" name=""/>
+        <p:cNvGrpSpPr/>
+        <p:nvPr/>
+      </p:nvGrpSpPr>
+      <p:grpSpPr>
+        <a:xfrm>
+          <a:off x="0" y="0"/>
+          <a:ext cx="0" cy="0"/>
+          <a:chOff x="0" y="0"/>
+          <a:chExt cx="0" cy="0"/>
+        </a:xfrm>
+      </p:grpSpPr>
+      <p:sp>
+        <p:nvSpPr>
+          <p:cNvPr id="48" name="PlaceHolder 1"/>
+          <p:cNvSpPr>
+            <a:spLocks noGrp="1"/>
+          </p:cNvSpPr>
+          <p:nvPr>
+            <p:ph type="title"/>
+          </p:nvPr>
+        </p:nvSpPr>
+        <p:spPr>
+          <a:xfrm>
+            <a:off x="457200" y="274680"/>
+            <a:ext cx="8229240" cy="1143000"/>
+          </a:xfrm>
+          <a:prstGeom prst="rect">
+            <a:avLst/>
+          </a:prstGeom>
+        </p:spPr>
+        <p:txBody>
+          <a:bodyPr lIns="0" rIns="0" tIns="0" bIns="0" anchor="ctr"/>
+          <a:p>
+            <a:endParaRPr/>
+          </a:p>
+        </p:txBody>
+      </p:sp>
+      <p:sp>
+        <p:nvSpPr>
+          <p:cNvPr id="49" name="PlaceHolder 2"/>
+          <p:cNvSpPr>
+            <a:spLocks noGrp="1"/>
+          </p:cNvSpPr>
+          <p:nvPr>
+            <p:ph type="body"/>
+          </p:nvPr>
+        </p:nvSpPr>
+        <p:spPr>
+          <a:xfrm>
+            <a:off x="457200" y="1600200"/>
+            <a:ext cx="4015800" cy="4525560"/>
+          </a:xfrm>
+          <a:prstGeom prst="rect">
+            <a:avLst/>
+          </a:prstGeom>
+        </p:spPr>
+        <p:txBody>
+          <a:bodyPr lIns="0" rIns="0" tIns="0" bIns="0"/>
+          <a:p>
+            <a:endParaRPr/>
+          </a:p>
+        </p:txBody>
+      </p:sp>
+      <p:sp>
+        <p:nvSpPr>
+          <p:cNvPr id="50" name="PlaceHolder 3"/>
+          <p:cNvSpPr>
+            <a:spLocks noGrp="1"/>
+          </p:cNvSpPr>
+          <p:nvPr>
+            <p:ph type="body"/>
+          </p:nvPr>
+        </p:nvSpPr>
+        <p:spPr>
+          <a:xfrm>
+            <a:off x="4674240" y="1600200"/>
+            <a:ext cx="4015800" cy="4525560"/>
+          </a:xfrm>
+          <a:prstGeom prst="rect">
+            <a:avLst/>
+          </a:prstGeom>
+        </p:spPr>
+        <p:txBody>
+          <a:bodyPr lIns="0" rIns="0" tIns="0" bIns="0"/>
+          <a:p>
+            <a:endParaRPr/>
+          </a:p>
+        </p:txBody>
+      </p:sp>
+    </p:spTree>
+  </p:cSld>
+</p:sldLayout>
+</file>
+
+<file path=ppt/slideLayouts/slideLayout17.xml><?xml version="1.0" encoding="utf-8"?>
+<p:sldLayout xmlns:a="http://schemas.openxmlformats.org/drawingml/2006/main" xmlns:p="http://schemas.openxmlformats.org/presentationml/2006/main" xmlns:r="http://schemas.openxmlformats.org/officeDocument/2006/relationships" type="titleOnly" preserve="1">
+  <p:cSld name="Title Only">
+    <p:spTree>
+      <p:nvGrpSpPr>
+        <p:cNvPr id="1" name=""/>
+        <p:cNvGrpSpPr/>
+        <p:nvPr/>
+      </p:nvGrpSpPr>
+      <p:grpSpPr>
+        <a:xfrm>
+          <a:off x="0" y="0"/>
+          <a:ext cx="0" cy="0"/>
+          <a:chOff x="0" y="0"/>
+          <a:chExt cx="0" cy="0"/>
+        </a:xfrm>
+      </p:grpSpPr>
+      <p:sp>
+        <p:nvSpPr>
+          <p:cNvPr id="51" name="PlaceHolder 1"/>
+          <p:cNvSpPr>
+            <a:spLocks noGrp="1"/>
+          </p:cNvSpPr>
+          <p:nvPr>
+            <p:ph type="title"/>
+          </p:nvPr>
+        </p:nvSpPr>
+        <p:spPr>
+          <a:xfrm>
+            <a:off x="457200" y="274680"/>
+            <a:ext cx="8229240" cy="1143000"/>
+          </a:xfrm>
+          <a:prstGeom prst="rect">
+            <a:avLst/>
+          </a:prstGeom>
+        </p:spPr>
+        <p:txBody>
+          <a:bodyPr lIns="0" rIns="0" tIns="0" bIns="0" anchor="ctr"/>
+          <a:p>
+            <a:endParaRPr/>
+          </a:p>
+        </p:txBody>
+      </p:sp>
+    </p:spTree>
+  </p:cSld>
+</p:sldLayout>
+</file>
+
+<file path=ppt/slideLayouts/slideLayout18.xml><?xml version="1.0" encoding="utf-8"?>
+<p:sldLayout xmlns:a="http://schemas.openxmlformats.org/drawingml/2006/main" xmlns:p="http://schemas.openxmlformats.org/presentationml/2006/main" xmlns:r="http://schemas.openxmlformats.org/officeDocument/2006/relationships" type="objOnly" preserve="1">
+  <p:cSld name="Centered Text">
+    <p:spTree>
+      <p:nvGrpSpPr>
+        <p:cNvPr id="1" name=""/>
+        <p:cNvGrpSpPr/>
+        <p:nvPr/>
+      </p:nvGrpSpPr>
+      <p:grpSpPr>
+        <a:xfrm>
+          <a:off x="0" y="0"/>
+          <a:ext cx="0" cy="0"/>
+          <a:chOff x="0" y="0"/>
+          <a:chExt cx="0" cy="0"/>
+        </a:xfrm>
+      </p:grpSpPr>
+      <p:sp>
+        <p:nvSpPr>
+          <p:cNvPr id="52" name="PlaceHolder 1"/>
+          <p:cNvSpPr>
+            <a:spLocks noGrp="1"/>
+          </p:cNvSpPr>
+          <p:nvPr>
+            <p:ph type="subTitle"/>
+          </p:nvPr>
+        </p:nvSpPr>
+        <p:spPr>
+          <a:xfrm>
+            <a:off x="457200" y="274680"/>
+            <a:ext cx="8229240" cy="5298120"/>
+          </a:xfrm>
+          <a:prstGeom prst="rect">
+            <a:avLst/>
+          </a:prstGeom>
+        </p:spPr>
+        <p:txBody>
+          <a:bodyPr lIns="0" rIns="0" tIns="0" bIns="0" anchor="ctr"/>
+          <a:p>
+            <a:pPr algn="ctr"/>
+            <a:endParaRPr/>
+          </a:p>
+        </p:txBody>
+      </p:sp>
+    </p:spTree>
+  </p:cSld>
+</p:sldLayout>
+</file>
+
+<file path=ppt/slideLayouts/slideLayout19.xml><?xml version="1.0" encoding="utf-8"?>
+<p:sldLayout xmlns:a="http://schemas.openxmlformats.org/drawingml/2006/main" xmlns:p="http://schemas.openxmlformats.org/presentationml/2006/main" xmlns:r="http://schemas.openxmlformats.org/officeDocument/2006/relationships" type="twoObjAndObj" preserve="1">
+  <p:cSld name="Title, 2 Content and Content">
+    <p:spTree>
+      <p:nvGrpSpPr>
+        <p:cNvPr id="1" name=""/>
+        <p:cNvGrpSpPr/>
+        <p:nvPr/>
+      </p:nvGrpSpPr>
+      <p:grpSpPr>
+        <a:xfrm>
+          <a:off x="0" y="0"/>
+          <a:ext cx="0" cy="0"/>
+          <a:chOff x="0" y="0"/>
+          <a:chExt cx="0" cy="0"/>
+        </a:xfrm>
+      </p:grpSpPr>
+      <p:sp>
+        <p:nvSpPr>
+          <p:cNvPr id="53" name="PlaceHolder 1"/>
+          <p:cNvSpPr>
+            <a:spLocks noGrp="1"/>
+          </p:cNvSpPr>
+          <p:nvPr>
+            <p:ph type="title"/>
+          </p:nvPr>
+        </p:nvSpPr>
+        <p:spPr>
+          <a:xfrm>
+            <a:off x="457200" y="274680"/>
+            <a:ext cx="8229240" cy="1143000"/>
+          </a:xfrm>
+          <a:prstGeom prst="rect">
+            <a:avLst/>
+          </a:prstGeom>
+        </p:spPr>
+        <p:txBody>
+          <a:bodyPr lIns="0" rIns="0" tIns="0" bIns="0" anchor="ctr"/>
+          <a:p>
+            <a:endParaRPr/>
+          </a:p>
+        </p:txBody>
+      </p:sp>
+      <p:sp>
+        <p:nvSpPr>
+          <p:cNvPr id="54" name="PlaceHolder 2"/>
+          <p:cNvSpPr>
+            <a:spLocks noGrp="1"/>
+          </p:cNvSpPr>
+          <p:nvPr>
+            <p:ph type="body"/>
+          </p:nvPr>
+        </p:nvSpPr>
+        <p:spPr>
+          <a:xfrm>
+            <a:off x="457200" y="1600200"/>
+            <a:ext cx="4015800" cy="2158560"/>
+          </a:xfrm>
+          <a:prstGeom prst="rect">
+            <a:avLst/>
+          </a:prstGeom>
+        </p:spPr>
+        <p:txBody>
+          <a:bodyPr lIns="0" rIns="0" tIns="0" bIns="0"/>
+          <a:p>
+            <a:endParaRPr/>
+          </a:p>
+        </p:txBody>
+      </p:sp>
+      <p:sp>
+        <p:nvSpPr>
+          <p:cNvPr id="55" name="PlaceHolder 3"/>
+          <p:cNvSpPr>
+            <a:spLocks noGrp="1"/>
+          </p:cNvSpPr>
+          <p:nvPr>
+            <p:ph type="body"/>
+          </p:nvPr>
+        </p:nvSpPr>
+        <p:spPr>
+          <a:xfrm>
+            <a:off x="457200" y="3964320"/>
+            <a:ext cx="4015800" cy="2158560"/>
+          </a:xfrm>
+          <a:prstGeom prst="rect">
+            <a:avLst/>
+          </a:prstGeom>
+        </p:spPr>
+        <p:txBody>
+          <a:bodyPr lIns="0" rIns="0" tIns="0" bIns="0"/>
+          <a:p>
+            <a:endParaRPr/>
+          </a:p>
+        </p:txBody>
+      </p:sp>
+      <p:sp>
+        <p:nvSpPr>
+          <p:cNvPr id="56" name="PlaceHolder 4"/>
+          <p:cNvSpPr>
+            <a:spLocks noGrp="1"/>
+          </p:cNvSpPr>
+          <p:nvPr>
+            <p:ph type="body"/>
+          </p:nvPr>
+        </p:nvSpPr>
+        <p:spPr>
+          <a:xfrm>
+            <a:off x="4674240" y="1600200"/>
+            <a:ext cx="4015800" cy="4525560"/>
+          </a:xfrm>
+          <a:prstGeom prst="rect">
+            <a:avLst/>
+          </a:prstGeom>
+        </p:spPr>
+        <p:txBody>
+          <a:bodyPr lIns="0" rIns="0" tIns="0" bIns="0"/>
+          <a:p>
+            <a:endParaRPr/>
+          </a:p>
+        </p:txBody>
+      </p:sp>
     </p:spTree>
   </p:cSld>
 </p:sldLayout>
@@ -465,7 +958,7 @@
       </p:grpSpPr>
       <p:sp>
         <p:nvSpPr>
-          <p:cNvPr id="2" name="PlaceHolder 1"/>
+          <p:cNvPr id="5" name="PlaceHolder 1"/>
           <p:cNvSpPr>
             <a:spLocks noGrp="1"/>
           </p:cNvSpPr>
@@ -475,8 +968,8 @@
         </p:nvSpPr>
         <p:spPr>
           <a:xfrm>
-            <a:off x="504000" y="301320"/>
-            <a:ext cx="9071280" cy="1262520"/>
+            <a:off x="457200" y="274680"/>
+            <a:ext cx="8229240" cy="1143000"/>
           </a:xfrm>
           <a:prstGeom prst="rect">
             <a:avLst/>
@@ -485,14 +978,764 @@
         <p:txBody>
           <a:bodyPr lIns="0" rIns="0" tIns="0" bIns="0" anchor="ctr"/>
           <a:p>
+            <a:endParaRPr/>
+          </a:p>
+        </p:txBody>
+      </p:sp>
+      <p:sp>
+        <p:nvSpPr>
+          <p:cNvPr id="6" name="PlaceHolder 2"/>
+          <p:cNvSpPr>
+            <a:spLocks noGrp="1"/>
+          </p:cNvSpPr>
+          <p:nvPr>
+            <p:ph type="subTitle"/>
+          </p:nvPr>
+        </p:nvSpPr>
+        <p:spPr>
+          <a:xfrm>
+            <a:off x="457200" y="1600200"/>
+            <a:ext cx="8229240" cy="4525920"/>
+          </a:xfrm>
+          <a:prstGeom prst="rect">
+            <a:avLst/>
+          </a:prstGeom>
+        </p:spPr>
+        <p:txBody>
+          <a:bodyPr lIns="0" rIns="0" tIns="0" bIns="0" anchor="ctr"/>
+          <a:p>
             <a:pPr algn="ctr"/>
             <a:endParaRPr/>
           </a:p>
         </p:txBody>
       </p:sp>
-      <p:sp>
-        <p:nvSpPr>
-          <p:cNvPr id="3" name="PlaceHolder 2"/>
+    </p:spTree>
+  </p:cSld>
+</p:sldLayout>
+</file>
+
+<file path=ppt/slideLayouts/slideLayout20.xml><?xml version="1.0" encoding="utf-8"?>
+<p:sldLayout xmlns:a="http://schemas.openxmlformats.org/drawingml/2006/main" xmlns:p="http://schemas.openxmlformats.org/presentationml/2006/main" xmlns:r="http://schemas.openxmlformats.org/officeDocument/2006/relationships" type="objAndTwoObj" preserve="1">
+  <p:cSld name="Title Content and 2 Content">
+    <p:spTree>
+      <p:nvGrpSpPr>
+        <p:cNvPr id="1" name=""/>
+        <p:cNvGrpSpPr/>
+        <p:nvPr/>
+      </p:nvGrpSpPr>
+      <p:grpSpPr>
+        <a:xfrm>
+          <a:off x="0" y="0"/>
+          <a:ext cx="0" cy="0"/>
+          <a:chOff x="0" y="0"/>
+          <a:chExt cx="0" cy="0"/>
+        </a:xfrm>
+      </p:grpSpPr>
+      <p:sp>
+        <p:nvSpPr>
+          <p:cNvPr id="57" name="PlaceHolder 1"/>
+          <p:cNvSpPr>
+            <a:spLocks noGrp="1"/>
+          </p:cNvSpPr>
+          <p:nvPr>
+            <p:ph type="title"/>
+          </p:nvPr>
+        </p:nvSpPr>
+        <p:spPr>
+          <a:xfrm>
+            <a:off x="457200" y="274680"/>
+            <a:ext cx="8229240" cy="1143000"/>
+          </a:xfrm>
+          <a:prstGeom prst="rect">
+            <a:avLst/>
+          </a:prstGeom>
+        </p:spPr>
+        <p:txBody>
+          <a:bodyPr lIns="0" rIns="0" tIns="0" bIns="0" anchor="ctr"/>
+          <a:p>
+            <a:endParaRPr/>
+          </a:p>
+        </p:txBody>
+      </p:sp>
+      <p:sp>
+        <p:nvSpPr>
+          <p:cNvPr id="58" name="PlaceHolder 2"/>
+          <p:cNvSpPr>
+            <a:spLocks noGrp="1"/>
+          </p:cNvSpPr>
+          <p:nvPr>
+            <p:ph type="body"/>
+          </p:nvPr>
+        </p:nvSpPr>
+        <p:spPr>
+          <a:xfrm>
+            <a:off x="457200" y="1600200"/>
+            <a:ext cx="4015800" cy="4525560"/>
+          </a:xfrm>
+          <a:prstGeom prst="rect">
+            <a:avLst/>
+          </a:prstGeom>
+        </p:spPr>
+        <p:txBody>
+          <a:bodyPr lIns="0" rIns="0" tIns="0" bIns="0"/>
+          <a:p>
+            <a:endParaRPr/>
+          </a:p>
+        </p:txBody>
+      </p:sp>
+      <p:sp>
+        <p:nvSpPr>
+          <p:cNvPr id="59" name="PlaceHolder 3"/>
+          <p:cNvSpPr>
+            <a:spLocks noGrp="1"/>
+          </p:cNvSpPr>
+          <p:nvPr>
+            <p:ph type="body"/>
+          </p:nvPr>
+        </p:nvSpPr>
+        <p:spPr>
+          <a:xfrm>
+            <a:off x="4674240" y="1600200"/>
+            <a:ext cx="4015800" cy="2158560"/>
+          </a:xfrm>
+          <a:prstGeom prst="rect">
+            <a:avLst/>
+          </a:prstGeom>
+        </p:spPr>
+        <p:txBody>
+          <a:bodyPr lIns="0" rIns="0" tIns="0" bIns="0"/>
+          <a:p>
+            <a:endParaRPr/>
+          </a:p>
+        </p:txBody>
+      </p:sp>
+      <p:sp>
+        <p:nvSpPr>
+          <p:cNvPr id="60" name="PlaceHolder 4"/>
+          <p:cNvSpPr>
+            <a:spLocks noGrp="1"/>
+          </p:cNvSpPr>
+          <p:nvPr>
+            <p:ph type="body"/>
+          </p:nvPr>
+        </p:nvSpPr>
+        <p:spPr>
+          <a:xfrm>
+            <a:off x="4674240" y="3964320"/>
+            <a:ext cx="4015800" cy="2158560"/>
+          </a:xfrm>
+          <a:prstGeom prst="rect">
+            <a:avLst/>
+          </a:prstGeom>
+        </p:spPr>
+        <p:txBody>
+          <a:bodyPr lIns="0" rIns="0" tIns="0" bIns="0"/>
+          <a:p>
+            <a:endParaRPr/>
+          </a:p>
+        </p:txBody>
+      </p:sp>
+    </p:spTree>
+  </p:cSld>
+</p:sldLayout>
+</file>
+
+<file path=ppt/slideLayouts/slideLayout21.xml><?xml version="1.0" encoding="utf-8"?>
+<p:sldLayout xmlns:a="http://schemas.openxmlformats.org/drawingml/2006/main" xmlns:p="http://schemas.openxmlformats.org/presentationml/2006/main" xmlns:r="http://schemas.openxmlformats.org/officeDocument/2006/relationships" type="twoObjOverTx" preserve="1">
+  <p:cSld name="Title, 2 Content over Content">
+    <p:spTree>
+      <p:nvGrpSpPr>
+        <p:cNvPr id="1" name=""/>
+        <p:cNvGrpSpPr/>
+        <p:nvPr/>
+      </p:nvGrpSpPr>
+      <p:grpSpPr>
+        <a:xfrm>
+          <a:off x="0" y="0"/>
+          <a:ext cx="0" cy="0"/>
+          <a:chOff x="0" y="0"/>
+          <a:chExt cx="0" cy="0"/>
+        </a:xfrm>
+      </p:grpSpPr>
+      <p:sp>
+        <p:nvSpPr>
+          <p:cNvPr id="61" name="PlaceHolder 1"/>
+          <p:cNvSpPr>
+            <a:spLocks noGrp="1"/>
+          </p:cNvSpPr>
+          <p:nvPr>
+            <p:ph type="title"/>
+          </p:nvPr>
+        </p:nvSpPr>
+        <p:spPr>
+          <a:xfrm>
+            <a:off x="457200" y="274680"/>
+            <a:ext cx="8229240" cy="1143000"/>
+          </a:xfrm>
+          <a:prstGeom prst="rect">
+            <a:avLst/>
+          </a:prstGeom>
+        </p:spPr>
+        <p:txBody>
+          <a:bodyPr lIns="0" rIns="0" tIns="0" bIns="0" anchor="ctr"/>
+          <a:p>
+            <a:endParaRPr/>
+          </a:p>
+        </p:txBody>
+      </p:sp>
+      <p:sp>
+        <p:nvSpPr>
+          <p:cNvPr id="62" name="PlaceHolder 2"/>
+          <p:cNvSpPr>
+            <a:spLocks noGrp="1"/>
+          </p:cNvSpPr>
+          <p:nvPr>
+            <p:ph type="body"/>
+          </p:nvPr>
+        </p:nvSpPr>
+        <p:spPr>
+          <a:xfrm>
+            <a:off x="457200" y="1600200"/>
+            <a:ext cx="4015800" cy="2158560"/>
+          </a:xfrm>
+          <a:prstGeom prst="rect">
+            <a:avLst/>
+          </a:prstGeom>
+        </p:spPr>
+        <p:txBody>
+          <a:bodyPr lIns="0" rIns="0" tIns="0" bIns="0"/>
+          <a:p>
+            <a:endParaRPr/>
+          </a:p>
+        </p:txBody>
+      </p:sp>
+      <p:sp>
+        <p:nvSpPr>
+          <p:cNvPr id="63" name="PlaceHolder 3"/>
+          <p:cNvSpPr>
+            <a:spLocks noGrp="1"/>
+          </p:cNvSpPr>
+          <p:nvPr>
+            <p:ph type="body"/>
+          </p:nvPr>
+        </p:nvSpPr>
+        <p:spPr>
+          <a:xfrm>
+            <a:off x="4674240" y="1600200"/>
+            <a:ext cx="4015800" cy="2158560"/>
+          </a:xfrm>
+          <a:prstGeom prst="rect">
+            <a:avLst/>
+          </a:prstGeom>
+        </p:spPr>
+        <p:txBody>
+          <a:bodyPr lIns="0" rIns="0" tIns="0" bIns="0"/>
+          <a:p>
+            <a:endParaRPr/>
+          </a:p>
+        </p:txBody>
+      </p:sp>
+      <p:sp>
+        <p:nvSpPr>
+          <p:cNvPr id="64" name="PlaceHolder 4"/>
+          <p:cNvSpPr>
+            <a:spLocks noGrp="1"/>
+          </p:cNvSpPr>
+          <p:nvPr>
+            <p:ph type="body"/>
+          </p:nvPr>
+        </p:nvSpPr>
+        <p:spPr>
+          <a:xfrm>
+            <a:off x="457200" y="3964320"/>
+            <a:ext cx="8229240" cy="2158560"/>
+          </a:xfrm>
+          <a:prstGeom prst="rect">
+            <a:avLst/>
+          </a:prstGeom>
+        </p:spPr>
+        <p:txBody>
+          <a:bodyPr lIns="0" rIns="0" tIns="0" bIns="0"/>
+          <a:p>
+            <a:endParaRPr/>
+          </a:p>
+        </p:txBody>
+      </p:sp>
+    </p:spTree>
+  </p:cSld>
+</p:sldLayout>
+</file>
+
+<file path=ppt/slideLayouts/slideLayout22.xml><?xml version="1.0" encoding="utf-8"?>
+<p:sldLayout xmlns:a="http://schemas.openxmlformats.org/drawingml/2006/main" xmlns:p="http://schemas.openxmlformats.org/presentationml/2006/main" xmlns:r="http://schemas.openxmlformats.org/officeDocument/2006/relationships" type="objOverTx" preserve="1">
+  <p:cSld name="Title, Content over Content">
+    <p:spTree>
+      <p:nvGrpSpPr>
+        <p:cNvPr id="1" name=""/>
+        <p:cNvGrpSpPr/>
+        <p:nvPr/>
+      </p:nvGrpSpPr>
+      <p:grpSpPr>
+        <a:xfrm>
+          <a:off x="0" y="0"/>
+          <a:ext cx="0" cy="0"/>
+          <a:chOff x="0" y="0"/>
+          <a:chExt cx="0" cy="0"/>
+        </a:xfrm>
+      </p:grpSpPr>
+      <p:sp>
+        <p:nvSpPr>
+          <p:cNvPr id="65" name="PlaceHolder 1"/>
+          <p:cNvSpPr>
+            <a:spLocks noGrp="1"/>
+          </p:cNvSpPr>
+          <p:nvPr>
+            <p:ph type="title"/>
+          </p:nvPr>
+        </p:nvSpPr>
+        <p:spPr>
+          <a:xfrm>
+            <a:off x="457200" y="274680"/>
+            <a:ext cx="8229240" cy="1143000"/>
+          </a:xfrm>
+          <a:prstGeom prst="rect">
+            <a:avLst/>
+          </a:prstGeom>
+        </p:spPr>
+        <p:txBody>
+          <a:bodyPr lIns="0" rIns="0" tIns="0" bIns="0" anchor="ctr"/>
+          <a:p>
+            <a:endParaRPr/>
+          </a:p>
+        </p:txBody>
+      </p:sp>
+      <p:sp>
+        <p:nvSpPr>
+          <p:cNvPr id="66" name="PlaceHolder 2"/>
+          <p:cNvSpPr>
+            <a:spLocks noGrp="1"/>
+          </p:cNvSpPr>
+          <p:nvPr>
+            <p:ph type="body"/>
+          </p:nvPr>
+        </p:nvSpPr>
+        <p:spPr>
+          <a:xfrm>
+            <a:off x="457200" y="1600200"/>
+            <a:ext cx="8229240" cy="2158560"/>
+          </a:xfrm>
+          <a:prstGeom prst="rect">
+            <a:avLst/>
+          </a:prstGeom>
+        </p:spPr>
+        <p:txBody>
+          <a:bodyPr lIns="0" rIns="0" tIns="0" bIns="0"/>
+          <a:p>
+            <a:endParaRPr/>
+          </a:p>
+        </p:txBody>
+      </p:sp>
+      <p:sp>
+        <p:nvSpPr>
+          <p:cNvPr id="67" name="PlaceHolder 3"/>
+          <p:cNvSpPr>
+            <a:spLocks noGrp="1"/>
+          </p:cNvSpPr>
+          <p:nvPr>
+            <p:ph type="body"/>
+          </p:nvPr>
+        </p:nvSpPr>
+        <p:spPr>
+          <a:xfrm>
+            <a:off x="457200" y="3964320"/>
+            <a:ext cx="8229240" cy="2158560"/>
+          </a:xfrm>
+          <a:prstGeom prst="rect">
+            <a:avLst/>
+          </a:prstGeom>
+        </p:spPr>
+        <p:txBody>
+          <a:bodyPr lIns="0" rIns="0" tIns="0" bIns="0"/>
+          <a:p>
+            <a:endParaRPr/>
+          </a:p>
+        </p:txBody>
+      </p:sp>
+    </p:spTree>
+  </p:cSld>
+</p:sldLayout>
+</file>
+
+<file path=ppt/slideLayouts/slideLayout23.xml><?xml version="1.0" encoding="utf-8"?>
+<p:sldLayout xmlns:a="http://schemas.openxmlformats.org/drawingml/2006/main" xmlns:p="http://schemas.openxmlformats.org/presentationml/2006/main" xmlns:r="http://schemas.openxmlformats.org/officeDocument/2006/relationships" type="fourObj" preserve="1">
+  <p:cSld name="Title, 4 Content">
+    <p:spTree>
+      <p:nvGrpSpPr>
+        <p:cNvPr id="1" name=""/>
+        <p:cNvGrpSpPr/>
+        <p:nvPr/>
+      </p:nvGrpSpPr>
+      <p:grpSpPr>
+        <a:xfrm>
+          <a:off x="0" y="0"/>
+          <a:ext cx="0" cy="0"/>
+          <a:chOff x="0" y="0"/>
+          <a:chExt cx="0" cy="0"/>
+        </a:xfrm>
+      </p:grpSpPr>
+      <p:sp>
+        <p:nvSpPr>
+          <p:cNvPr id="68" name="PlaceHolder 1"/>
+          <p:cNvSpPr>
+            <a:spLocks noGrp="1"/>
+          </p:cNvSpPr>
+          <p:nvPr>
+            <p:ph type="title"/>
+          </p:nvPr>
+        </p:nvSpPr>
+        <p:spPr>
+          <a:xfrm>
+            <a:off x="457200" y="274680"/>
+            <a:ext cx="8229240" cy="1143000"/>
+          </a:xfrm>
+          <a:prstGeom prst="rect">
+            <a:avLst/>
+          </a:prstGeom>
+        </p:spPr>
+        <p:txBody>
+          <a:bodyPr lIns="0" rIns="0" tIns="0" bIns="0" anchor="ctr"/>
+          <a:p>
+            <a:endParaRPr/>
+          </a:p>
+        </p:txBody>
+      </p:sp>
+      <p:sp>
+        <p:nvSpPr>
+          <p:cNvPr id="69" name="PlaceHolder 2"/>
+          <p:cNvSpPr>
+            <a:spLocks noGrp="1"/>
+          </p:cNvSpPr>
+          <p:nvPr>
+            <p:ph type="body"/>
+          </p:nvPr>
+        </p:nvSpPr>
+        <p:spPr>
+          <a:xfrm>
+            <a:off x="457200" y="1600200"/>
+            <a:ext cx="4015800" cy="2158560"/>
+          </a:xfrm>
+          <a:prstGeom prst="rect">
+            <a:avLst/>
+          </a:prstGeom>
+        </p:spPr>
+        <p:txBody>
+          <a:bodyPr lIns="0" rIns="0" tIns="0" bIns="0"/>
+          <a:p>
+            <a:endParaRPr/>
+          </a:p>
+        </p:txBody>
+      </p:sp>
+      <p:sp>
+        <p:nvSpPr>
+          <p:cNvPr id="70" name="PlaceHolder 3"/>
+          <p:cNvSpPr>
+            <a:spLocks noGrp="1"/>
+          </p:cNvSpPr>
+          <p:nvPr>
+            <p:ph type="body"/>
+          </p:nvPr>
+        </p:nvSpPr>
+        <p:spPr>
+          <a:xfrm>
+            <a:off x="4674240" y="1600200"/>
+            <a:ext cx="4015800" cy="2158560"/>
+          </a:xfrm>
+          <a:prstGeom prst="rect">
+            <a:avLst/>
+          </a:prstGeom>
+        </p:spPr>
+        <p:txBody>
+          <a:bodyPr lIns="0" rIns="0" tIns="0" bIns="0"/>
+          <a:p>
+            <a:endParaRPr/>
+          </a:p>
+        </p:txBody>
+      </p:sp>
+      <p:sp>
+        <p:nvSpPr>
+          <p:cNvPr id="71" name="PlaceHolder 4"/>
+          <p:cNvSpPr>
+            <a:spLocks noGrp="1"/>
+          </p:cNvSpPr>
+          <p:nvPr>
+            <p:ph type="body"/>
+          </p:nvPr>
+        </p:nvSpPr>
+        <p:spPr>
+          <a:xfrm>
+            <a:off x="4674240" y="3964320"/>
+            <a:ext cx="4015800" cy="2158560"/>
+          </a:xfrm>
+          <a:prstGeom prst="rect">
+            <a:avLst/>
+          </a:prstGeom>
+        </p:spPr>
+        <p:txBody>
+          <a:bodyPr lIns="0" rIns="0" tIns="0" bIns="0"/>
+          <a:p>
+            <a:endParaRPr/>
+          </a:p>
+        </p:txBody>
+      </p:sp>
+      <p:sp>
+        <p:nvSpPr>
+          <p:cNvPr id="72" name="PlaceHolder 5"/>
+          <p:cNvSpPr>
+            <a:spLocks noGrp="1"/>
+          </p:cNvSpPr>
+          <p:nvPr>
+            <p:ph type="body"/>
+          </p:nvPr>
+        </p:nvSpPr>
+        <p:spPr>
+          <a:xfrm>
+            <a:off x="457200" y="3964320"/>
+            <a:ext cx="4015800" cy="2158560"/>
+          </a:xfrm>
+          <a:prstGeom prst="rect">
+            <a:avLst/>
+          </a:prstGeom>
+        </p:spPr>
+        <p:txBody>
+          <a:bodyPr lIns="0" rIns="0" tIns="0" bIns="0"/>
+          <a:p>
+            <a:endParaRPr/>
+          </a:p>
+        </p:txBody>
+      </p:sp>
+    </p:spTree>
+  </p:cSld>
+</p:sldLayout>
+</file>
+
+<file path=ppt/slideLayouts/slideLayout24.xml><?xml version="1.0" encoding="utf-8"?>
+<p:sldLayout xmlns:a="http://schemas.openxmlformats.org/drawingml/2006/main" xmlns:p="http://schemas.openxmlformats.org/presentationml/2006/main" xmlns:r="http://schemas.openxmlformats.org/officeDocument/2006/relationships" type="blank" preserve="1">
+  <p:cSld name="Title, 6 Content">
+    <p:spTree>
+      <p:nvGrpSpPr>
+        <p:cNvPr id="1" name=""/>
+        <p:cNvGrpSpPr/>
+        <p:nvPr/>
+      </p:nvGrpSpPr>
+      <p:grpSpPr>
+        <a:xfrm>
+          <a:off x="0" y="0"/>
+          <a:ext cx="0" cy="0"/>
+          <a:chOff x="0" y="0"/>
+          <a:chExt cx="0" cy="0"/>
+        </a:xfrm>
+      </p:grpSpPr>
+      <p:sp>
+        <p:nvSpPr>
+          <p:cNvPr id="73" name="PlaceHolder 1"/>
+          <p:cNvSpPr>
+            <a:spLocks noGrp="1"/>
+          </p:cNvSpPr>
+          <p:nvPr>
+            <p:ph type="title"/>
+          </p:nvPr>
+        </p:nvSpPr>
+        <p:spPr>
+          <a:xfrm>
+            <a:off x="457200" y="274680"/>
+            <a:ext cx="8229240" cy="1143000"/>
+          </a:xfrm>
+          <a:prstGeom prst="rect">
+            <a:avLst/>
+          </a:prstGeom>
+        </p:spPr>
+        <p:txBody>
+          <a:bodyPr lIns="0" rIns="0" tIns="0" bIns="0" anchor="ctr"/>
+          <a:p>
+            <a:endParaRPr/>
+          </a:p>
+        </p:txBody>
+      </p:sp>
+      <p:sp>
+        <p:nvSpPr>
+          <p:cNvPr id="74" name="PlaceHolder 2"/>
+          <p:cNvSpPr>
+            <a:spLocks noGrp="1"/>
+          </p:cNvSpPr>
+          <p:nvPr>
+            <p:ph type="body"/>
+          </p:nvPr>
+        </p:nvSpPr>
+        <p:spPr>
+          <a:xfrm>
+            <a:off x="457200" y="1600200"/>
+            <a:ext cx="8229240" cy="4525560"/>
+          </a:xfrm>
+          <a:prstGeom prst="rect">
+            <a:avLst/>
+          </a:prstGeom>
+        </p:spPr>
+        <p:txBody>
+          <a:bodyPr lIns="0" rIns="0" tIns="0" bIns="0"/>
+          <a:p>
+            <a:endParaRPr/>
+          </a:p>
+        </p:txBody>
+      </p:sp>
+      <p:sp>
+        <p:nvSpPr>
+          <p:cNvPr id="75" name="PlaceHolder 3"/>
+          <p:cNvSpPr>
+            <a:spLocks noGrp="1"/>
+          </p:cNvSpPr>
+          <p:nvPr>
+            <p:ph type="body"/>
+          </p:nvPr>
+        </p:nvSpPr>
+        <p:spPr>
+          <a:xfrm>
+            <a:off x="457200" y="1600200"/>
+            <a:ext cx="8229240" cy="4525560"/>
+          </a:xfrm>
+          <a:prstGeom prst="rect">
+            <a:avLst/>
+          </a:prstGeom>
+        </p:spPr>
+        <p:txBody>
+          <a:bodyPr lIns="0" rIns="0" tIns="0" bIns="0"/>
+          <a:p>
+            <a:endParaRPr/>
+          </a:p>
+        </p:txBody>
+      </p:sp>
+      <p:pic>
+        <p:nvPicPr>
+          <p:cNvPr id="76" name="" descr=""/>
+          <p:cNvPicPr/>
+          <p:nvPr/>
+        </p:nvPicPr>
+        <p:blipFill>
+          <a:blip r:embed="rId2"/>
+          <a:stretch>
+            <a:fillRect/>
+          </a:stretch>
+        </p:blipFill>
+        <p:spPr>
+          <a:xfrm>
+            <a:off x="1735560" y="1599840"/>
+            <a:ext cx="5671800" cy="4525560"/>
+          </a:xfrm>
+          <a:prstGeom prst="rect">
+            <a:avLst/>
+          </a:prstGeom>
+          <a:ln>
+            <a:noFill/>
+          </a:ln>
+        </p:spPr>
+      </p:pic>
+      <p:pic>
+        <p:nvPicPr>
+          <p:cNvPr id="77" name="" descr=""/>
+          <p:cNvPicPr/>
+          <p:nvPr/>
+        </p:nvPicPr>
+        <p:blipFill>
+          <a:blip r:embed="rId3"/>
+          <a:stretch>
+            <a:fillRect/>
+          </a:stretch>
+        </p:blipFill>
+        <p:spPr>
+          <a:xfrm>
+            <a:off x="1735560" y="1599840"/>
+            <a:ext cx="5671800" cy="4525560"/>
+          </a:xfrm>
+          <a:prstGeom prst="rect">
+            <a:avLst/>
+          </a:prstGeom>
+          <a:ln>
+            <a:noFill/>
+          </a:ln>
+        </p:spPr>
+      </p:pic>
+    </p:spTree>
+  </p:cSld>
+</p:sldLayout>
+</file>
+
+<file path=ppt/slideLayouts/slideLayout25.xml><?xml version="1.0" encoding="utf-8"?>
+<p:sldLayout xmlns:a="http://schemas.openxmlformats.org/drawingml/2006/main" xmlns:p="http://schemas.openxmlformats.org/presentationml/2006/main" xmlns:r="http://schemas.openxmlformats.org/officeDocument/2006/relationships" type="blank" preserve="1">
+  <p:cSld name="Blank Slide">
+    <p:spTree>
+      <p:nvGrpSpPr>
+        <p:cNvPr id="1" name=""/>
+        <p:cNvGrpSpPr/>
+        <p:nvPr/>
+      </p:nvGrpSpPr>
+      <p:grpSpPr>
+        <a:xfrm>
+          <a:off x="0" y="0"/>
+          <a:ext cx="0" cy="0"/>
+          <a:chOff x="0" y="0"/>
+          <a:chExt cx="0" cy="0"/>
+        </a:xfrm>
+      </p:grpSpPr>
+    </p:spTree>
+  </p:cSld>
+</p:sldLayout>
+</file>
+
+<file path=ppt/slideLayouts/slideLayout26.xml><?xml version="1.0" encoding="utf-8"?>
+<p:sldLayout xmlns:a="http://schemas.openxmlformats.org/drawingml/2006/main" xmlns:p="http://schemas.openxmlformats.org/presentationml/2006/main" xmlns:r="http://schemas.openxmlformats.org/officeDocument/2006/relationships" type="tx" preserve="1">
+  <p:cSld name="Title Slide">
+    <p:spTree>
+      <p:nvGrpSpPr>
+        <p:cNvPr id="1" name=""/>
+        <p:cNvGrpSpPr/>
+        <p:nvPr/>
+      </p:nvGrpSpPr>
+      <p:grpSpPr>
+        <a:xfrm>
+          <a:off x="0" y="0"/>
+          <a:ext cx="0" cy="0"/>
+          <a:chOff x="0" y="0"/>
+          <a:chExt cx="0" cy="0"/>
+        </a:xfrm>
+      </p:grpSpPr>
+      <p:sp>
+        <p:nvSpPr>
+          <p:cNvPr id="80" name="PlaceHolder 1"/>
+          <p:cNvSpPr>
+            <a:spLocks noGrp="1"/>
+          </p:cNvSpPr>
+          <p:nvPr>
+            <p:ph type="title"/>
+          </p:nvPr>
+        </p:nvSpPr>
+        <p:spPr>
+          <a:xfrm>
+            <a:off x="457200" y="274680"/>
+            <a:ext cx="8229240" cy="1143000"/>
+          </a:xfrm>
+          <a:prstGeom prst="rect">
+            <a:avLst/>
+          </a:prstGeom>
+        </p:spPr>
+        <p:txBody>
+          <a:bodyPr lIns="0" rIns="0" tIns="0" bIns="0" anchor="ctr"/>
+          <a:p>
+            <a:endParaRPr/>
+          </a:p>
+        </p:txBody>
+      </p:sp>
+      <p:sp>
+        <p:nvSpPr>
+          <p:cNvPr id="81" name="PlaceHolder 2"/>
           <p:cNvSpPr>
             <a:spLocks noGrp="1"/>
           </p:cNvSpPr>
@@ -502,8 +1745,8 @@
         </p:nvSpPr>
         <p:spPr>
           <a:xfrm>
-            <a:off x="504000" y="1768680"/>
-            <a:ext cx="9072000" cy="4384440"/>
+            <a:off x="457200" y="1600200"/>
+            <a:ext cx="8229240" cy="4525920"/>
           </a:xfrm>
           <a:prstGeom prst="rect">
             <a:avLst/>
@@ -513,6 +1756,228 @@
           <a:bodyPr lIns="0" rIns="0" tIns="0" bIns="0" anchor="ctr"/>
           <a:p>
             <a:pPr algn="ctr"/>
+            <a:endParaRPr/>
+          </a:p>
+        </p:txBody>
+      </p:sp>
+    </p:spTree>
+  </p:cSld>
+</p:sldLayout>
+</file>
+
+<file path=ppt/slideLayouts/slideLayout27.xml><?xml version="1.0" encoding="utf-8"?>
+<p:sldLayout xmlns:a="http://schemas.openxmlformats.org/drawingml/2006/main" xmlns:p="http://schemas.openxmlformats.org/presentationml/2006/main" xmlns:r="http://schemas.openxmlformats.org/officeDocument/2006/relationships" type="obj" preserve="1">
+  <p:cSld name="Title, Content">
+    <p:spTree>
+      <p:nvGrpSpPr>
+        <p:cNvPr id="1" name=""/>
+        <p:cNvGrpSpPr/>
+        <p:nvPr/>
+      </p:nvGrpSpPr>
+      <p:grpSpPr>
+        <a:xfrm>
+          <a:off x="0" y="0"/>
+          <a:ext cx="0" cy="0"/>
+          <a:chOff x="0" y="0"/>
+          <a:chExt cx="0" cy="0"/>
+        </a:xfrm>
+      </p:grpSpPr>
+      <p:sp>
+        <p:nvSpPr>
+          <p:cNvPr id="82" name="PlaceHolder 1"/>
+          <p:cNvSpPr>
+            <a:spLocks noGrp="1"/>
+          </p:cNvSpPr>
+          <p:nvPr>
+            <p:ph type="title"/>
+          </p:nvPr>
+        </p:nvSpPr>
+        <p:spPr>
+          <a:xfrm>
+            <a:off x="457200" y="274680"/>
+            <a:ext cx="8229240" cy="1143000"/>
+          </a:xfrm>
+          <a:prstGeom prst="rect">
+            <a:avLst/>
+          </a:prstGeom>
+        </p:spPr>
+        <p:txBody>
+          <a:bodyPr lIns="0" rIns="0" tIns="0" bIns="0" anchor="ctr"/>
+          <a:p>
+            <a:endParaRPr/>
+          </a:p>
+        </p:txBody>
+      </p:sp>
+      <p:sp>
+        <p:nvSpPr>
+          <p:cNvPr id="83" name="PlaceHolder 2"/>
+          <p:cNvSpPr>
+            <a:spLocks noGrp="1"/>
+          </p:cNvSpPr>
+          <p:nvPr>
+            <p:ph type="body"/>
+          </p:nvPr>
+        </p:nvSpPr>
+        <p:spPr>
+          <a:xfrm>
+            <a:off x="457200" y="1600200"/>
+            <a:ext cx="8229240" cy="4525560"/>
+          </a:xfrm>
+          <a:prstGeom prst="rect">
+            <a:avLst/>
+          </a:prstGeom>
+        </p:spPr>
+        <p:txBody>
+          <a:bodyPr lIns="0" rIns="0" tIns="0" bIns="0"/>
+          <a:p>
+            <a:endParaRPr/>
+          </a:p>
+        </p:txBody>
+      </p:sp>
+    </p:spTree>
+  </p:cSld>
+</p:sldLayout>
+</file>
+
+<file path=ppt/slideLayouts/slideLayout28.xml><?xml version="1.0" encoding="utf-8"?>
+<p:sldLayout xmlns:a="http://schemas.openxmlformats.org/drawingml/2006/main" xmlns:p="http://schemas.openxmlformats.org/presentationml/2006/main" xmlns:r="http://schemas.openxmlformats.org/officeDocument/2006/relationships" type="twoObj" preserve="1">
+  <p:cSld name="Title, 2 Content">
+    <p:spTree>
+      <p:nvGrpSpPr>
+        <p:cNvPr id="1" name=""/>
+        <p:cNvGrpSpPr/>
+        <p:nvPr/>
+      </p:nvGrpSpPr>
+      <p:grpSpPr>
+        <a:xfrm>
+          <a:off x="0" y="0"/>
+          <a:ext cx="0" cy="0"/>
+          <a:chOff x="0" y="0"/>
+          <a:chExt cx="0" cy="0"/>
+        </a:xfrm>
+      </p:grpSpPr>
+      <p:sp>
+        <p:nvSpPr>
+          <p:cNvPr id="84" name="PlaceHolder 1"/>
+          <p:cNvSpPr>
+            <a:spLocks noGrp="1"/>
+          </p:cNvSpPr>
+          <p:nvPr>
+            <p:ph type="title"/>
+          </p:nvPr>
+        </p:nvSpPr>
+        <p:spPr>
+          <a:xfrm>
+            <a:off x="457200" y="274680"/>
+            <a:ext cx="8229240" cy="1143000"/>
+          </a:xfrm>
+          <a:prstGeom prst="rect">
+            <a:avLst/>
+          </a:prstGeom>
+        </p:spPr>
+        <p:txBody>
+          <a:bodyPr lIns="0" rIns="0" tIns="0" bIns="0" anchor="ctr"/>
+          <a:p>
+            <a:endParaRPr/>
+          </a:p>
+        </p:txBody>
+      </p:sp>
+      <p:sp>
+        <p:nvSpPr>
+          <p:cNvPr id="85" name="PlaceHolder 2"/>
+          <p:cNvSpPr>
+            <a:spLocks noGrp="1"/>
+          </p:cNvSpPr>
+          <p:nvPr>
+            <p:ph type="body"/>
+          </p:nvPr>
+        </p:nvSpPr>
+        <p:spPr>
+          <a:xfrm>
+            <a:off x="457200" y="1600200"/>
+            <a:ext cx="4015800" cy="4525560"/>
+          </a:xfrm>
+          <a:prstGeom prst="rect">
+            <a:avLst/>
+          </a:prstGeom>
+        </p:spPr>
+        <p:txBody>
+          <a:bodyPr lIns="0" rIns="0" tIns="0" bIns="0"/>
+          <a:p>
+            <a:endParaRPr/>
+          </a:p>
+        </p:txBody>
+      </p:sp>
+      <p:sp>
+        <p:nvSpPr>
+          <p:cNvPr id="86" name="PlaceHolder 3"/>
+          <p:cNvSpPr>
+            <a:spLocks noGrp="1"/>
+          </p:cNvSpPr>
+          <p:nvPr>
+            <p:ph type="body"/>
+          </p:nvPr>
+        </p:nvSpPr>
+        <p:spPr>
+          <a:xfrm>
+            <a:off x="4674240" y="1600200"/>
+            <a:ext cx="4015800" cy="4525560"/>
+          </a:xfrm>
+          <a:prstGeom prst="rect">
+            <a:avLst/>
+          </a:prstGeom>
+        </p:spPr>
+        <p:txBody>
+          <a:bodyPr lIns="0" rIns="0" tIns="0" bIns="0"/>
+          <a:p>
+            <a:endParaRPr/>
+          </a:p>
+        </p:txBody>
+      </p:sp>
+    </p:spTree>
+  </p:cSld>
+</p:sldLayout>
+</file>
+
+<file path=ppt/slideLayouts/slideLayout29.xml><?xml version="1.0" encoding="utf-8"?>
+<p:sldLayout xmlns:a="http://schemas.openxmlformats.org/drawingml/2006/main" xmlns:p="http://schemas.openxmlformats.org/presentationml/2006/main" xmlns:r="http://schemas.openxmlformats.org/officeDocument/2006/relationships" type="titleOnly" preserve="1">
+  <p:cSld name="Title Only">
+    <p:spTree>
+      <p:nvGrpSpPr>
+        <p:cNvPr id="1" name=""/>
+        <p:cNvGrpSpPr/>
+        <p:nvPr/>
+      </p:nvGrpSpPr>
+      <p:grpSpPr>
+        <a:xfrm>
+          <a:off x="0" y="0"/>
+          <a:ext cx="0" cy="0"/>
+          <a:chOff x="0" y="0"/>
+          <a:chExt cx="0" cy="0"/>
+        </a:xfrm>
+      </p:grpSpPr>
+      <p:sp>
+        <p:nvSpPr>
+          <p:cNvPr id="87" name="PlaceHolder 1"/>
+          <p:cNvSpPr>
+            <a:spLocks noGrp="1"/>
+          </p:cNvSpPr>
+          <p:nvPr>
+            <p:ph type="title"/>
+          </p:nvPr>
+        </p:nvSpPr>
+        <p:spPr>
+          <a:xfrm>
+            <a:off x="457200" y="274680"/>
+            <a:ext cx="8229240" cy="1143000"/>
+          </a:xfrm>
+          <a:prstGeom prst="rect">
+            <a:avLst/>
+          </a:prstGeom>
+        </p:spPr>
+        <p:txBody>
+          <a:bodyPr lIns="0" rIns="0" tIns="0" bIns="0" anchor="ctr"/>
+          <a:p>
             <a:endParaRPr/>
           </a:p>
         </p:txBody>
@@ -541,7 +2006,7 @@
       </p:grpSpPr>
       <p:sp>
         <p:nvSpPr>
-          <p:cNvPr id="4" name="PlaceHolder 1"/>
+          <p:cNvPr id="7" name="PlaceHolder 1"/>
           <p:cNvSpPr>
             <a:spLocks noGrp="1"/>
           </p:cNvSpPr>
@@ -551,8 +2016,8 @@
         </p:nvSpPr>
         <p:spPr>
           <a:xfrm>
-            <a:off x="504000" y="301320"/>
-            <a:ext cx="9071280" cy="1262520"/>
+            <a:off x="457200" y="274680"/>
+            <a:ext cx="8229240" cy="1143000"/>
           </a:xfrm>
           <a:prstGeom prst="rect">
             <a:avLst/>
@@ -561,14 +2026,136 @@
         <p:txBody>
           <a:bodyPr lIns="0" rIns="0" tIns="0" bIns="0" anchor="ctr"/>
           <a:p>
+            <a:endParaRPr/>
+          </a:p>
+        </p:txBody>
+      </p:sp>
+      <p:sp>
+        <p:nvSpPr>
+          <p:cNvPr id="8" name="PlaceHolder 2"/>
+          <p:cNvSpPr>
+            <a:spLocks noGrp="1"/>
+          </p:cNvSpPr>
+          <p:nvPr>
+            <p:ph type="body"/>
+          </p:nvPr>
+        </p:nvSpPr>
+        <p:spPr>
+          <a:xfrm>
+            <a:off x="457200" y="1600200"/>
+            <a:ext cx="8229240" cy="4525560"/>
+          </a:xfrm>
+          <a:prstGeom prst="rect">
+            <a:avLst/>
+          </a:prstGeom>
+        </p:spPr>
+        <p:txBody>
+          <a:bodyPr lIns="0" rIns="0" tIns="0" bIns="0"/>
+          <a:p>
+            <a:endParaRPr/>
+          </a:p>
+        </p:txBody>
+      </p:sp>
+    </p:spTree>
+  </p:cSld>
+</p:sldLayout>
+</file>
+
+<file path=ppt/slideLayouts/slideLayout30.xml><?xml version="1.0" encoding="utf-8"?>
+<p:sldLayout xmlns:a="http://schemas.openxmlformats.org/drawingml/2006/main" xmlns:p="http://schemas.openxmlformats.org/presentationml/2006/main" xmlns:r="http://schemas.openxmlformats.org/officeDocument/2006/relationships" type="objOnly" preserve="1">
+  <p:cSld name="Centered Text">
+    <p:spTree>
+      <p:nvGrpSpPr>
+        <p:cNvPr id="1" name=""/>
+        <p:cNvGrpSpPr/>
+        <p:nvPr/>
+      </p:nvGrpSpPr>
+      <p:grpSpPr>
+        <a:xfrm>
+          <a:off x="0" y="0"/>
+          <a:ext cx="0" cy="0"/>
+          <a:chOff x="0" y="0"/>
+          <a:chExt cx="0" cy="0"/>
+        </a:xfrm>
+      </p:grpSpPr>
+      <p:sp>
+        <p:nvSpPr>
+          <p:cNvPr id="88" name="PlaceHolder 1"/>
+          <p:cNvSpPr>
+            <a:spLocks noGrp="1"/>
+          </p:cNvSpPr>
+          <p:nvPr>
+            <p:ph type="subTitle"/>
+          </p:nvPr>
+        </p:nvSpPr>
+        <p:spPr>
+          <a:xfrm>
+            <a:off x="457200" y="274680"/>
+            <a:ext cx="8229240" cy="5298120"/>
+          </a:xfrm>
+          <a:prstGeom prst="rect">
+            <a:avLst/>
+          </a:prstGeom>
+        </p:spPr>
+        <p:txBody>
+          <a:bodyPr lIns="0" rIns="0" tIns="0" bIns="0" anchor="ctr"/>
+          <a:p>
             <a:pPr algn="ctr"/>
             <a:endParaRPr/>
           </a:p>
         </p:txBody>
       </p:sp>
-      <p:sp>
-        <p:nvSpPr>
-          <p:cNvPr id="5" name="PlaceHolder 2"/>
+    </p:spTree>
+  </p:cSld>
+</p:sldLayout>
+</file>
+
+<file path=ppt/slideLayouts/slideLayout31.xml><?xml version="1.0" encoding="utf-8"?>
+<p:sldLayout xmlns:a="http://schemas.openxmlformats.org/drawingml/2006/main" xmlns:p="http://schemas.openxmlformats.org/presentationml/2006/main" xmlns:r="http://schemas.openxmlformats.org/officeDocument/2006/relationships" type="twoObjAndObj" preserve="1">
+  <p:cSld name="Title, 2 Content and Content">
+    <p:spTree>
+      <p:nvGrpSpPr>
+        <p:cNvPr id="1" name=""/>
+        <p:cNvGrpSpPr/>
+        <p:nvPr/>
+      </p:nvGrpSpPr>
+      <p:grpSpPr>
+        <a:xfrm>
+          <a:off x="0" y="0"/>
+          <a:ext cx="0" cy="0"/>
+          <a:chOff x="0" y="0"/>
+          <a:chExt cx="0" cy="0"/>
+        </a:xfrm>
+      </p:grpSpPr>
+      <p:sp>
+        <p:nvSpPr>
+          <p:cNvPr id="89" name="PlaceHolder 1"/>
+          <p:cNvSpPr>
+            <a:spLocks noGrp="1"/>
+          </p:cNvSpPr>
+          <p:nvPr>
+            <p:ph type="title"/>
+          </p:nvPr>
+        </p:nvSpPr>
+        <p:spPr>
+          <a:xfrm>
+            <a:off x="457200" y="274680"/>
+            <a:ext cx="8229240" cy="1143000"/>
+          </a:xfrm>
+          <a:prstGeom prst="rect">
+            <a:avLst/>
+          </a:prstGeom>
+        </p:spPr>
+        <p:txBody>
+          <a:bodyPr lIns="0" rIns="0" tIns="0" bIns="0" anchor="ctr"/>
+          <a:p>
+            <a:endParaRPr/>
+          </a:p>
+        </p:txBody>
+      </p:sp>
+      <p:sp>
+        <p:nvSpPr>
+          <p:cNvPr id="90" name="PlaceHolder 2"/>
           <p:cNvSpPr>
             <a:spLocks noGrp="1"/>
           </p:cNvSpPr>
@@ -578,8 +2165,8 @@
         </p:nvSpPr>
         <p:spPr>
           <a:xfrm>
-            <a:off x="504000" y="1768680"/>
-            <a:ext cx="9072000" cy="4384080"/>
+            <a:off x="457200" y="1600200"/>
+            <a:ext cx="4015800" cy="2158560"/>
           </a:xfrm>
           <a:prstGeom prst="rect">
             <a:avLst/>
@@ -592,6 +2179,712 @@
           </a:p>
         </p:txBody>
       </p:sp>
+      <p:sp>
+        <p:nvSpPr>
+          <p:cNvPr id="91" name="PlaceHolder 3"/>
+          <p:cNvSpPr>
+            <a:spLocks noGrp="1"/>
+          </p:cNvSpPr>
+          <p:nvPr>
+            <p:ph type="body"/>
+          </p:nvPr>
+        </p:nvSpPr>
+        <p:spPr>
+          <a:xfrm>
+            <a:off x="457200" y="3964320"/>
+            <a:ext cx="4015800" cy="2158560"/>
+          </a:xfrm>
+          <a:prstGeom prst="rect">
+            <a:avLst/>
+          </a:prstGeom>
+        </p:spPr>
+        <p:txBody>
+          <a:bodyPr lIns="0" rIns="0" tIns="0" bIns="0"/>
+          <a:p>
+            <a:endParaRPr/>
+          </a:p>
+        </p:txBody>
+      </p:sp>
+      <p:sp>
+        <p:nvSpPr>
+          <p:cNvPr id="92" name="PlaceHolder 4"/>
+          <p:cNvSpPr>
+            <a:spLocks noGrp="1"/>
+          </p:cNvSpPr>
+          <p:nvPr>
+            <p:ph type="body"/>
+          </p:nvPr>
+        </p:nvSpPr>
+        <p:spPr>
+          <a:xfrm>
+            <a:off x="4674240" y="1600200"/>
+            <a:ext cx="4015800" cy="4525560"/>
+          </a:xfrm>
+          <a:prstGeom prst="rect">
+            <a:avLst/>
+          </a:prstGeom>
+        </p:spPr>
+        <p:txBody>
+          <a:bodyPr lIns="0" rIns="0" tIns="0" bIns="0"/>
+          <a:p>
+            <a:endParaRPr/>
+          </a:p>
+        </p:txBody>
+      </p:sp>
+    </p:spTree>
+  </p:cSld>
+</p:sldLayout>
+</file>
+
+<file path=ppt/slideLayouts/slideLayout32.xml><?xml version="1.0" encoding="utf-8"?>
+<p:sldLayout xmlns:a="http://schemas.openxmlformats.org/drawingml/2006/main" xmlns:p="http://schemas.openxmlformats.org/presentationml/2006/main" xmlns:r="http://schemas.openxmlformats.org/officeDocument/2006/relationships" type="objAndTwoObj" preserve="1">
+  <p:cSld name="Title Content and 2 Content">
+    <p:spTree>
+      <p:nvGrpSpPr>
+        <p:cNvPr id="1" name=""/>
+        <p:cNvGrpSpPr/>
+        <p:nvPr/>
+      </p:nvGrpSpPr>
+      <p:grpSpPr>
+        <a:xfrm>
+          <a:off x="0" y="0"/>
+          <a:ext cx="0" cy="0"/>
+          <a:chOff x="0" y="0"/>
+          <a:chExt cx="0" cy="0"/>
+        </a:xfrm>
+      </p:grpSpPr>
+      <p:sp>
+        <p:nvSpPr>
+          <p:cNvPr id="93" name="PlaceHolder 1"/>
+          <p:cNvSpPr>
+            <a:spLocks noGrp="1"/>
+          </p:cNvSpPr>
+          <p:nvPr>
+            <p:ph type="title"/>
+          </p:nvPr>
+        </p:nvSpPr>
+        <p:spPr>
+          <a:xfrm>
+            <a:off x="457200" y="274680"/>
+            <a:ext cx="8229240" cy="1143000"/>
+          </a:xfrm>
+          <a:prstGeom prst="rect">
+            <a:avLst/>
+          </a:prstGeom>
+        </p:spPr>
+        <p:txBody>
+          <a:bodyPr lIns="0" rIns="0" tIns="0" bIns="0" anchor="ctr"/>
+          <a:p>
+            <a:endParaRPr/>
+          </a:p>
+        </p:txBody>
+      </p:sp>
+      <p:sp>
+        <p:nvSpPr>
+          <p:cNvPr id="94" name="PlaceHolder 2"/>
+          <p:cNvSpPr>
+            <a:spLocks noGrp="1"/>
+          </p:cNvSpPr>
+          <p:nvPr>
+            <p:ph type="body"/>
+          </p:nvPr>
+        </p:nvSpPr>
+        <p:spPr>
+          <a:xfrm>
+            <a:off x="457200" y="1600200"/>
+            <a:ext cx="4015800" cy="4525560"/>
+          </a:xfrm>
+          <a:prstGeom prst="rect">
+            <a:avLst/>
+          </a:prstGeom>
+        </p:spPr>
+        <p:txBody>
+          <a:bodyPr lIns="0" rIns="0" tIns="0" bIns="0"/>
+          <a:p>
+            <a:endParaRPr/>
+          </a:p>
+        </p:txBody>
+      </p:sp>
+      <p:sp>
+        <p:nvSpPr>
+          <p:cNvPr id="95" name="PlaceHolder 3"/>
+          <p:cNvSpPr>
+            <a:spLocks noGrp="1"/>
+          </p:cNvSpPr>
+          <p:nvPr>
+            <p:ph type="body"/>
+          </p:nvPr>
+        </p:nvSpPr>
+        <p:spPr>
+          <a:xfrm>
+            <a:off x="4674240" y="1600200"/>
+            <a:ext cx="4015800" cy="2158560"/>
+          </a:xfrm>
+          <a:prstGeom prst="rect">
+            <a:avLst/>
+          </a:prstGeom>
+        </p:spPr>
+        <p:txBody>
+          <a:bodyPr lIns="0" rIns="0" tIns="0" bIns="0"/>
+          <a:p>
+            <a:endParaRPr/>
+          </a:p>
+        </p:txBody>
+      </p:sp>
+      <p:sp>
+        <p:nvSpPr>
+          <p:cNvPr id="96" name="PlaceHolder 4"/>
+          <p:cNvSpPr>
+            <a:spLocks noGrp="1"/>
+          </p:cNvSpPr>
+          <p:nvPr>
+            <p:ph type="body"/>
+          </p:nvPr>
+        </p:nvSpPr>
+        <p:spPr>
+          <a:xfrm>
+            <a:off x="4674240" y="3964320"/>
+            <a:ext cx="4015800" cy="2158560"/>
+          </a:xfrm>
+          <a:prstGeom prst="rect">
+            <a:avLst/>
+          </a:prstGeom>
+        </p:spPr>
+        <p:txBody>
+          <a:bodyPr lIns="0" rIns="0" tIns="0" bIns="0"/>
+          <a:p>
+            <a:endParaRPr/>
+          </a:p>
+        </p:txBody>
+      </p:sp>
+    </p:spTree>
+  </p:cSld>
+</p:sldLayout>
+</file>
+
+<file path=ppt/slideLayouts/slideLayout33.xml><?xml version="1.0" encoding="utf-8"?>
+<p:sldLayout xmlns:a="http://schemas.openxmlformats.org/drawingml/2006/main" xmlns:p="http://schemas.openxmlformats.org/presentationml/2006/main" xmlns:r="http://schemas.openxmlformats.org/officeDocument/2006/relationships" type="twoObjOverTx" preserve="1">
+  <p:cSld name="Title, 2 Content over Content">
+    <p:spTree>
+      <p:nvGrpSpPr>
+        <p:cNvPr id="1" name=""/>
+        <p:cNvGrpSpPr/>
+        <p:nvPr/>
+      </p:nvGrpSpPr>
+      <p:grpSpPr>
+        <a:xfrm>
+          <a:off x="0" y="0"/>
+          <a:ext cx="0" cy="0"/>
+          <a:chOff x="0" y="0"/>
+          <a:chExt cx="0" cy="0"/>
+        </a:xfrm>
+      </p:grpSpPr>
+      <p:sp>
+        <p:nvSpPr>
+          <p:cNvPr id="97" name="PlaceHolder 1"/>
+          <p:cNvSpPr>
+            <a:spLocks noGrp="1"/>
+          </p:cNvSpPr>
+          <p:nvPr>
+            <p:ph type="title"/>
+          </p:nvPr>
+        </p:nvSpPr>
+        <p:spPr>
+          <a:xfrm>
+            <a:off x="457200" y="274680"/>
+            <a:ext cx="8229240" cy="1143000"/>
+          </a:xfrm>
+          <a:prstGeom prst="rect">
+            <a:avLst/>
+          </a:prstGeom>
+        </p:spPr>
+        <p:txBody>
+          <a:bodyPr lIns="0" rIns="0" tIns="0" bIns="0" anchor="ctr"/>
+          <a:p>
+            <a:endParaRPr/>
+          </a:p>
+        </p:txBody>
+      </p:sp>
+      <p:sp>
+        <p:nvSpPr>
+          <p:cNvPr id="98" name="PlaceHolder 2"/>
+          <p:cNvSpPr>
+            <a:spLocks noGrp="1"/>
+          </p:cNvSpPr>
+          <p:nvPr>
+            <p:ph type="body"/>
+          </p:nvPr>
+        </p:nvSpPr>
+        <p:spPr>
+          <a:xfrm>
+            <a:off x="457200" y="1600200"/>
+            <a:ext cx="4015800" cy="2158560"/>
+          </a:xfrm>
+          <a:prstGeom prst="rect">
+            <a:avLst/>
+          </a:prstGeom>
+        </p:spPr>
+        <p:txBody>
+          <a:bodyPr lIns="0" rIns="0" tIns="0" bIns="0"/>
+          <a:p>
+            <a:endParaRPr/>
+          </a:p>
+        </p:txBody>
+      </p:sp>
+      <p:sp>
+        <p:nvSpPr>
+          <p:cNvPr id="99" name="PlaceHolder 3"/>
+          <p:cNvSpPr>
+            <a:spLocks noGrp="1"/>
+          </p:cNvSpPr>
+          <p:nvPr>
+            <p:ph type="body"/>
+          </p:nvPr>
+        </p:nvSpPr>
+        <p:spPr>
+          <a:xfrm>
+            <a:off x="4674240" y="1600200"/>
+            <a:ext cx="4015800" cy="2158560"/>
+          </a:xfrm>
+          <a:prstGeom prst="rect">
+            <a:avLst/>
+          </a:prstGeom>
+        </p:spPr>
+        <p:txBody>
+          <a:bodyPr lIns="0" rIns="0" tIns="0" bIns="0"/>
+          <a:p>
+            <a:endParaRPr/>
+          </a:p>
+        </p:txBody>
+      </p:sp>
+      <p:sp>
+        <p:nvSpPr>
+          <p:cNvPr id="100" name="PlaceHolder 4"/>
+          <p:cNvSpPr>
+            <a:spLocks noGrp="1"/>
+          </p:cNvSpPr>
+          <p:nvPr>
+            <p:ph type="body"/>
+          </p:nvPr>
+        </p:nvSpPr>
+        <p:spPr>
+          <a:xfrm>
+            <a:off x="457200" y="3964320"/>
+            <a:ext cx="8229240" cy="2158560"/>
+          </a:xfrm>
+          <a:prstGeom prst="rect">
+            <a:avLst/>
+          </a:prstGeom>
+        </p:spPr>
+        <p:txBody>
+          <a:bodyPr lIns="0" rIns="0" tIns="0" bIns="0"/>
+          <a:p>
+            <a:endParaRPr/>
+          </a:p>
+        </p:txBody>
+      </p:sp>
+    </p:spTree>
+  </p:cSld>
+</p:sldLayout>
+</file>
+
+<file path=ppt/slideLayouts/slideLayout34.xml><?xml version="1.0" encoding="utf-8"?>
+<p:sldLayout xmlns:a="http://schemas.openxmlformats.org/drawingml/2006/main" xmlns:p="http://schemas.openxmlformats.org/presentationml/2006/main" xmlns:r="http://schemas.openxmlformats.org/officeDocument/2006/relationships" type="objOverTx" preserve="1">
+  <p:cSld name="Title, Content over Content">
+    <p:spTree>
+      <p:nvGrpSpPr>
+        <p:cNvPr id="1" name=""/>
+        <p:cNvGrpSpPr/>
+        <p:nvPr/>
+      </p:nvGrpSpPr>
+      <p:grpSpPr>
+        <a:xfrm>
+          <a:off x="0" y="0"/>
+          <a:ext cx="0" cy="0"/>
+          <a:chOff x="0" y="0"/>
+          <a:chExt cx="0" cy="0"/>
+        </a:xfrm>
+      </p:grpSpPr>
+      <p:sp>
+        <p:nvSpPr>
+          <p:cNvPr id="101" name="PlaceHolder 1"/>
+          <p:cNvSpPr>
+            <a:spLocks noGrp="1"/>
+          </p:cNvSpPr>
+          <p:nvPr>
+            <p:ph type="title"/>
+          </p:nvPr>
+        </p:nvSpPr>
+        <p:spPr>
+          <a:xfrm>
+            <a:off x="457200" y="274680"/>
+            <a:ext cx="8229240" cy="1143000"/>
+          </a:xfrm>
+          <a:prstGeom prst="rect">
+            <a:avLst/>
+          </a:prstGeom>
+        </p:spPr>
+        <p:txBody>
+          <a:bodyPr lIns="0" rIns="0" tIns="0" bIns="0" anchor="ctr"/>
+          <a:p>
+            <a:endParaRPr/>
+          </a:p>
+        </p:txBody>
+      </p:sp>
+      <p:sp>
+        <p:nvSpPr>
+          <p:cNvPr id="102" name="PlaceHolder 2"/>
+          <p:cNvSpPr>
+            <a:spLocks noGrp="1"/>
+          </p:cNvSpPr>
+          <p:nvPr>
+            <p:ph type="body"/>
+          </p:nvPr>
+        </p:nvSpPr>
+        <p:spPr>
+          <a:xfrm>
+            <a:off x="457200" y="1600200"/>
+            <a:ext cx="8229240" cy="2158560"/>
+          </a:xfrm>
+          <a:prstGeom prst="rect">
+            <a:avLst/>
+          </a:prstGeom>
+        </p:spPr>
+        <p:txBody>
+          <a:bodyPr lIns="0" rIns="0" tIns="0" bIns="0"/>
+          <a:p>
+            <a:endParaRPr/>
+          </a:p>
+        </p:txBody>
+      </p:sp>
+      <p:sp>
+        <p:nvSpPr>
+          <p:cNvPr id="103" name="PlaceHolder 3"/>
+          <p:cNvSpPr>
+            <a:spLocks noGrp="1"/>
+          </p:cNvSpPr>
+          <p:nvPr>
+            <p:ph type="body"/>
+          </p:nvPr>
+        </p:nvSpPr>
+        <p:spPr>
+          <a:xfrm>
+            <a:off x="457200" y="3964320"/>
+            <a:ext cx="8229240" cy="2158560"/>
+          </a:xfrm>
+          <a:prstGeom prst="rect">
+            <a:avLst/>
+          </a:prstGeom>
+        </p:spPr>
+        <p:txBody>
+          <a:bodyPr lIns="0" rIns="0" tIns="0" bIns="0"/>
+          <a:p>
+            <a:endParaRPr/>
+          </a:p>
+        </p:txBody>
+      </p:sp>
+    </p:spTree>
+  </p:cSld>
+</p:sldLayout>
+</file>
+
+<file path=ppt/slideLayouts/slideLayout35.xml><?xml version="1.0" encoding="utf-8"?>
+<p:sldLayout xmlns:a="http://schemas.openxmlformats.org/drawingml/2006/main" xmlns:p="http://schemas.openxmlformats.org/presentationml/2006/main" xmlns:r="http://schemas.openxmlformats.org/officeDocument/2006/relationships" type="fourObj" preserve="1">
+  <p:cSld name="Title, 4 Content">
+    <p:spTree>
+      <p:nvGrpSpPr>
+        <p:cNvPr id="1" name=""/>
+        <p:cNvGrpSpPr/>
+        <p:nvPr/>
+      </p:nvGrpSpPr>
+      <p:grpSpPr>
+        <a:xfrm>
+          <a:off x="0" y="0"/>
+          <a:ext cx="0" cy="0"/>
+          <a:chOff x="0" y="0"/>
+          <a:chExt cx="0" cy="0"/>
+        </a:xfrm>
+      </p:grpSpPr>
+      <p:sp>
+        <p:nvSpPr>
+          <p:cNvPr id="104" name="PlaceHolder 1"/>
+          <p:cNvSpPr>
+            <a:spLocks noGrp="1"/>
+          </p:cNvSpPr>
+          <p:nvPr>
+            <p:ph type="title"/>
+          </p:nvPr>
+        </p:nvSpPr>
+        <p:spPr>
+          <a:xfrm>
+            <a:off x="457200" y="274680"/>
+            <a:ext cx="8229240" cy="1143000"/>
+          </a:xfrm>
+          <a:prstGeom prst="rect">
+            <a:avLst/>
+          </a:prstGeom>
+        </p:spPr>
+        <p:txBody>
+          <a:bodyPr lIns="0" rIns="0" tIns="0" bIns="0" anchor="ctr"/>
+          <a:p>
+            <a:endParaRPr/>
+          </a:p>
+        </p:txBody>
+      </p:sp>
+      <p:sp>
+        <p:nvSpPr>
+          <p:cNvPr id="105" name="PlaceHolder 2"/>
+          <p:cNvSpPr>
+            <a:spLocks noGrp="1"/>
+          </p:cNvSpPr>
+          <p:nvPr>
+            <p:ph type="body"/>
+          </p:nvPr>
+        </p:nvSpPr>
+        <p:spPr>
+          <a:xfrm>
+            <a:off x="457200" y="1600200"/>
+            <a:ext cx="4015800" cy="2158560"/>
+          </a:xfrm>
+          <a:prstGeom prst="rect">
+            <a:avLst/>
+          </a:prstGeom>
+        </p:spPr>
+        <p:txBody>
+          <a:bodyPr lIns="0" rIns="0" tIns="0" bIns="0"/>
+          <a:p>
+            <a:endParaRPr/>
+          </a:p>
+        </p:txBody>
+      </p:sp>
+      <p:sp>
+        <p:nvSpPr>
+          <p:cNvPr id="106" name="PlaceHolder 3"/>
+          <p:cNvSpPr>
+            <a:spLocks noGrp="1"/>
+          </p:cNvSpPr>
+          <p:nvPr>
+            <p:ph type="body"/>
+          </p:nvPr>
+        </p:nvSpPr>
+        <p:spPr>
+          <a:xfrm>
+            <a:off x="4674240" y="1600200"/>
+            <a:ext cx="4015800" cy="2158560"/>
+          </a:xfrm>
+          <a:prstGeom prst="rect">
+            <a:avLst/>
+          </a:prstGeom>
+        </p:spPr>
+        <p:txBody>
+          <a:bodyPr lIns="0" rIns="0" tIns="0" bIns="0"/>
+          <a:p>
+            <a:endParaRPr/>
+          </a:p>
+        </p:txBody>
+      </p:sp>
+      <p:sp>
+        <p:nvSpPr>
+          <p:cNvPr id="107" name="PlaceHolder 4"/>
+          <p:cNvSpPr>
+            <a:spLocks noGrp="1"/>
+          </p:cNvSpPr>
+          <p:nvPr>
+            <p:ph type="body"/>
+          </p:nvPr>
+        </p:nvSpPr>
+        <p:spPr>
+          <a:xfrm>
+            <a:off x="4674240" y="3964320"/>
+            <a:ext cx="4015800" cy="2158560"/>
+          </a:xfrm>
+          <a:prstGeom prst="rect">
+            <a:avLst/>
+          </a:prstGeom>
+        </p:spPr>
+        <p:txBody>
+          <a:bodyPr lIns="0" rIns="0" tIns="0" bIns="0"/>
+          <a:p>
+            <a:endParaRPr/>
+          </a:p>
+        </p:txBody>
+      </p:sp>
+      <p:sp>
+        <p:nvSpPr>
+          <p:cNvPr id="108" name="PlaceHolder 5"/>
+          <p:cNvSpPr>
+            <a:spLocks noGrp="1"/>
+          </p:cNvSpPr>
+          <p:nvPr>
+            <p:ph type="body"/>
+          </p:nvPr>
+        </p:nvSpPr>
+        <p:spPr>
+          <a:xfrm>
+            <a:off x="457200" y="3964320"/>
+            <a:ext cx="4015800" cy="2158560"/>
+          </a:xfrm>
+          <a:prstGeom prst="rect">
+            <a:avLst/>
+          </a:prstGeom>
+        </p:spPr>
+        <p:txBody>
+          <a:bodyPr lIns="0" rIns="0" tIns="0" bIns="0"/>
+          <a:p>
+            <a:endParaRPr/>
+          </a:p>
+        </p:txBody>
+      </p:sp>
+    </p:spTree>
+  </p:cSld>
+</p:sldLayout>
+</file>
+
+<file path=ppt/slideLayouts/slideLayout36.xml><?xml version="1.0" encoding="utf-8"?>
+<p:sldLayout xmlns:a="http://schemas.openxmlformats.org/drawingml/2006/main" xmlns:p="http://schemas.openxmlformats.org/presentationml/2006/main" xmlns:r="http://schemas.openxmlformats.org/officeDocument/2006/relationships" type="blank" preserve="1">
+  <p:cSld name="Title, 6 Content">
+    <p:spTree>
+      <p:nvGrpSpPr>
+        <p:cNvPr id="1" name=""/>
+        <p:cNvGrpSpPr/>
+        <p:nvPr/>
+      </p:nvGrpSpPr>
+      <p:grpSpPr>
+        <a:xfrm>
+          <a:off x="0" y="0"/>
+          <a:ext cx="0" cy="0"/>
+          <a:chOff x="0" y="0"/>
+          <a:chExt cx="0" cy="0"/>
+        </a:xfrm>
+      </p:grpSpPr>
+      <p:sp>
+        <p:nvSpPr>
+          <p:cNvPr id="109" name="PlaceHolder 1"/>
+          <p:cNvSpPr>
+            <a:spLocks noGrp="1"/>
+          </p:cNvSpPr>
+          <p:nvPr>
+            <p:ph type="title"/>
+          </p:nvPr>
+        </p:nvSpPr>
+        <p:spPr>
+          <a:xfrm>
+            <a:off x="457200" y="274680"/>
+            <a:ext cx="8229240" cy="1143000"/>
+          </a:xfrm>
+          <a:prstGeom prst="rect">
+            <a:avLst/>
+          </a:prstGeom>
+        </p:spPr>
+        <p:txBody>
+          <a:bodyPr lIns="0" rIns="0" tIns="0" bIns="0" anchor="ctr"/>
+          <a:p>
+            <a:endParaRPr/>
+          </a:p>
+        </p:txBody>
+      </p:sp>
+      <p:sp>
+        <p:nvSpPr>
+          <p:cNvPr id="110" name="PlaceHolder 2"/>
+          <p:cNvSpPr>
+            <a:spLocks noGrp="1"/>
+          </p:cNvSpPr>
+          <p:nvPr>
+            <p:ph type="body"/>
+          </p:nvPr>
+        </p:nvSpPr>
+        <p:spPr>
+          <a:xfrm>
+            <a:off x="457200" y="1600200"/>
+            <a:ext cx="8229240" cy="4525560"/>
+          </a:xfrm>
+          <a:prstGeom prst="rect">
+            <a:avLst/>
+          </a:prstGeom>
+        </p:spPr>
+        <p:txBody>
+          <a:bodyPr lIns="0" rIns="0" tIns="0" bIns="0"/>
+          <a:p>
+            <a:endParaRPr/>
+          </a:p>
+        </p:txBody>
+      </p:sp>
+      <p:sp>
+        <p:nvSpPr>
+          <p:cNvPr id="111" name="PlaceHolder 3"/>
+          <p:cNvSpPr>
+            <a:spLocks noGrp="1"/>
+          </p:cNvSpPr>
+          <p:nvPr>
+            <p:ph type="body"/>
+          </p:nvPr>
+        </p:nvSpPr>
+        <p:spPr>
+          <a:xfrm>
+            <a:off x="457200" y="1600200"/>
+            <a:ext cx="8229240" cy="4525560"/>
+          </a:xfrm>
+          <a:prstGeom prst="rect">
+            <a:avLst/>
+          </a:prstGeom>
+        </p:spPr>
+        <p:txBody>
+          <a:bodyPr lIns="0" rIns="0" tIns="0" bIns="0"/>
+          <a:p>
+            <a:endParaRPr/>
+          </a:p>
+        </p:txBody>
+      </p:sp>
+      <p:pic>
+        <p:nvPicPr>
+          <p:cNvPr id="112" name="" descr=""/>
+          <p:cNvPicPr/>
+          <p:nvPr/>
+        </p:nvPicPr>
+        <p:blipFill>
+          <a:blip r:embed="rId2"/>
+          <a:stretch>
+            <a:fillRect/>
+          </a:stretch>
+        </p:blipFill>
+        <p:spPr>
+          <a:xfrm>
+            <a:off x="1735560" y="1599840"/>
+            <a:ext cx="5671800" cy="4525560"/>
+          </a:xfrm>
+          <a:prstGeom prst="rect">
+            <a:avLst/>
+          </a:prstGeom>
+          <a:ln>
+            <a:noFill/>
+          </a:ln>
+        </p:spPr>
+      </p:pic>
+      <p:pic>
+        <p:nvPicPr>
+          <p:cNvPr id="113" name="" descr=""/>
+          <p:cNvPicPr/>
+          <p:nvPr/>
+        </p:nvPicPr>
+        <p:blipFill>
+          <a:blip r:embed="rId3"/>
+          <a:stretch>
+            <a:fillRect/>
+          </a:stretch>
+        </p:blipFill>
+        <p:spPr>
+          <a:xfrm>
+            <a:off x="1735560" y="1599840"/>
+            <a:ext cx="5671800" cy="4525560"/>
+          </a:xfrm>
+          <a:prstGeom prst="rect">
+            <a:avLst/>
+          </a:prstGeom>
+          <a:ln>
+            <a:noFill/>
+          </a:ln>
+        </p:spPr>
+      </p:pic>
     </p:spTree>
   </p:cSld>
 </p:sldLayout>
@@ -616,7 +2909,7 @@
       </p:grpSpPr>
       <p:sp>
         <p:nvSpPr>
-          <p:cNvPr id="6" name="PlaceHolder 1"/>
+          <p:cNvPr id="9" name="PlaceHolder 1"/>
           <p:cNvSpPr>
             <a:spLocks noGrp="1"/>
           </p:cNvSpPr>
@@ -626,8 +2919,8 @@
         </p:nvSpPr>
         <p:spPr>
           <a:xfrm>
-            <a:off x="504000" y="301320"/>
-            <a:ext cx="9071280" cy="1262520"/>
+            <a:off x="457200" y="274680"/>
+            <a:ext cx="8229240" cy="1143000"/>
           </a:xfrm>
           <a:prstGeom prst="rect">
             <a:avLst/>
@@ -636,14 +2929,13 @@
         <p:txBody>
           <a:bodyPr lIns="0" rIns="0" tIns="0" bIns="0" anchor="ctr"/>
           <a:p>
-            <a:pPr algn="ctr"/>
-            <a:endParaRPr/>
-          </a:p>
-        </p:txBody>
-      </p:sp>
-      <p:sp>
-        <p:nvSpPr>
-          <p:cNvPr id="7" name="PlaceHolder 2"/>
+            <a:endParaRPr/>
+          </a:p>
+        </p:txBody>
+      </p:sp>
+      <p:sp>
+        <p:nvSpPr>
+          <p:cNvPr id="10" name="PlaceHolder 2"/>
           <p:cNvSpPr>
             <a:spLocks noGrp="1"/>
           </p:cNvSpPr>
@@ -653,8 +2945,8 @@
         </p:nvSpPr>
         <p:spPr>
           <a:xfrm>
-            <a:off x="504000" y="1768680"/>
-            <a:ext cx="4426920" cy="4384080"/>
+            <a:off x="457200" y="1600200"/>
+            <a:ext cx="4015800" cy="4525560"/>
           </a:xfrm>
           <a:prstGeom prst="rect">
             <a:avLst/>
@@ -669,7 +2961,7 @@
       </p:sp>
       <p:sp>
         <p:nvSpPr>
-          <p:cNvPr id="8" name="PlaceHolder 3"/>
+          <p:cNvPr id="11" name="PlaceHolder 3"/>
           <p:cNvSpPr>
             <a:spLocks noGrp="1"/>
           </p:cNvSpPr>
@@ -679,8 +2971,8 @@
         </p:nvSpPr>
         <p:spPr>
           <a:xfrm>
-            <a:off x="5152680" y="1768680"/>
-            <a:ext cx="4426920" cy="4384080"/>
+            <a:off x="4674240" y="1600200"/>
+            <a:ext cx="4015800" cy="4525560"/>
           </a:xfrm>
           <a:prstGeom prst="rect">
             <a:avLst/>
@@ -717,7 +3009,7 @@
       </p:grpSpPr>
       <p:sp>
         <p:nvSpPr>
-          <p:cNvPr id="9" name="PlaceHolder 1"/>
+          <p:cNvPr id="12" name="PlaceHolder 1"/>
           <p:cNvSpPr>
             <a:spLocks noGrp="1"/>
           </p:cNvSpPr>
@@ -727,8 +3019,8 @@
         </p:nvSpPr>
         <p:spPr>
           <a:xfrm>
-            <a:off x="504000" y="301320"/>
-            <a:ext cx="9071280" cy="1262520"/>
+            <a:off x="457200" y="274680"/>
+            <a:ext cx="8229240" cy="1143000"/>
           </a:xfrm>
           <a:prstGeom prst="rect">
             <a:avLst/>
@@ -737,7 +3029,6 @@
         <p:txBody>
           <a:bodyPr lIns="0" rIns="0" tIns="0" bIns="0" anchor="ctr"/>
           <a:p>
-            <a:pPr algn="ctr"/>
             <a:endParaRPr/>
           </a:p>
         </p:txBody>
@@ -766,7 +3057,7 @@
       </p:grpSpPr>
       <p:sp>
         <p:nvSpPr>
-          <p:cNvPr id="10" name="PlaceHolder 1"/>
+          <p:cNvPr id="13" name="PlaceHolder 1"/>
           <p:cNvSpPr>
             <a:spLocks noGrp="1"/>
           </p:cNvSpPr>
@@ -776,8 +3067,8 @@
         </p:nvSpPr>
         <p:spPr>
           <a:xfrm>
-            <a:off x="504000" y="301320"/>
-            <a:ext cx="9071280" cy="5852160"/>
+            <a:off x="457200" y="274680"/>
+            <a:ext cx="8229240" cy="5298120"/>
           </a:xfrm>
           <a:prstGeom prst="rect">
             <a:avLst/>
@@ -815,7 +3106,7 @@
       </p:grpSpPr>
       <p:sp>
         <p:nvSpPr>
-          <p:cNvPr id="11" name="PlaceHolder 1"/>
+          <p:cNvPr id="14" name="PlaceHolder 1"/>
           <p:cNvSpPr>
             <a:spLocks noGrp="1"/>
           </p:cNvSpPr>
@@ -825,8 +3116,8 @@
         </p:nvSpPr>
         <p:spPr>
           <a:xfrm>
-            <a:off x="504000" y="301320"/>
-            <a:ext cx="9071280" cy="1262520"/>
+            <a:off x="457200" y="274680"/>
+            <a:ext cx="8229240" cy="1143000"/>
           </a:xfrm>
           <a:prstGeom prst="rect">
             <a:avLst/>
@@ -835,14 +3126,13 @@
         <p:txBody>
           <a:bodyPr lIns="0" rIns="0" tIns="0" bIns="0" anchor="ctr"/>
           <a:p>
-            <a:pPr algn="ctr"/>
-            <a:endParaRPr/>
-          </a:p>
-        </p:txBody>
-      </p:sp>
-      <p:sp>
-        <p:nvSpPr>
-          <p:cNvPr id="12" name="PlaceHolder 2"/>
+            <a:endParaRPr/>
+          </a:p>
+        </p:txBody>
+      </p:sp>
+      <p:sp>
+        <p:nvSpPr>
+          <p:cNvPr id="15" name="PlaceHolder 2"/>
           <p:cNvSpPr>
             <a:spLocks noGrp="1"/>
           </p:cNvSpPr>
@@ -852,8 +3142,8 @@
         </p:nvSpPr>
         <p:spPr>
           <a:xfrm>
-            <a:off x="504000" y="1768680"/>
-            <a:ext cx="4426920" cy="2090880"/>
+            <a:off x="457200" y="1600200"/>
+            <a:ext cx="4015800" cy="2158560"/>
           </a:xfrm>
           <a:prstGeom prst="rect">
             <a:avLst/>
@@ -868,7 +3158,7 @@
       </p:sp>
       <p:sp>
         <p:nvSpPr>
-          <p:cNvPr id="13" name="PlaceHolder 3"/>
+          <p:cNvPr id="16" name="PlaceHolder 3"/>
           <p:cNvSpPr>
             <a:spLocks noGrp="1"/>
           </p:cNvSpPr>
@@ -878,8 +3168,8 @@
         </p:nvSpPr>
         <p:spPr>
           <a:xfrm>
-            <a:off x="504000" y="4058640"/>
-            <a:ext cx="4426920" cy="2090880"/>
+            <a:off x="457200" y="3964320"/>
+            <a:ext cx="4015800" cy="2158560"/>
           </a:xfrm>
           <a:prstGeom prst="rect">
             <a:avLst/>
@@ -894,7 +3184,7 @@
       </p:sp>
       <p:sp>
         <p:nvSpPr>
-          <p:cNvPr id="14" name="PlaceHolder 4"/>
+          <p:cNvPr id="17" name="PlaceHolder 4"/>
           <p:cNvSpPr>
             <a:spLocks noGrp="1"/>
           </p:cNvSpPr>
@@ -904,8 +3194,8 @@
         </p:nvSpPr>
         <p:spPr>
           <a:xfrm>
-            <a:off x="5152680" y="1768680"/>
-            <a:ext cx="4426920" cy="4384080"/>
+            <a:off x="4674240" y="1600200"/>
+            <a:ext cx="4015800" cy="4525560"/>
           </a:xfrm>
           <a:prstGeom prst="rect">
             <a:avLst/>
@@ -942,7 +3232,7 @@
       </p:grpSpPr>
       <p:sp>
         <p:nvSpPr>
-          <p:cNvPr id="15" name="PlaceHolder 1"/>
+          <p:cNvPr id="18" name="PlaceHolder 1"/>
           <p:cNvSpPr>
             <a:spLocks noGrp="1"/>
           </p:cNvSpPr>
@@ -952,8 +3242,8 @@
         </p:nvSpPr>
         <p:spPr>
           <a:xfrm>
-            <a:off x="504000" y="301320"/>
-            <a:ext cx="9071280" cy="1262520"/>
+            <a:off x="457200" y="274680"/>
+            <a:ext cx="8229240" cy="1143000"/>
           </a:xfrm>
           <a:prstGeom prst="rect">
             <a:avLst/>
@@ -962,14 +3252,13 @@
         <p:txBody>
           <a:bodyPr lIns="0" rIns="0" tIns="0" bIns="0" anchor="ctr"/>
           <a:p>
-            <a:pPr algn="ctr"/>
-            <a:endParaRPr/>
-          </a:p>
-        </p:txBody>
-      </p:sp>
-      <p:sp>
-        <p:nvSpPr>
-          <p:cNvPr id="16" name="PlaceHolder 2"/>
+            <a:endParaRPr/>
+          </a:p>
+        </p:txBody>
+      </p:sp>
+      <p:sp>
+        <p:nvSpPr>
+          <p:cNvPr id="19" name="PlaceHolder 2"/>
           <p:cNvSpPr>
             <a:spLocks noGrp="1"/>
           </p:cNvSpPr>
@@ -979,8 +3268,8 @@
         </p:nvSpPr>
         <p:spPr>
           <a:xfrm>
-            <a:off x="504000" y="1768680"/>
-            <a:ext cx="4426920" cy="4384080"/>
+            <a:off x="457200" y="1600200"/>
+            <a:ext cx="4015800" cy="4525560"/>
           </a:xfrm>
           <a:prstGeom prst="rect">
             <a:avLst/>
@@ -995,7 +3284,7 @@
       </p:sp>
       <p:sp>
         <p:nvSpPr>
-          <p:cNvPr id="17" name="PlaceHolder 3"/>
+          <p:cNvPr id="20" name="PlaceHolder 3"/>
           <p:cNvSpPr>
             <a:spLocks noGrp="1"/>
           </p:cNvSpPr>
@@ -1005,8 +3294,8 @@
         </p:nvSpPr>
         <p:spPr>
           <a:xfrm>
-            <a:off x="5152680" y="1768680"/>
-            <a:ext cx="4426920" cy="2090880"/>
+            <a:off x="4674240" y="1600200"/>
+            <a:ext cx="4015800" cy="2158560"/>
           </a:xfrm>
           <a:prstGeom prst="rect">
             <a:avLst/>
@@ -1021,7 +3310,7 @@
       </p:sp>
       <p:sp>
         <p:nvSpPr>
-          <p:cNvPr id="18" name="PlaceHolder 4"/>
+          <p:cNvPr id="21" name="PlaceHolder 4"/>
           <p:cNvSpPr>
             <a:spLocks noGrp="1"/>
           </p:cNvSpPr>
@@ -1031,8 +3320,8 @@
         </p:nvSpPr>
         <p:spPr>
           <a:xfrm>
-            <a:off x="5152680" y="4058640"/>
-            <a:ext cx="4426920" cy="2090880"/>
+            <a:off x="4674240" y="3964320"/>
+            <a:ext cx="4015800" cy="2158560"/>
           </a:xfrm>
           <a:prstGeom prst="rect">
             <a:avLst/>
@@ -1069,7 +3358,7 @@
       </p:grpSpPr>
       <p:sp>
         <p:nvSpPr>
-          <p:cNvPr id="19" name="PlaceHolder 1"/>
+          <p:cNvPr id="22" name="PlaceHolder 1"/>
           <p:cNvSpPr>
             <a:spLocks noGrp="1"/>
           </p:cNvSpPr>
@@ -1079,8 +3368,8 @@
         </p:nvSpPr>
         <p:spPr>
           <a:xfrm>
-            <a:off x="504000" y="301320"/>
-            <a:ext cx="9071280" cy="1262520"/>
+            <a:off x="457200" y="274680"/>
+            <a:ext cx="8229240" cy="1143000"/>
           </a:xfrm>
           <a:prstGeom prst="rect">
             <a:avLst/>
@@ -1089,14 +3378,13 @@
         <p:txBody>
           <a:bodyPr lIns="0" rIns="0" tIns="0" bIns="0" anchor="ctr"/>
           <a:p>
-            <a:pPr algn="ctr"/>
-            <a:endParaRPr/>
-          </a:p>
-        </p:txBody>
-      </p:sp>
-      <p:sp>
-        <p:nvSpPr>
-          <p:cNvPr id="20" name="PlaceHolder 2"/>
+            <a:endParaRPr/>
+          </a:p>
+        </p:txBody>
+      </p:sp>
+      <p:sp>
+        <p:nvSpPr>
+          <p:cNvPr id="23" name="PlaceHolder 2"/>
           <p:cNvSpPr>
             <a:spLocks noGrp="1"/>
           </p:cNvSpPr>
@@ -1106,8 +3394,8 @@
         </p:nvSpPr>
         <p:spPr>
           <a:xfrm>
-            <a:off x="504000" y="1768680"/>
-            <a:ext cx="4426920" cy="2090880"/>
+            <a:off x="457200" y="1600200"/>
+            <a:ext cx="4015800" cy="2158560"/>
           </a:xfrm>
           <a:prstGeom prst="rect">
             <a:avLst/>
@@ -1122,7 +3410,7 @@
       </p:sp>
       <p:sp>
         <p:nvSpPr>
-          <p:cNvPr id="21" name="PlaceHolder 3"/>
+          <p:cNvPr id="24" name="PlaceHolder 3"/>
           <p:cNvSpPr>
             <a:spLocks noGrp="1"/>
           </p:cNvSpPr>
@@ -1132,8 +3420,8 @@
         </p:nvSpPr>
         <p:spPr>
           <a:xfrm>
-            <a:off x="5152680" y="1768680"/>
-            <a:ext cx="4426920" cy="2090880"/>
+            <a:off x="4674240" y="1600200"/>
+            <a:ext cx="4015800" cy="2158560"/>
           </a:xfrm>
           <a:prstGeom prst="rect">
             <a:avLst/>
@@ -1148,7 +3436,7 @@
       </p:sp>
       <p:sp>
         <p:nvSpPr>
-          <p:cNvPr id="22" name="PlaceHolder 4"/>
+          <p:cNvPr id="25" name="PlaceHolder 4"/>
           <p:cNvSpPr>
             <a:spLocks noGrp="1"/>
           </p:cNvSpPr>
@@ -1158,8 +3446,8 @@
         </p:nvSpPr>
         <p:spPr>
           <a:xfrm>
-            <a:off x="504000" y="4058640"/>
-            <a:ext cx="9072000" cy="2090880"/>
+            <a:off x="457200" y="3964320"/>
+            <a:ext cx="8229240" cy="2158560"/>
           </a:xfrm>
           <a:prstGeom prst="rect">
             <a:avLst/>
@@ -1178,6 +3466,727 @@
 </file>
 
 <file path=ppt/slideMasters/slideMaster1.xml><?xml version="1.0" encoding="utf-8"?>
+<p:sldMaster xmlns:a="http://schemas.openxmlformats.org/drawingml/2006/main" xmlns:p="http://schemas.openxmlformats.org/presentationml/2006/main" xmlns:r="http://schemas.openxmlformats.org/officeDocument/2006/relationships">
+  <p:cSld>
+    <p:bg>
+      <p:bgPr>
+        <a:solidFill>
+          <a:srgbClr val="ffffff"/>
+        </a:solidFill>
+      </p:bgPr>
+    </p:bg>
+    <p:spTree>
+      <p:nvGrpSpPr>
+        <p:cNvPr id="1" name=""/>
+        <p:cNvGrpSpPr/>
+        <p:nvPr/>
+      </p:nvGrpSpPr>
+      <p:grpSpPr>
+        <a:xfrm>
+          <a:off x="0" y="0"/>
+          <a:ext cx="0" cy="0"/>
+          <a:chOff x="0" y="0"/>
+          <a:chExt cx="0" cy="0"/>
+        </a:xfrm>
+      </p:grpSpPr>
+      <p:sp>
+        <p:nvSpPr>
+          <p:cNvPr id="0" name="PlaceHolder 1"/>
+          <p:cNvSpPr>
+            <a:spLocks noGrp="1"/>
+          </p:cNvSpPr>
+          <p:nvPr>
+            <p:ph type="title"/>
+          </p:nvPr>
+        </p:nvSpPr>
+        <p:spPr>
+          <a:xfrm>
+            <a:off x="685800" y="2130480"/>
+            <a:ext cx="7772040" cy="1469520"/>
+          </a:xfrm>
+          <a:prstGeom prst="rect">
+            <a:avLst/>
+          </a:prstGeom>
+        </p:spPr>
+        <p:txBody>
+          <a:bodyPr anchor="ctr"/>
+          <a:p>
+            <a:pPr algn="ctr">
+              <a:lnSpc>
+                <a:spcPct val="100000"/>
+              </a:lnSpc>
+            </a:pPr>
+            <a:r>
+              <a:rPr lang="en-US" sz="4400">
+                <a:solidFill>
+                  <a:srgbClr val="000000"/>
+                </a:solidFill>
+                <a:latin typeface="Calibri"/>
+              </a:rPr>
+              <a:t>Click to edit the title text formatClick to edit Master title style</a:t>
+            </a:r>
+            <a:endParaRPr/>
+          </a:p>
+        </p:txBody>
+      </p:sp>
+      <p:sp>
+        <p:nvSpPr>
+          <p:cNvPr id="1" name="PlaceHolder 2"/>
+          <p:cNvSpPr>
+            <a:spLocks noGrp="1"/>
+          </p:cNvSpPr>
+          <p:nvPr>
+            <p:ph type="dt"/>
+          </p:nvPr>
+        </p:nvSpPr>
+        <p:spPr>
+          <a:xfrm>
+            <a:off x="457200" y="6356520"/>
+            <a:ext cx="2133360" cy="364680"/>
+          </a:xfrm>
+          <a:prstGeom prst="rect">
+            <a:avLst/>
+          </a:prstGeom>
+        </p:spPr>
+        <p:txBody>
+          <a:bodyPr anchor="ctr"/>
+          <a:p>
+            <a:pPr>
+              <a:lnSpc>
+                <a:spcPct val="100000"/>
+              </a:lnSpc>
+            </a:pPr>
+            <a:r>
+              <a:rPr lang="en-US" sz="1200">
+                <a:solidFill>
+                  <a:srgbClr val="8b8b8b"/>
+                </a:solidFill>
+                <a:latin typeface="Calibri"/>
+              </a:rPr>
+              <a:t>12/2/14</a:t>
+            </a:r>
+            <a:endParaRPr/>
+          </a:p>
+        </p:txBody>
+      </p:sp>
+      <p:sp>
+        <p:nvSpPr>
+          <p:cNvPr id="2" name="PlaceHolder 3"/>
+          <p:cNvSpPr>
+            <a:spLocks noGrp="1"/>
+          </p:cNvSpPr>
+          <p:nvPr>
+            <p:ph type="ftr"/>
+          </p:nvPr>
+        </p:nvSpPr>
+        <p:spPr>
+          <a:xfrm>
+            <a:off x="3124080" y="6356520"/>
+            <a:ext cx="2895120" cy="364680"/>
+          </a:xfrm>
+          <a:prstGeom prst="rect">
+            <a:avLst/>
+          </a:prstGeom>
+        </p:spPr>
+        <p:txBody>
+          <a:bodyPr anchor="ctr"/>
+          <a:p>
+            <a:endParaRPr/>
+          </a:p>
+        </p:txBody>
+      </p:sp>
+      <p:sp>
+        <p:nvSpPr>
+          <p:cNvPr id="3" name="PlaceHolder 4"/>
+          <p:cNvSpPr>
+            <a:spLocks noGrp="1"/>
+          </p:cNvSpPr>
+          <p:nvPr>
+            <p:ph type="sldNum"/>
+          </p:nvPr>
+        </p:nvSpPr>
+        <p:spPr>
+          <a:xfrm>
+            <a:off x="6553080" y="6356520"/>
+            <a:ext cx="2133360" cy="364680"/>
+          </a:xfrm>
+          <a:prstGeom prst="rect">
+            <a:avLst/>
+          </a:prstGeom>
+        </p:spPr>
+        <p:txBody>
+          <a:bodyPr anchor="ctr"/>
+          <a:p>
+            <a:pPr algn="r">
+              <a:lnSpc>
+                <a:spcPct val="100000"/>
+              </a:lnSpc>
+            </a:pPr>
+            <a:fld id="{94AB90DC-C220-4BBE-B842-C70899754D79}" type="slidenum">
+              <a:rPr lang="en-US" sz="1200">
+                <a:solidFill>
+                  <a:srgbClr val="8b8b8b"/>
+                </a:solidFill>
+                <a:latin typeface="Calibri"/>
+              </a:rPr>
+              <a:t>&lt;number&gt;</a:t>
+            </a:fld>
+            <a:endParaRPr/>
+          </a:p>
+        </p:txBody>
+      </p:sp>
+      <p:sp>
+        <p:nvSpPr>
+          <p:cNvPr id="4" name="PlaceHolder 5"/>
+          <p:cNvSpPr>
+            <a:spLocks noGrp="1"/>
+          </p:cNvSpPr>
+          <p:nvPr>
+            <p:ph type="body"/>
+          </p:nvPr>
+        </p:nvSpPr>
+        <p:spPr>
+          <a:xfrm>
+            <a:off x="457200" y="1604520"/>
+            <a:ext cx="8229240" cy="3977280"/>
+          </a:xfrm>
+          <a:prstGeom prst="rect">
+            <a:avLst/>
+          </a:prstGeom>
+        </p:spPr>
+        <p:txBody>
+          <a:bodyPr lIns="0" rIns="0" tIns="0" bIns="0"/>
+          <a:p>
+            <a:pPr>
+              <a:buSzPct val="45000"/>
+              <a:buFont typeface="StarSymbol"/>
+              <a:buChar char=""/>
+            </a:pPr>
+            <a:r>
+              <a:rPr lang="en-US" sz="3200">
+                <a:latin typeface="Calibri"/>
+              </a:rPr>
+              <a:t>Click to edit the outline text format</a:t>
+            </a:r>
+            <a:endParaRPr/>
+          </a:p>
+          <a:p>
+            <a:pPr lvl="1">
+              <a:buSzPct val="75000"/>
+              <a:buFont typeface="StarSymbol"/>
+              <a:buChar char=""/>
+            </a:pPr>
+            <a:r>
+              <a:rPr lang="en-US" sz="2400">
+                <a:latin typeface="Calibri"/>
+              </a:rPr>
+              <a:t>Second Outline Level</a:t>
+            </a:r>
+            <a:endParaRPr/>
+          </a:p>
+          <a:p>
+            <a:pPr lvl="2">
+              <a:buSzPct val="45000"/>
+              <a:buFont typeface="StarSymbol"/>
+              <a:buChar char=""/>
+            </a:pPr>
+            <a:r>
+              <a:rPr lang="en-US" sz="2000">
+                <a:latin typeface="Calibri"/>
+              </a:rPr>
+              <a:t>Third Outline Level</a:t>
+            </a:r>
+            <a:endParaRPr/>
+          </a:p>
+          <a:p>
+            <a:pPr lvl="3">
+              <a:buSzPct val="75000"/>
+              <a:buFont typeface="StarSymbol"/>
+              <a:buChar char=""/>
+            </a:pPr>
+            <a:r>
+              <a:rPr lang="en-US" sz="2000">
+                <a:latin typeface="Calibri"/>
+              </a:rPr>
+              <a:t>Fourth Outline Level</a:t>
+            </a:r>
+            <a:endParaRPr/>
+          </a:p>
+          <a:p>
+            <a:pPr lvl="4">
+              <a:buSzPct val="45000"/>
+              <a:buFont typeface="StarSymbol"/>
+              <a:buChar char=""/>
+            </a:pPr>
+            <a:r>
+              <a:rPr lang="en-US" sz="2000">
+                <a:latin typeface="Calibri"/>
+              </a:rPr>
+              <a:t>Fifth Outline Level</a:t>
+            </a:r>
+            <a:endParaRPr/>
+          </a:p>
+          <a:p>
+            <a:pPr lvl="5">
+              <a:buSzPct val="45000"/>
+              <a:buFont typeface="StarSymbol"/>
+              <a:buChar char=""/>
+            </a:pPr>
+            <a:r>
+              <a:rPr lang="en-US" sz="2000">
+                <a:latin typeface="Calibri"/>
+              </a:rPr>
+              <a:t>Sixth Outline Level</a:t>
+            </a:r>
+            <a:endParaRPr/>
+          </a:p>
+          <a:p>
+            <a:pPr lvl="6">
+              <a:buSzPct val="45000"/>
+              <a:buFont typeface="StarSymbol"/>
+              <a:buChar char=""/>
+            </a:pPr>
+            <a:r>
+              <a:rPr lang="en-US" sz="2000">
+                <a:latin typeface="Calibri"/>
+              </a:rPr>
+              <a:t>Seventh Outline Level</a:t>
+            </a:r>
+            <a:endParaRPr/>
+          </a:p>
+        </p:txBody>
+      </p:sp>
+    </p:spTree>
+  </p:cSld>
+  <p:clrMap bg1="lt1" bg2="lt2" tx1="dk1" tx2="dk2" accent1="accent1" accent2="accent2" accent3="accent3" accent4="accent4" accent5="accent5" accent6="accent6" hlink="hlink" folHlink="folHlink"/>
+  <p:sldLayoutIdLst>
+    <p:sldLayoutId id="2147483649" r:id="rId2"/>
+    <p:sldLayoutId id="2147483650" r:id="rId3"/>
+    <p:sldLayoutId id="2147483651" r:id="rId4"/>
+    <p:sldLayoutId id="2147483652" r:id="rId5"/>
+    <p:sldLayoutId id="2147483653" r:id="rId6"/>
+    <p:sldLayoutId id="2147483654" r:id="rId7"/>
+    <p:sldLayoutId id="2147483655" r:id="rId8"/>
+    <p:sldLayoutId id="2147483656" r:id="rId9"/>
+    <p:sldLayoutId id="2147483657" r:id="rId10"/>
+    <p:sldLayoutId id="2147483658" r:id="rId11"/>
+    <p:sldLayoutId id="2147483659" r:id="rId12"/>
+    <p:sldLayoutId id="2147483660" r:id="rId13"/>
+  </p:sldLayoutIdLst>
+</p:sldMaster>
+</file>
+
+<file path=ppt/slideMasters/slideMaster2.xml><?xml version="1.0" encoding="utf-8"?>
+<p:sldMaster xmlns:a="http://schemas.openxmlformats.org/drawingml/2006/main" xmlns:p="http://schemas.openxmlformats.org/presentationml/2006/main" xmlns:r="http://schemas.openxmlformats.org/officeDocument/2006/relationships">
+  <p:cSld>
+    <p:bg>
+      <p:bgPr>
+        <a:solidFill>
+          <a:srgbClr val="ffffff"/>
+        </a:solidFill>
+      </p:bgPr>
+    </p:bg>
+    <p:spTree>
+      <p:nvGrpSpPr>
+        <p:cNvPr id="1" name=""/>
+        <p:cNvGrpSpPr/>
+        <p:nvPr/>
+      </p:nvGrpSpPr>
+      <p:grpSpPr>
+        <a:xfrm>
+          <a:off x="0" y="0"/>
+          <a:ext cx="0" cy="0"/>
+          <a:chOff x="0" y="0"/>
+          <a:chExt cx="0" cy="0"/>
+        </a:xfrm>
+      </p:grpSpPr>
+      <p:sp>
+        <p:nvSpPr>
+          <p:cNvPr id="39" name="PlaceHolder 1"/>
+          <p:cNvSpPr>
+            <a:spLocks noGrp="1"/>
+          </p:cNvSpPr>
+          <p:nvPr>
+            <p:ph type="title"/>
+          </p:nvPr>
+        </p:nvSpPr>
+        <p:spPr>
+          <a:xfrm>
+            <a:off x="457200" y="274680"/>
+            <a:ext cx="8229240" cy="1142640"/>
+          </a:xfrm>
+          <a:prstGeom prst="rect">
+            <a:avLst/>
+          </a:prstGeom>
+        </p:spPr>
+        <p:txBody>
+          <a:bodyPr anchor="ctr"/>
+          <a:p>
+            <a:pPr algn="ctr">
+              <a:lnSpc>
+                <a:spcPct val="100000"/>
+              </a:lnSpc>
+            </a:pPr>
+            <a:r>
+              <a:rPr lang="en-US" sz="4400">
+                <a:solidFill>
+                  <a:srgbClr val="000000"/>
+                </a:solidFill>
+                <a:latin typeface="Calibri"/>
+              </a:rPr>
+              <a:t>Click to edit the title text formatClick to edit Master title style</a:t>
+            </a:r>
+            <a:endParaRPr/>
+          </a:p>
+        </p:txBody>
+      </p:sp>
+      <p:sp>
+        <p:nvSpPr>
+          <p:cNvPr id="40" name="PlaceHolder 2"/>
+          <p:cNvSpPr>
+            <a:spLocks noGrp="1"/>
+          </p:cNvSpPr>
+          <p:nvPr>
+            <p:ph type="body"/>
+          </p:nvPr>
+        </p:nvSpPr>
+        <p:spPr>
+          <a:xfrm>
+            <a:off x="457200" y="1600200"/>
+            <a:ext cx="8229240" cy="4525560"/>
+          </a:xfrm>
+          <a:prstGeom prst="rect">
+            <a:avLst/>
+          </a:prstGeom>
+        </p:spPr>
+        <p:txBody>
+          <a:bodyPr/>
+          <a:p>
+            <a:pPr>
+              <a:buSzPct val="45000"/>
+              <a:buFont typeface="StarSymbol"/>
+              <a:buChar char=""/>
+            </a:pPr>
+            <a:r>
+              <a:rPr lang="en-US" sz="3200">
+                <a:solidFill>
+                  <a:srgbClr val="000000"/>
+                </a:solidFill>
+                <a:latin typeface="Calibri"/>
+              </a:rPr>
+              <a:t>Click to edit the outline text format</a:t>
+            </a:r>
+            <a:endParaRPr/>
+          </a:p>
+          <a:p>
+            <a:pPr lvl="1">
+              <a:buSzPct val="75000"/>
+              <a:buFont typeface="StarSymbol"/>
+              <a:buChar char=""/>
+            </a:pPr>
+            <a:r>
+              <a:rPr lang="en-US" sz="3200">
+                <a:solidFill>
+                  <a:srgbClr val="000000"/>
+                </a:solidFill>
+                <a:latin typeface="Calibri"/>
+              </a:rPr>
+              <a:t>Second Outline Level</a:t>
+            </a:r>
+            <a:endParaRPr/>
+          </a:p>
+          <a:p>
+            <a:pPr lvl="2">
+              <a:buSzPct val="45000"/>
+              <a:buFont typeface="StarSymbol"/>
+              <a:buChar char=""/>
+            </a:pPr>
+            <a:r>
+              <a:rPr lang="en-US" sz="3200">
+                <a:solidFill>
+                  <a:srgbClr val="000000"/>
+                </a:solidFill>
+                <a:latin typeface="Calibri"/>
+              </a:rPr>
+              <a:t>Third Outline Level</a:t>
+            </a:r>
+            <a:endParaRPr/>
+          </a:p>
+          <a:p>
+            <a:pPr lvl="3">
+              <a:buSzPct val="75000"/>
+              <a:buFont typeface="StarSymbol"/>
+              <a:buChar char=""/>
+            </a:pPr>
+            <a:r>
+              <a:rPr lang="en-US" sz="3200">
+                <a:solidFill>
+                  <a:srgbClr val="000000"/>
+                </a:solidFill>
+                <a:latin typeface="Calibri"/>
+              </a:rPr>
+              <a:t>Fourth Outline Level</a:t>
+            </a:r>
+            <a:endParaRPr/>
+          </a:p>
+          <a:p>
+            <a:pPr lvl="4">
+              <a:buSzPct val="45000"/>
+              <a:buFont typeface="StarSymbol"/>
+              <a:buChar char=""/>
+            </a:pPr>
+            <a:r>
+              <a:rPr lang="en-US" sz="3200">
+                <a:solidFill>
+                  <a:srgbClr val="000000"/>
+                </a:solidFill>
+                <a:latin typeface="Calibri"/>
+              </a:rPr>
+              <a:t>Fifth Outline Level</a:t>
+            </a:r>
+            <a:endParaRPr/>
+          </a:p>
+          <a:p>
+            <a:pPr lvl="5">
+              <a:buSzPct val="45000"/>
+              <a:buFont typeface="StarSymbol"/>
+              <a:buChar char=""/>
+            </a:pPr>
+            <a:r>
+              <a:rPr lang="en-US" sz="3200">
+                <a:solidFill>
+                  <a:srgbClr val="000000"/>
+                </a:solidFill>
+                <a:latin typeface="Calibri"/>
+              </a:rPr>
+              <a:t>Sixth Outline Level</a:t>
+            </a:r>
+            <a:endParaRPr/>
+          </a:p>
+          <a:p>
+            <a:pPr>
+              <a:lnSpc>
+                <a:spcPct val="100000"/>
+              </a:lnSpc>
+              <a:buFont typeface="Arial"/>
+              <a:buChar char="•"/>
+            </a:pPr>
+            <a:r>
+              <a:rPr lang="en-US" sz="3200">
+                <a:solidFill>
+                  <a:srgbClr val="000000"/>
+                </a:solidFill>
+                <a:latin typeface="Calibri"/>
+              </a:rPr>
+              <a:t>Seventh Outline LevelClick to edit Master text styles</a:t>
+            </a:r>
+            <a:endParaRPr/>
+          </a:p>
+          <a:p>
+            <a:pPr lvl="1">
+              <a:lnSpc>
+                <a:spcPct val="100000"/>
+              </a:lnSpc>
+              <a:buFont typeface="Arial"/>
+              <a:buChar char="–"/>
+            </a:pPr>
+            <a:r>
+              <a:rPr lang="en-US" sz="2800">
+                <a:solidFill>
+                  <a:srgbClr val="000000"/>
+                </a:solidFill>
+                <a:latin typeface="Calibri"/>
+              </a:rPr>
+              <a:t>Second level</a:t>
+            </a:r>
+            <a:endParaRPr/>
+          </a:p>
+          <a:p>
+            <a:pPr lvl="2">
+              <a:lnSpc>
+                <a:spcPct val="100000"/>
+              </a:lnSpc>
+              <a:buFont typeface="Arial"/>
+              <a:buChar char="•"/>
+            </a:pPr>
+            <a:r>
+              <a:rPr lang="en-US" sz="2400">
+                <a:solidFill>
+                  <a:srgbClr val="000000"/>
+                </a:solidFill>
+                <a:latin typeface="Calibri"/>
+              </a:rPr>
+              <a:t>Third level</a:t>
+            </a:r>
+            <a:endParaRPr/>
+          </a:p>
+          <a:p>
+            <a:pPr lvl="3">
+              <a:lnSpc>
+                <a:spcPct val="100000"/>
+              </a:lnSpc>
+              <a:buFont typeface="Arial"/>
+              <a:buChar char="–"/>
+            </a:pPr>
+            <a:r>
+              <a:rPr lang="en-US" sz="2000">
+                <a:solidFill>
+                  <a:srgbClr val="000000"/>
+                </a:solidFill>
+                <a:latin typeface="Calibri"/>
+              </a:rPr>
+              <a:t>Fourth level</a:t>
+            </a:r>
+            <a:endParaRPr/>
+          </a:p>
+          <a:p>
+            <a:pPr lvl="4">
+              <a:lnSpc>
+                <a:spcPct val="100000"/>
+              </a:lnSpc>
+              <a:buFont typeface="Arial"/>
+              <a:buChar char="»"/>
+            </a:pPr>
+            <a:r>
+              <a:rPr lang="en-US" sz="2000">
+                <a:solidFill>
+                  <a:srgbClr val="000000"/>
+                </a:solidFill>
+                <a:latin typeface="Calibri"/>
+              </a:rPr>
+              <a:t>Fifth level</a:t>
+            </a:r>
+            <a:endParaRPr/>
+          </a:p>
+        </p:txBody>
+      </p:sp>
+      <p:sp>
+        <p:nvSpPr>
+          <p:cNvPr id="41" name="PlaceHolder 3"/>
+          <p:cNvSpPr>
+            <a:spLocks noGrp="1"/>
+          </p:cNvSpPr>
+          <p:nvPr>
+            <p:ph type="dt"/>
+          </p:nvPr>
+        </p:nvSpPr>
+        <p:spPr>
+          <a:xfrm>
+            <a:off x="457200" y="6356520"/>
+            <a:ext cx="2133360" cy="364680"/>
+          </a:xfrm>
+          <a:prstGeom prst="rect">
+            <a:avLst/>
+          </a:prstGeom>
+        </p:spPr>
+        <p:txBody>
+          <a:bodyPr anchor="ctr"/>
+          <a:p>
+            <a:pPr>
+              <a:lnSpc>
+                <a:spcPct val="100000"/>
+              </a:lnSpc>
+            </a:pPr>
+            <a:r>
+              <a:rPr lang="en-US" sz="1200">
+                <a:solidFill>
+                  <a:srgbClr val="8b8b8b"/>
+                </a:solidFill>
+                <a:latin typeface="Calibri"/>
+              </a:rPr>
+              <a:t>12/2/14</a:t>
+            </a:r>
+            <a:endParaRPr/>
+          </a:p>
+        </p:txBody>
+      </p:sp>
+      <p:sp>
+        <p:nvSpPr>
+          <p:cNvPr id="42" name="PlaceHolder 4"/>
+          <p:cNvSpPr>
+            <a:spLocks noGrp="1"/>
+          </p:cNvSpPr>
+          <p:nvPr>
+            <p:ph type="ftr"/>
+          </p:nvPr>
+        </p:nvSpPr>
+        <p:spPr>
+          <a:xfrm>
+            <a:off x="3124080" y="6356520"/>
+            <a:ext cx="2895120" cy="364680"/>
+          </a:xfrm>
+          <a:prstGeom prst="rect">
+            <a:avLst/>
+          </a:prstGeom>
+        </p:spPr>
+        <p:txBody>
+          <a:bodyPr anchor="ctr"/>
+          <a:p>
+            <a:endParaRPr/>
+          </a:p>
+        </p:txBody>
+      </p:sp>
+      <p:sp>
+        <p:nvSpPr>
+          <p:cNvPr id="43" name="PlaceHolder 5"/>
+          <p:cNvSpPr>
+            <a:spLocks noGrp="1"/>
+          </p:cNvSpPr>
+          <p:nvPr>
+            <p:ph type="sldNum"/>
+          </p:nvPr>
+        </p:nvSpPr>
+        <p:spPr>
+          <a:xfrm>
+            <a:off x="6553080" y="6356520"/>
+            <a:ext cx="2133360" cy="364680"/>
+          </a:xfrm>
+          <a:prstGeom prst="rect">
+            <a:avLst/>
+          </a:prstGeom>
+        </p:spPr>
+        <p:txBody>
+          <a:bodyPr anchor="ctr"/>
+          <a:p>
+            <a:pPr algn="r">
+              <a:lnSpc>
+                <a:spcPct val="100000"/>
+              </a:lnSpc>
+            </a:pPr>
+            <a:fld id="{0B71483F-5B1B-4D2A-A0BD-FDDA0293B13A}" type="slidenum">
+              <a:rPr lang="en-US" sz="1200">
+                <a:solidFill>
+                  <a:srgbClr val="8b8b8b"/>
+                </a:solidFill>
+                <a:latin typeface="Calibri"/>
+              </a:rPr>
+              <a:t>&lt;number&gt;</a:t>
+            </a:fld>
+            <a:endParaRPr/>
+          </a:p>
+        </p:txBody>
+      </p:sp>
+    </p:spTree>
+  </p:cSld>
+  <p:clrMap bg1="lt1" bg2="lt2" tx1="dk1" tx2="dk2" accent1="accent1" accent2="accent2" accent3="accent3" accent4="accent4" accent5="accent5" accent6="accent6" hlink="hlink" folHlink="folHlink"/>
+  <p:sldLayoutIdLst>
+    <p:sldLayoutId id="2147483662" r:id="rId2"/>
+    <p:sldLayoutId id="2147483663" r:id="rId3"/>
+    <p:sldLayoutId id="2147483664" r:id="rId4"/>
+    <p:sldLayoutId id="2147483665" r:id="rId5"/>
+    <p:sldLayoutId id="2147483666" r:id="rId6"/>
+    <p:sldLayoutId id="2147483667" r:id="rId7"/>
+    <p:sldLayoutId id="2147483668" r:id="rId8"/>
+    <p:sldLayoutId id="2147483669" r:id="rId9"/>
+    <p:sldLayoutId id="2147483670" r:id="rId10"/>
+    <p:sldLayoutId id="2147483671" r:id="rId11"/>
+    <p:sldLayoutId id="2147483672" r:id="rId12"/>
+    <p:sldLayoutId id="2147483673" r:id="rId13"/>
+  </p:sldLayoutIdLst>
+</p:sldMaster>
+</file>
+
+<file path=ppt/slideMasters/slideMaster3.xml><?xml version="1.0" encoding="utf-8"?>
 <p:sldMaster xmlns:a="http://schemas.openxmlformats.org/drawingml/2006/main" xmlns:p="http://schemas.openxmlformats.org/presentationml/2006/main" xmlns:r="http://schemas.openxmlformats.org/officeDocument/2006/relationships">
   <p:cSld>
     <p:spTree>
@@ -1196,7 +4205,7 @@
       </p:grpSpPr>
       <p:sp>
         <p:nvSpPr>
-          <p:cNvPr id="0" name="PlaceHolder 1"/>
+          <p:cNvPr id="78" name="PlaceHolder 1"/>
           <p:cNvSpPr>
             <a:spLocks noGrp="1"/>
           </p:cNvSpPr>
@@ -1206,8 +4215,8 @@
         </p:nvSpPr>
         <p:spPr>
           <a:xfrm>
-            <a:off x="504000" y="301320"/>
-            <a:ext cx="9071280" cy="1262160"/>
+            <a:off x="456840" y="273240"/>
+            <a:ext cx="8228160" cy="1145160"/>
           </a:xfrm>
           <a:prstGeom prst="rect">
             <a:avLst/>
@@ -1228,7 +4237,7 @@
       </p:sp>
       <p:sp>
         <p:nvSpPr>
-          <p:cNvPr id="1" name="PlaceHolder 2"/>
+          <p:cNvPr id="79" name="PlaceHolder 2"/>
           <p:cNvSpPr>
             <a:spLocks noGrp="1"/>
           </p:cNvSpPr>
@@ -1238,8 +4247,8 @@
         </p:nvSpPr>
         <p:spPr>
           <a:xfrm>
-            <a:off x="504000" y="1768680"/>
-            <a:ext cx="9072000" cy="4384080"/>
+            <a:off x="456840" y="1604520"/>
+            <a:ext cx="8228520" cy="3976920"/>
           </a:xfrm>
           <a:prstGeom prst="rect">
             <a:avLst/>
@@ -1254,7 +4263,7 @@
               <a:buChar char=""/>
             </a:pPr>
             <a:r>
-              <a:rPr lang="en-US" sz="3200">
+              <a:rPr lang="en-US">
                 <a:latin typeface="Arial"/>
               </a:rPr>
               <a:t>Click to edit the outline text format</a:t>
@@ -1268,7 +4277,7 @@
               <a:buChar char=""/>
             </a:pPr>
             <a:r>
-              <a:rPr lang="en-US" sz="2800">
+              <a:rPr lang="en-US">
                 <a:latin typeface="Arial"/>
               </a:rPr>
               <a:t>Second Outline Level</a:t>
@@ -1282,7 +4291,7 @@
               <a:buChar char=""/>
             </a:pPr>
             <a:r>
-              <a:rPr lang="en-US" sz="2400">
+              <a:rPr lang="en-US">
                 <a:latin typeface="Arial"/>
               </a:rPr>
               <a:t>Third Outline Level</a:t>
@@ -1296,7 +4305,7 @@
               <a:buChar char=""/>
             </a:pPr>
             <a:r>
-              <a:rPr lang="en-US" sz="2000">
+              <a:rPr lang="en-US">
                 <a:latin typeface="Arial"/>
               </a:rPr>
               <a:t>Fourth Outline Level</a:t>
@@ -1310,7 +4319,7 @@
               <a:buChar char=""/>
             </a:pPr>
             <a:r>
-              <a:rPr lang="en-US" sz="2000">
+              <a:rPr lang="en-US">
                 <a:latin typeface="Arial"/>
               </a:rPr>
               <a:t>Fifth Outline Level</a:t>
@@ -1324,7 +4333,7 @@
               <a:buChar char=""/>
             </a:pPr>
             <a:r>
-              <a:rPr lang="en-US" sz="2000">
+              <a:rPr lang="en-US">
                 <a:latin typeface="Arial"/>
               </a:rPr>
               <a:t>Sixth Outline Level</a:t>
@@ -1338,7 +4347,7 @@
               <a:buChar char=""/>
             </a:pPr>
             <a:r>
-              <a:rPr lang="en-US" sz="2000">
+              <a:rPr lang="en-US">
                 <a:latin typeface="Arial"/>
               </a:rPr>
               <a:t>Seventh Outline Level</a:t>
@@ -1351,18 +4360,18 @@
   </p:cSld>
   <p:clrMap bg1="lt1" bg2="lt2" tx1="dk1" tx2="dk2" accent1="accent1" accent2="accent2" accent3="accent3" accent4="accent4" accent5="accent5" accent6="accent6" hlink="hlink" folHlink="folHlink"/>
   <p:sldLayoutIdLst>
-    <p:sldLayoutId id="2147483649" r:id="rId2"/>
-    <p:sldLayoutId id="2147483650" r:id="rId3"/>
-    <p:sldLayoutId id="2147483651" r:id="rId4"/>
-    <p:sldLayoutId id="2147483652" r:id="rId5"/>
-    <p:sldLayoutId id="2147483653" r:id="rId6"/>
-    <p:sldLayoutId id="2147483654" r:id="rId7"/>
-    <p:sldLayoutId id="2147483655" r:id="rId8"/>
-    <p:sldLayoutId id="2147483656" r:id="rId9"/>
-    <p:sldLayoutId id="2147483657" r:id="rId10"/>
-    <p:sldLayoutId id="2147483658" r:id="rId11"/>
-    <p:sldLayoutId id="2147483659" r:id="rId12"/>
-    <p:sldLayoutId id="2147483660" r:id="rId13"/>
+    <p:sldLayoutId id="2147483675" r:id="rId2"/>
+    <p:sldLayoutId id="2147483676" r:id="rId3"/>
+    <p:sldLayoutId id="2147483677" r:id="rId4"/>
+    <p:sldLayoutId id="2147483678" r:id="rId5"/>
+    <p:sldLayoutId id="2147483679" r:id="rId6"/>
+    <p:sldLayoutId id="2147483680" r:id="rId7"/>
+    <p:sldLayoutId id="2147483681" r:id="rId8"/>
+    <p:sldLayoutId id="2147483682" r:id="rId9"/>
+    <p:sldLayoutId id="2147483683" r:id="rId10"/>
+    <p:sldLayoutId id="2147483684" r:id="rId11"/>
+    <p:sldLayoutId id="2147483685" r:id="rId12"/>
+    <p:sldLayoutId id="2147483686" r:id="rId13"/>
   </p:sldLayoutIdLst>
 </p:sldMaster>
 </file>
@@ -1386,25 +4395,21 @@
       </p:grpSpPr>
       <p:sp>
         <p:nvSpPr>
-          <p:cNvPr id="36" name="CustomShape 1"/>
-          <p:cNvSpPr/>
+          <p:cNvPr id="114" name="TextShape 1"/>
+          <p:cNvSpPr txBox="1"/>
           <p:nvPr/>
         </p:nvSpPr>
         <p:spPr>
           <a:xfrm>
-            <a:off x="504000" y="301320"/>
-            <a:ext cx="9071280" cy="1261800"/>
-          </a:xfrm>
-          <a:prstGeom prst="rect">
-            <a:avLst/>
-          </a:prstGeom>
-          <a:noFill/>
-          <a:ln>
-            <a:noFill/>
-          </a:ln>
-        </p:spPr>
-        <p:txBody>
-          <a:bodyPr lIns="0" rIns="0" tIns="0" bIns="0" anchor="ctr"/>
+            <a:off x="685800" y="2130480"/>
+            <a:ext cx="7772040" cy="1469520"/>
+          </a:xfrm>
+          <a:prstGeom prst="rect">
+            <a:avLst/>
+          </a:prstGeom>
+        </p:spPr>
+        <p:txBody>
+          <a:bodyPr anchor="ctr"/>
           <a:p>
             <a:pPr algn="ctr">
               <a:lnSpc>
@@ -1412,10 +4417,13 @@
               </a:lnSpc>
             </a:pPr>
             <a:r>
-              <a:rPr lang="en-US" sz="4400">
-                <a:latin typeface="Arial"/>
+              <a:rPr lang="en-US" sz="6000">
+                <a:solidFill>
+                  <a:srgbClr val="000000"/>
+                </a:solidFill>
+                <a:latin typeface="Calibri"/>
               </a:rPr>
-              <a:t>Car Fuel Efficiency</a:t>
+              <a:t>Fuel Efficiency</a:t>
             </a:r>
             <a:endParaRPr/>
           </a:p>
@@ -1423,25 +4431,21 @@
       </p:sp>
       <p:sp>
         <p:nvSpPr>
-          <p:cNvPr id="37" name="CustomShape 2"/>
-          <p:cNvSpPr/>
+          <p:cNvPr id="115" name="TextShape 2"/>
+          <p:cNvSpPr txBox="1"/>
           <p:nvPr/>
         </p:nvSpPr>
         <p:spPr>
           <a:xfrm>
-            <a:off x="504000" y="1769040"/>
-            <a:ext cx="9071280" cy="4384080"/>
-          </a:xfrm>
-          <a:prstGeom prst="rect">
-            <a:avLst/>
-          </a:prstGeom>
-          <a:noFill/>
-          <a:ln>
-            <a:noFill/>
-          </a:ln>
-        </p:spPr>
-        <p:txBody>
-          <a:bodyPr lIns="0" rIns="0" tIns="0" bIns="0" anchor="ctr"/>
+            <a:off x="1371600" y="3886200"/>
+            <a:ext cx="6400440" cy="1752120"/>
+          </a:xfrm>
+          <a:prstGeom prst="rect">
+            <a:avLst/>
+          </a:prstGeom>
+        </p:spPr>
+        <p:txBody>
+          <a:bodyPr/>
           <a:p>
             <a:pPr algn="ctr">
               <a:lnSpc>
@@ -1450,23 +4454,12 @@
             </a:pPr>
             <a:r>
               <a:rPr lang="en-US" sz="3200">
-                <a:latin typeface="Arial"/>
+                <a:solidFill>
+                  <a:srgbClr val="000000"/>
+                </a:solidFill>
+                <a:latin typeface="Calibri"/>
               </a:rPr>
-              <a:t>Leo Choi</a:t>
-            </a:r>
-            <a:endParaRPr/>
-          </a:p>
-          <a:p>
-            <a:pPr algn="ctr">
-              <a:lnSpc>
-                <a:spcPct val="100000"/>
-              </a:lnSpc>
-            </a:pPr>
-            <a:r>
-              <a:rPr lang="en-US" sz="3200">
-                <a:latin typeface="Arial"/>
-              </a:rPr>
-              <a:t>Skyler Tom</a:t>
+              <a:t>Skyler Tom and Leo Choi</a:t>
             </a:r>
             <a:endParaRPr/>
           </a:p>
@@ -1523,26 +4516,33 @@
       </p:grpSpPr>
       <p:sp>
         <p:nvSpPr>
-          <p:cNvPr id="38" name="TextShape 1"/>
+          <p:cNvPr id="116" name="TextShape 1"/>
           <p:cNvSpPr txBox="1"/>
           <p:nvPr/>
         </p:nvSpPr>
         <p:spPr>
           <a:xfrm>
-            <a:off x="504000" y="301320"/>
-            <a:ext cx="9071280" cy="1262160"/>
-          </a:xfrm>
-          <a:prstGeom prst="rect">
-            <a:avLst/>
-          </a:prstGeom>
-        </p:spPr>
-        <p:txBody>
-          <a:bodyPr lIns="0" rIns="0" tIns="0" bIns="0" anchor="ctr"/>
-          <a:p>
-            <a:pPr algn="ctr"/>
+            <a:off x="457200" y="274680"/>
+            <a:ext cx="8229240" cy="1142640"/>
+          </a:xfrm>
+          <a:prstGeom prst="rect">
+            <a:avLst/>
+          </a:prstGeom>
+        </p:spPr>
+        <p:txBody>
+          <a:bodyPr anchor="ctr"/>
+          <a:p>
+            <a:pPr algn="ctr">
+              <a:lnSpc>
+                <a:spcPct val="100000"/>
+              </a:lnSpc>
+            </a:pPr>
             <a:r>
               <a:rPr lang="en-US" sz="4400">
-                <a:latin typeface="Arial"/>
+                <a:solidFill>
+                  <a:srgbClr val="000000"/>
+                </a:solidFill>
+                <a:latin typeface="Calibri"/>
               </a:rPr>
               <a:t>Dataset</a:t>
             </a:r>
@@ -1552,7 +4552,7 @@
       </p:sp>
       <p:pic>
         <p:nvPicPr>
-          <p:cNvPr id="39" name="" descr=""/>
+          <p:cNvPr id="117" name="Content Placeholder 3" descr=""/>
           <p:cNvPicPr/>
           <p:nvPr/>
         </p:nvPicPr>
@@ -1564,8 +4564,8 @@
         </p:blipFill>
         <p:spPr>
           <a:xfrm>
-            <a:off x="504000" y="1463040"/>
-            <a:ext cx="9005760" cy="5571000"/>
+            <a:off x="457200" y="1516680"/>
+            <a:ext cx="8229240" cy="3283560"/>
           </a:xfrm>
           <a:prstGeom prst="rect">
             <a:avLst/>
@@ -1575,8 +4575,152 @@
           </a:ln>
         </p:spPr>
       </p:pic>
+      <p:sp>
+        <p:nvSpPr>
+          <p:cNvPr id="118" name="CustomShape 2"/>
+          <p:cNvSpPr/>
+          <p:nvPr/>
+        </p:nvSpPr>
+        <p:spPr>
+          <a:xfrm>
+            <a:off x="457200" y="2057400"/>
+            <a:ext cx="8229240" cy="4952520"/>
+          </a:xfrm>
+          <a:prstGeom prst="rect">
+            <a:avLst/>
+          </a:prstGeom>
+          <a:noFill/>
+          <a:ln>
+            <a:noFill/>
+          </a:ln>
+        </p:spPr>
+        <p:txBody>
+          <a:bodyPr/>
+          <a:p>
+            <a:pPr>
+              <a:lnSpc>
+                <a:spcPct val="100000"/>
+              </a:lnSpc>
+            </a:pPr>
+            <a:endParaRPr/>
+          </a:p>
+          <a:p>
+            <a:pPr>
+              <a:lnSpc>
+                <a:spcPct val="100000"/>
+              </a:lnSpc>
+            </a:pPr>
+            <a:endParaRPr/>
+          </a:p>
+          <a:p>
+            <a:pPr>
+              <a:lnSpc>
+                <a:spcPct val="100000"/>
+              </a:lnSpc>
+            </a:pPr>
+            <a:endParaRPr/>
+          </a:p>
+          <a:p>
+            <a:pPr>
+              <a:lnSpc>
+                <a:spcPct val="100000"/>
+              </a:lnSpc>
+            </a:pPr>
+            <a:endParaRPr/>
+          </a:p>
+          <a:p>
+            <a:pPr>
+              <a:lnSpc>
+                <a:spcPct val="100000"/>
+              </a:lnSpc>
+            </a:pPr>
+            <a:endParaRPr/>
+          </a:p>
+          <a:p>
+            <a:pPr>
+              <a:lnSpc>
+                <a:spcPct val="100000"/>
+              </a:lnSpc>
+              <a:buFont typeface="Arial"/>
+              <a:buChar char="•"/>
+            </a:pPr>
+            <a:r>
+              <a:rPr lang="en-US" sz="2800">
+                <a:solidFill>
+                  <a:srgbClr val="000000"/>
+                </a:solidFill>
+                <a:latin typeface="Calibri"/>
+              </a:rPr>
+              <a:t>From vehicle testing done at EPA’s National Vehicle and Fuel Emissions Lab in Ann Arbor</a:t>
+            </a:r>
+            <a:endParaRPr/>
+          </a:p>
+          <a:p>
+            <a:pPr>
+              <a:lnSpc>
+                <a:spcPct val="100000"/>
+              </a:lnSpc>
+              <a:buFont typeface="Arial"/>
+              <a:buChar char="•"/>
+            </a:pPr>
+            <a:r>
+              <a:rPr lang="en-US" sz="2800">
+                <a:solidFill>
+                  <a:srgbClr val="000000"/>
+                </a:solidFill>
+                <a:latin typeface="Calibri"/>
+              </a:rPr>
+              <a:t>Data from 2000-2015</a:t>
+            </a:r>
+            <a:endParaRPr/>
+          </a:p>
+          <a:p>
+            <a:pPr>
+              <a:lnSpc>
+                <a:spcPct val="100000"/>
+              </a:lnSpc>
+            </a:pPr>
+            <a:endParaRPr/>
+          </a:p>
+          <a:p>
+            <a:pPr>
+              <a:lnSpc>
+                <a:spcPct val="100000"/>
+              </a:lnSpc>
+            </a:pPr>
+            <a:endParaRPr/>
+          </a:p>
+        </p:txBody>
+      </p:sp>
     </p:spTree>
   </p:cSld>
+  <p:timing>
+    <p:tnLst>
+      <p:par>
+        <p:cTn id="3" dur="indefinite" restart="never" nodeType="tmRoot">
+          <p:childTnLst>
+            <p:seq>
+              <p:cTn id="4" nodeType="mainSeq"/>
+              <p:prevCondLst>
+                <p:cond delay="0" evt="onPrev">
+                  <p:tgtEl>
+                    <p:sldTgt/>
+                  </p:tgtEl>
+                </p:cond>
+              </p:prevCondLst>
+              <p:nextCondLst>
+                <p:cond delay="0" evt="onNext">
+                  <p:tgtEl>
+                    <p:sldTgt/>
+                  </p:tgtEl>
+                </p:cond>
+              </p:nextCondLst>
+            </p:seq>
+          </p:childTnLst>
+        </p:cTn>
+      </p:par>
+    </p:tnLst>
+  </p:timing>
 </p:sld>
 </file>
 
@@ -1599,60 +4743,172 @@
       </p:grpSpPr>
       <p:sp>
         <p:nvSpPr>
-          <p:cNvPr id="40" name="TextShape 1"/>
+          <p:cNvPr id="119" name="TextShape 1"/>
           <p:cNvSpPr txBox="1"/>
           <p:nvPr/>
         </p:nvSpPr>
         <p:spPr>
           <a:xfrm>
-            <a:off x="504000" y="301320"/>
-            <a:ext cx="9071280" cy="1262160"/>
-          </a:xfrm>
-          <a:prstGeom prst="rect">
-            <a:avLst/>
-          </a:prstGeom>
-        </p:spPr>
-        <p:txBody>
-          <a:bodyPr lIns="0" rIns="0" tIns="0" bIns="0" anchor="ctr"/>
-          <a:p>
-            <a:pPr algn="ctr"/>
+            <a:off x="457200" y="274680"/>
+            <a:ext cx="8229240" cy="1142640"/>
+          </a:xfrm>
+          <a:prstGeom prst="rect">
+            <a:avLst/>
+          </a:prstGeom>
+        </p:spPr>
+        <p:txBody>
+          <a:bodyPr anchor="ctr"/>
+          <a:p>
+            <a:pPr algn="ctr">
+              <a:lnSpc>
+                <a:spcPct val="100000"/>
+              </a:lnSpc>
+            </a:pPr>
             <a:r>
               <a:rPr lang="en-US" sz="4400">
-                <a:latin typeface="Arial"/>
+                <a:solidFill>
+                  <a:srgbClr val="000000"/>
+                </a:solidFill>
+                <a:latin typeface="Calibri"/>
               </a:rPr>
-              <a:t>Design</a:t>
+              <a:t>Dataset</a:t>
             </a:r>
             <a:endParaRPr/>
           </a:p>
         </p:txBody>
       </p:sp>
-      <p:pic>
-        <p:nvPicPr>
-          <p:cNvPr id="41" name="" descr=""/>
-          <p:cNvPicPr/>
+      <p:sp>
+        <p:nvSpPr>
+          <p:cNvPr id="120" name="TextShape 2"/>
+          <p:cNvSpPr txBox="1"/>
           <p:nvPr/>
-        </p:nvPicPr>
-        <p:blipFill>
-          <a:blip r:embed="rId1"/>
-          <a:stretch>
-            <a:fillRect/>
-          </a:stretch>
-        </p:blipFill>
-        <p:spPr>
-          <a:xfrm>
-            <a:off x="640080" y="1645920"/>
-            <a:ext cx="8595360" cy="4754880"/>
-          </a:xfrm>
-          <a:prstGeom prst="rect">
-            <a:avLst/>
-          </a:prstGeom>
-          <a:ln>
-            <a:noFill/>
-          </a:ln>
-        </p:spPr>
-      </p:pic>
+        </p:nvSpPr>
+        <p:spPr>
+          <a:xfrm>
+            <a:off x="457200" y="1600200"/>
+            <a:ext cx="8229240" cy="4525560"/>
+          </a:xfrm>
+          <a:prstGeom prst="rect">
+            <a:avLst/>
+          </a:prstGeom>
+        </p:spPr>
+        <p:txBody>
+          <a:bodyPr/>
+          <a:p>
+            <a:pPr>
+              <a:lnSpc>
+                <a:spcPct val="100000"/>
+              </a:lnSpc>
+              <a:buFont typeface="Arial"/>
+              <a:buChar char="•"/>
+            </a:pPr>
+            <a:r>
+              <a:rPr lang="en-US" sz="3200">
+                <a:solidFill>
+                  <a:srgbClr val="000000"/>
+                </a:solidFill>
+                <a:latin typeface="Calibri"/>
+              </a:rPr>
+              <a:t>Only going to look at cars that use gasoline</a:t>
+            </a:r>
+            <a:endParaRPr/>
+          </a:p>
+          <a:p>
+            <a:pPr>
+              <a:lnSpc>
+                <a:spcPct val="100000"/>
+              </a:lnSpc>
+              <a:buFont typeface="Arial"/>
+              <a:buChar char="•"/>
+            </a:pPr>
+            <a:r>
+              <a:rPr lang="en-US" sz="3200">
+                <a:solidFill>
+                  <a:srgbClr val="000000"/>
+                </a:solidFill>
+                <a:latin typeface="Calibri"/>
+              </a:rPr>
+              <a:t>Compare MPG of different vehicle types</a:t>
+            </a:r>
+            <a:endParaRPr/>
+          </a:p>
+          <a:p>
+            <a:pPr lvl="1">
+              <a:lnSpc>
+                <a:spcPct val="100000"/>
+              </a:lnSpc>
+              <a:buFont typeface="Arial"/>
+              <a:buChar char="–"/>
+            </a:pPr>
+            <a:r>
+              <a:rPr lang="en-US" sz="2800">
+                <a:solidFill>
+                  <a:srgbClr val="000000"/>
+                </a:solidFill>
+                <a:latin typeface="Calibri"/>
+              </a:rPr>
+              <a:t>Which companies produce which vehicle types?</a:t>
+            </a:r>
+            <a:endParaRPr/>
+          </a:p>
+          <a:p>
+            <a:pPr lvl="1">
+              <a:lnSpc>
+                <a:spcPct val="100000"/>
+              </a:lnSpc>
+              <a:buFont typeface="Arial"/>
+              <a:buChar char="–"/>
+            </a:pPr>
+            <a:r>
+              <a:rPr lang="en-US" sz="2800">
+                <a:solidFill>
+                  <a:srgbClr val="000000"/>
+                </a:solidFill>
+                <a:latin typeface="Calibri"/>
+              </a:rPr>
+              <a:t>Which companies produce the most fuel efficient vehicle types?</a:t>
+            </a:r>
+            <a:endParaRPr/>
+          </a:p>
+          <a:p>
+            <a:pPr>
+              <a:lnSpc>
+                <a:spcPct val="100000"/>
+              </a:lnSpc>
+            </a:pPr>
+            <a:endParaRPr/>
+          </a:p>
+        </p:txBody>
+      </p:sp>
     </p:spTree>
   </p:cSld>
+  <p:timing>
+    <p:tnLst>
+      <p:par>
+        <p:cTn id="5" dur="indefinite" restart="never" nodeType="tmRoot">
+          <p:childTnLst>
+            <p:seq>
+              <p:cTn id="6" nodeType="mainSeq"/>
+              <p:prevCondLst>
+                <p:cond delay="0" evt="onPrev">
+                  <p:tgtEl>
+                    <p:sldTgt/>
+                  </p:tgtEl>
+                </p:cond>
+              </p:prevCondLst>
+              <p:nextCondLst>
+                <p:cond delay="0" evt="onNext">
+                  <p:tgtEl>
+                    <p:sldTgt/>
+                  </p:tgtEl>
+                </p:cond>
+              </p:nextCondLst>
+            </p:seq>
+          </p:childTnLst>
+        </p:cTn>
+      </p:par>
+    </p:tnLst>
+  </p:timing>
 </p:sld>
 </file>
 
@@ -1675,23 +4931,31 @@
       </p:grpSpPr>
       <p:sp>
         <p:nvSpPr>
-          <p:cNvPr id="42" name="TextShape 1"/>
-          <p:cNvSpPr txBox="1"/>
+          <p:cNvPr id="121" name="CustomShape 1"/>
+          <p:cNvSpPr/>
           <p:nvPr/>
         </p:nvSpPr>
         <p:spPr>
           <a:xfrm>
-            <a:off x="504000" y="301320"/>
-            <a:ext cx="9071280" cy="1262160"/>
-          </a:xfrm>
-          <a:prstGeom prst="rect">
-            <a:avLst/>
-          </a:prstGeom>
+            <a:off x="457200" y="273240"/>
+            <a:ext cx="8227800" cy="1144800"/>
+          </a:xfrm>
+          <a:prstGeom prst="rect">
+            <a:avLst/>
+          </a:prstGeom>
+          <a:noFill/>
+          <a:ln>
+            <a:noFill/>
+          </a:ln>
         </p:spPr>
         <p:txBody>
           <a:bodyPr lIns="0" rIns="0" tIns="0" bIns="0" anchor="ctr"/>
           <a:p>
-            <a:pPr algn="ctr"/>
+            <a:pPr algn="ctr">
+              <a:lnSpc>
+                <a:spcPct val="100000"/>
+              </a:lnSpc>
+            </a:pPr>
             <a:r>
               <a:rPr lang="en-US" sz="4400">
                 <a:latin typeface="Arial"/>
@@ -1704,7 +4968,7 @@
       </p:sp>
       <p:pic>
         <p:nvPicPr>
-          <p:cNvPr id="43" name="" descr=""/>
+          <p:cNvPr id="122" name="" descr=""/>
           <p:cNvPicPr/>
           <p:nvPr/>
         </p:nvPicPr>
@@ -1716,8 +4980,8 @@
         </p:blipFill>
         <p:spPr>
           <a:xfrm>
-            <a:off x="640080" y="1828800"/>
-            <a:ext cx="8663040" cy="4782960"/>
+            <a:off x="580320" y="1492920"/>
+            <a:ext cx="7796160" cy="4313160"/>
           </a:xfrm>
           <a:prstGeom prst="rect">
             <a:avLst/>
@@ -1729,6 +4993,33 @@
       </p:pic>
     </p:spTree>
   </p:cSld>
+  <p:timing>
+    <p:tnLst>
+      <p:par>
+        <p:cTn id="7" dur="indefinite" restart="never" nodeType="tmRoot">
+          <p:childTnLst>
+            <p:seq>
+              <p:cTn id="8" nodeType="mainSeq"/>
+              <p:prevCondLst>
+                <p:cond delay="0" evt="onPrev">
+                  <p:tgtEl>
+                    <p:sldTgt/>
+                  </p:tgtEl>
+                </p:cond>
+              </p:prevCondLst>
+              <p:nextCondLst>
+                <p:cond delay="0" evt="onNext">
+                  <p:tgtEl>
+                    <p:sldTgt/>
+                  </p:tgtEl>
+                </p:cond>
+              </p:nextCondLst>
+            </p:seq>
+          </p:childTnLst>
+        </p:cTn>
+      </p:par>
+    </p:tnLst>
+  </p:timing>
 </p:sld>
 </file>
 
@@ -1751,23 +5042,31 @@
       </p:grpSpPr>
       <p:sp>
         <p:nvSpPr>
-          <p:cNvPr id="44" name="TextShape 1"/>
-          <p:cNvSpPr txBox="1"/>
+          <p:cNvPr id="123" name="CustomShape 1"/>
+          <p:cNvSpPr/>
           <p:nvPr/>
         </p:nvSpPr>
         <p:spPr>
           <a:xfrm>
-            <a:off x="504000" y="301320"/>
-            <a:ext cx="9071280" cy="1262160"/>
-          </a:xfrm>
-          <a:prstGeom prst="rect">
-            <a:avLst/>
-          </a:prstGeom>
+            <a:off x="457200" y="273240"/>
+            <a:ext cx="8227800" cy="1144800"/>
+          </a:xfrm>
+          <a:prstGeom prst="rect">
+            <a:avLst/>
+          </a:prstGeom>
+          <a:noFill/>
+          <a:ln>
+            <a:noFill/>
+          </a:ln>
         </p:spPr>
         <p:txBody>
           <a:bodyPr lIns="0" rIns="0" tIns="0" bIns="0" anchor="ctr"/>
           <a:p>
-            <a:pPr algn="ctr"/>
+            <a:pPr algn="ctr">
+              <a:lnSpc>
+                <a:spcPct val="100000"/>
+              </a:lnSpc>
+            </a:pPr>
             <a:r>
               <a:rPr lang="en-US" sz="4400">
                 <a:latin typeface="Arial"/>
@@ -1780,7 +5079,7 @@
       </p:sp>
       <p:pic>
         <p:nvPicPr>
-          <p:cNvPr id="45" name="" descr=""/>
+          <p:cNvPr id="124" name="" descr=""/>
           <p:cNvPicPr/>
           <p:nvPr/>
         </p:nvPicPr>
@@ -1792,8 +5091,8 @@
         </p:blipFill>
         <p:spPr>
           <a:xfrm>
-            <a:off x="548640" y="1596960"/>
-            <a:ext cx="9144000" cy="5169600"/>
+            <a:off x="580320" y="1658880"/>
+            <a:ext cx="7857720" cy="4338720"/>
           </a:xfrm>
           <a:prstGeom prst="rect">
             <a:avLst/>
@@ -1805,6 +5104,33 @@
       </p:pic>
     </p:spTree>
   </p:cSld>
+  <p:timing>
+    <p:tnLst>
+      <p:par>
+        <p:cTn id="9" dur="indefinite" restart="never" nodeType="tmRoot">
+          <p:childTnLst>
+            <p:seq>
+              <p:cTn id="10" nodeType="mainSeq"/>
+              <p:prevCondLst>
+                <p:cond delay="0" evt="onPrev">
+                  <p:tgtEl>
+                    <p:sldTgt/>
+                  </p:tgtEl>
+                </p:cond>
+              </p:prevCondLst>
+              <p:nextCondLst>
+                <p:cond delay="0" evt="onNext">
+                  <p:tgtEl>
+                    <p:sldTgt/>
+                  </p:tgtEl>
+                </p:cond>
+              </p:nextCondLst>
+            </p:seq>
+          </p:childTnLst>
+        </p:cTn>
+      </p:par>
+    </p:tnLst>
+  </p:timing>
 </p:sld>
 </file>
 
@@ -1827,23 +5153,31 @@
       </p:grpSpPr>
       <p:sp>
         <p:nvSpPr>
-          <p:cNvPr id="46" name="TextShape 1"/>
-          <p:cNvSpPr txBox="1"/>
+          <p:cNvPr id="125" name="CustomShape 1"/>
+          <p:cNvSpPr/>
           <p:nvPr/>
         </p:nvSpPr>
         <p:spPr>
           <a:xfrm>
-            <a:off x="504000" y="301320"/>
-            <a:ext cx="9071280" cy="1262160"/>
-          </a:xfrm>
-          <a:prstGeom prst="rect">
-            <a:avLst/>
-          </a:prstGeom>
+            <a:off x="457200" y="273240"/>
+            <a:ext cx="8227800" cy="1144800"/>
+          </a:xfrm>
+          <a:prstGeom prst="rect">
+            <a:avLst/>
+          </a:prstGeom>
+          <a:noFill/>
+          <a:ln>
+            <a:noFill/>
+          </a:ln>
         </p:spPr>
         <p:txBody>
           <a:bodyPr lIns="0" rIns="0" tIns="0" bIns="0" anchor="ctr"/>
           <a:p>
-            <a:pPr algn="ctr"/>
+            <a:pPr algn="ctr">
+              <a:lnSpc>
+                <a:spcPct val="100000"/>
+              </a:lnSpc>
+            </a:pPr>
             <a:r>
               <a:rPr lang="en-US" sz="4400">
                 <a:latin typeface="Arial"/>
@@ -1854,8 +5188,60 @@
           </a:p>
         </p:txBody>
       </p:sp>
+      <p:pic>
+        <p:nvPicPr>
+          <p:cNvPr id="126" name="" descr=""/>
+          <p:cNvPicPr/>
+          <p:nvPr/>
+        </p:nvPicPr>
+        <p:blipFill>
+          <a:blip r:embed="rId1"/>
+          <a:stretch>
+            <a:fillRect/>
+          </a:stretch>
+        </p:blipFill>
+        <p:spPr>
+          <a:xfrm>
+            <a:off x="497520" y="1448640"/>
+            <a:ext cx="8294040" cy="4689360"/>
+          </a:xfrm>
+          <a:prstGeom prst="rect">
+            <a:avLst/>
+          </a:prstGeom>
+          <a:ln>
+            <a:noFill/>
+          </a:ln>
+        </p:spPr>
+      </p:pic>
     </p:spTree>
   </p:cSld>
+  <p:timing>
+    <p:tnLst>
+      <p:par>
+        <p:cTn id="11" dur="indefinite" restart="never" nodeType="tmRoot">
+          <p:childTnLst>
+            <p:seq>
+              <p:cTn id="12" nodeType="mainSeq"/>
+              <p:prevCondLst>
+                <p:cond delay="0" evt="onPrev">
+                  <p:tgtEl>
+                    <p:sldTgt/>
+                  </p:tgtEl>
+                </p:cond>
+              </p:prevCondLst>
+              <p:nextCondLst>
+                <p:cond delay="0" evt="onNext">
+                  <p:tgtEl>
+                    <p:sldTgt/>
+                  </p:tgtEl>
+                </p:cond>
+              </p:nextCondLst>
+            </p:seq>
+          </p:childTnLst>
+        </p:cTn>
+      </p:par>
+    </p:tnLst>
+  </p:timing>
 </p:sld>
 </file>
 
@@ -1878,26 +5264,33 @@
       </p:grpSpPr>
       <p:sp>
         <p:nvSpPr>
-          <p:cNvPr id="47" name="TextShape 1"/>
+          <p:cNvPr id="127" name="TextShape 1"/>
           <p:cNvSpPr txBox="1"/>
           <p:nvPr/>
         </p:nvSpPr>
         <p:spPr>
           <a:xfrm>
-            <a:off x="504000" y="301320"/>
-            <a:ext cx="9071280" cy="1262160"/>
-          </a:xfrm>
-          <a:prstGeom prst="rect">
-            <a:avLst/>
-          </a:prstGeom>
-        </p:spPr>
-        <p:txBody>
-          <a:bodyPr lIns="0" rIns="0" tIns="0" bIns="0" anchor="ctr"/>
-          <a:p>
-            <a:pPr algn="ctr"/>
+            <a:off x="457200" y="304920"/>
+            <a:ext cx="8229240" cy="1142640"/>
+          </a:xfrm>
+          <a:prstGeom prst="rect">
+            <a:avLst/>
+          </a:prstGeom>
+        </p:spPr>
+        <p:txBody>
+          <a:bodyPr anchor="ctr"/>
+          <a:p>
+            <a:pPr algn="ctr">
+              <a:lnSpc>
+                <a:spcPct val="100000"/>
+              </a:lnSpc>
+            </a:pPr>
             <a:r>
               <a:rPr lang="en-US" sz="4400">
-                <a:latin typeface="Arial"/>
+                <a:solidFill>
+                  <a:srgbClr val="000000"/>
+                </a:solidFill>
+                <a:latin typeface="Calibri"/>
               </a:rPr>
               <a:t>System Architecture</a:t>
             </a:r>
@@ -1907,39 +5300,193 @@
       </p:sp>
       <p:sp>
         <p:nvSpPr>
-          <p:cNvPr id="48" name="TextShape 2"/>
+          <p:cNvPr id="128" name="TextShape 2"/>
           <p:cNvSpPr txBox="1"/>
           <p:nvPr/>
         </p:nvSpPr>
         <p:spPr>
           <a:xfrm>
-            <a:off x="504000" y="1768680"/>
-            <a:ext cx="9072000" cy="4384080"/>
-          </a:xfrm>
-          <a:prstGeom prst="rect">
-            <a:avLst/>
-          </a:prstGeom>
-        </p:spPr>
-        <p:txBody>
-          <a:bodyPr lIns="0" rIns="0" tIns="0" bIns="0"/>
+            <a:off x="457200" y="1600200"/>
+            <a:ext cx="8229240" cy="4525560"/>
+          </a:xfrm>
+          <a:prstGeom prst="rect">
+            <a:avLst/>
+          </a:prstGeom>
+        </p:spPr>
+        <p:txBody>
+          <a:bodyPr/>
           <a:p>
             <a:pPr>
-              <a:buSzPct val="45000"/>
-              <a:buFont typeface="StarSymbol"/>
-              <a:buChar char=""/>
+              <a:lnSpc>
+                <a:spcPct val="100000"/>
+              </a:lnSpc>
+              <a:buFont typeface="Arial"/>
+              <a:buChar char="•"/>
             </a:pPr>
             <a:r>
               <a:rPr lang="en-US" sz="3200">
-                <a:latin typeface="Arial"/>
+                <a:solidFill>
+                  <a:srgbClr val="000000"/>
+                </a:solidFill>
+                <a:latin typeface="Calibri"/>
               </a:rPr>
-              <a:t>Using Processing</a:t>
+              <a:t>Processing</a:t>
             </a:r>
+            <a:endParaRPr/>
+          </a:p>
+          <a:p>
+            <a:pPr>
+              <a:lnSpc>
+                <a:spcPct val="100000"/>
+              </a:lnSpc>
+              <a:buFont typeface="Arial"/>
+              <a:buChar char="•"/>
+            </a:pPr>
+            <a:r>
+              <a:rPr lang="en-US" sz="3200">
+                <a:solidFill>
+                  <a:srgbClr val="000000"/>
+                </a:solidFill>
+                <a:latin typeface="Calibri"/>
+              </a:rPr>
+              <a:t>Classes:</a:t>
+            </a:r>
+            <a:endParaRPr/>
+          </a:p>
+          <a:p>
+            <a:pPr lvl="1">
+              <a:lnSpc>
+                <a:spcPct val="100000"/>
+              </a:lnSpc>
+              <a:buFont typeface="Arial"/>
+              <a:buChar char="–"/>
+            </a:pPr>
+            <a:r>
+              <a:rPr lang="en-US" sz="2800">
+                <a:solidFill>
+                  <a:srgbClr val="000000"/>
+                </a:solidFill>
+                <a:latin typeface="Calibri"/>
+              </a:rPr>
+              <a:t>Bar graph</a:t>
+            </a:r>
+            <a:endParaRPr/>
+          </a:p>
+          <a:p>
+            <a:pPr lvl="1">
+              <a:lnSpc>
+                <a:spcPct val="100000"/>
+              </a:lnSpc>
+              <a:buFont typeface="Arial"/>
+              <a:buChar char="–"/>
+            </a:pPr>
+            <a:r>
+              <a:rPr lang="en-US" sz="2800">
+                <a:solidFill>
+                  <a:srgbClr val="000000"/>
+                </a:solidFill>
+                <a:latin typeface="Calibri"/>
+              </a:rPr>
+              <a:t>Pie graph</a:t>
+            </a:r>
+            <a:endParaRPr/>
+          </a:p>
+          <a:p>
+            <a:pPr lvl="1">
+              <a:lnSpc>
+                <a:spcPct val="100000"/>
+              </a:lnSpc>
+              <a:buFont typeface="Arial"/>
+              <a:buChar char="–"/>
+            </a:pPr>
+            <a:r>
+              <a:rPr lang="en-US" sz="2800">
+                <a:solidFill>
+                  <a:srgbClr val="000000"/>
+                </a:solidFill>
+                <a:latin typeface="Calibri"/>
+              </a:rPr>
+              <a:t>Controller</a:t>
+            </a:r>
+            <a:endParaRPr/>
+          </a:p>
+          <a:p>
+            <a:pPr lvl="1">
+              <a:lnSpc>
+                <a:spcPct val="100000"/>
+              </a:lnSpc>
+              <a:buFont typeface="Arial"/>
+              <a:buChar char="–"/>
+            </a:pPr>
+            <a:r>
+              <a:rPr lang="en-US" sz="2800">
+                <a:solidFill>
+                  <a:srgbClr val="000000"/>
+                </a:solidFill>
+                <a:latin typeface="Calibri"/>
+              </a:rPr>
+              <a:t>Abstract View</a:t>
+            </a:r>
+            <a:endParaRPr/>
+          </a:p>
+          <a:p>
+            <a:pPr>
+              <a:lnSpc>
+                <a:spcPct val="100000"/>
+              </a:lnSpc>
+              <a:buFont typeface="Arial"/>
+              <a:buChar char="•"/>
+            </a:pPr>
+            <a:r>
+              <a:rPr lang="en-US" sz="3200">
+                <a:solidFill>
+                  <a:srgbClr val="000000"/>
+                </a:solidFill>
+                <a:latin typeface="Calibri"/>
+              </a:rPr>
+              <a:t>Similar to Assignment 4 (Coordinated-Multiple Views)</a:t>
+            </a:r>
+            <a:endParaRPr/>
+          </a:p>
+          <a:p>
+            <a:pPr>
+              <a:lnSpc>
+                <a:spcPct val="100000"/>
+              </a:lnSpc>
+            </a:pPr>
             <a:endParaRPr/>
           </a:p>
         </p:txBody>
       </p:sp>
     </p:spTree>
   </p:cSld>
+  <p:timing>
+    <p:tnLst>
+      <p:par>
+        <p:cTn id="13" dur="indefinite" restart="never" nodeType="tmRoot">
+          <p:childTnLst>
+            <p:seq>
+              <p:cTn id="14" nodeType="mainSeq"/>
+              <p:prevCondLst>
+                <p:cond delay="0" evt="onPrev">
+                  <p:tgtEl>
+                    <p:sldTgt/>
+                  </p:tgtEl>
+                </p:cond>
+              </p:prevCondLst>
+              <p:nextCondLst>
+                <p:cond delay="0" evt="onNext">
+                  <p:tgtEl>
+                    <p:sldTgt/>
+                  </p:tgtEl>
+                </p:cond>
+              </p:nextCondLst>
+            </p:seq>
+          </p:childTnLst>
+        </p:cTn>
+      </p:par>
+    </p:tnLst>
+  </p:timing>
 </p:sld>
 </file>
 
@@ -1962,26 +5509,33 @@
       </p:grpSpPr>
       <p:sp>
         <p:nvSpPr>
-          <p:cNvPr id="49" name="TextShape 1"/>
+          <p:cNvPr id="129" name="TextShape 1"/>
           <p:cNvSpPr txBox="1"/>
           <p:nvPr/>
         </p:nvSpPr>
         <p:spPr>
           <a:xfrm>
-            <a:off x="504000" y="301320"/>
-            <a:ext cx="9071280" cy="1262160"/>
-          </a:xfrm>
-          <a:prstGeom prst="rect">
-            <a:avLst/>
-          </a:prstGeom>
-        </p:spPr>
-        <p:txBody>
-          <a:bodyPr lIns="0" rIns="0" tIns="0" bIns="0" anchor="ctr"/>
-          <a:p>
-            <a:pPr algn="ctr"/>
+            <a:off x="457200" y="274680"/>
+            <a:ext cx="8229240" cy="1142640"/>
+          </a:xfrm>
+          <a:prstGeom prst="rect">
+            <a:avLst/>
+          </a:prstGeom>
+        </p:spPr>
+        <p:txBody>
+          <a:bodyPr anchor="ctr"/>
+          <a:p>
+            <a:pPr algn="ctr">
+              <a:lnSpc>
+                <a:spcPct val="100000"/>
+              </a:lnSpc>
+            </a:pPr>
             <a:r>
               <a:rPr lang="en-US" sz="4400">
-                <a:latin typeface="Arial"/>
+                <a:solidFill>
+                  <a:srgbClr val="000000"/>
+                </a:solidFill>
+                <a:latin typeface="Calibri"/>
               </a:rPr>
               <a:t>Usage Scenario</a:t>
             </a:r>
@@ -1991,28 +5545,128 @@
       </p:sp>
       <p:sp>
         <p:nvSpPr>
-          <p:cNvPr id="50" name="TextShape 2"/>
+          <p:cNvPr id="130" name="TextShape 2"/>
           <p:cNvSpPr txBox="1"/>
           <p:nvPr/>
         </p:nvSpPr>
         <p:spPr>
           <a:xfrm>
-            <a:off x="504000" y="1768680"/>
-            <a:ext cx="9072000" cy="4384080"/>
-          </a:xfrm>
-          <a:prstGeom prst="rect">
-            <a:avLst/>
-          </a:prstGeom>
-        </p:spPr>
-        <p:txBody>
-          <a:bodyPr lIns="0" rIns="0" tIns="0" bIns="0"/>
-          <a:p>
+            <a:off x="457200" y="1600200"/>
+            <a:ext cx="8229240" cy="4525560"/>
+          </a:xfrm>
+          <a:prstGeom prst="rect">
+            <a:avLst/>
+          </a:prstGeom>
+        </p:spPr>
+        <p:txBody>
+          <a:bodyPr/>
+          <a:p>
+            <a:pPr>
+              <a:lnSpc>
+                <a:spcPct val="100000"/>
+              </a:lnSpc>
+              <a:buFont typeface="Arial"/>
+              <a:buChar char="•"/>
+            </a:pPr>
+            <a:r>
+              <a:rPr lang="en-US" sz="3200">
+                <a:solidFill>
+                  <a:srgbClr val="000000"/>
+                </a:solidFill>
+                <a:latin typeface="Calibri"/>
+              </a:rPr>
+              <a:t>Useful for anybody who wants to view trends in MPG</a:t>
+            </a:r>
+            <a:endParaRPr/>
+          </a:p>
+          <a:p>
+            <a:pPr lvl="1">
+              <a:lnSpc>
+                <a:spcPct val="100000"/>
+              </a:lnSpc>
+              <a:buFont typeface="Arial"/>
+              <a:buChar char="–"/>
+            </a:pPr>
+            <a:r>
+              <a:rPr lang="en-US" sz="2800">
+                <a:solidFill>
+                  <a:srgbClr val="000000"/>
+                </a:solidFill>
+                <a:latin typeface="Calibri"/>
+              </a:rPr>
+              <a:t>For different vehicle types</a:t>
+            </a:r>
+            <a:endParaRPr/>
+          </a:p>
+          <a:p>
+            <a:pPr lvl="1">
+              <a:lnSpc>
+                <a:spcPct val="100000"/>
+              </a:lnSpc>
+              <a:buFont typeface="Arial"/>
+              <a:buChar char="–"/>
+            </a:pPr>
+            <a:r>
+              <a:rPr lang="en-US" sz="2800">
+                <a:solidFill>
+                  <a:srgbClr val="000000"/>
+                </a:solidFill>
+                <a:latin typeface="Calibri"/>
+              </a:rPr>
+              <a:t>For different car companies</a:t>
+            </a:r>
+            <a:endParaRPr/>
+          </a:p>
+          <a:p>
+            <a:pPr>
+              <a:lnSpc>
+                <a:spcPct val="100000"/>
+              </a:lnSpc>
+              <a:buFont typeface="Arial"/>
+              <a:buChar char="•"/>
+            </a:pPr>
+            <a:r>
+              <a:rPr lang="en-US" sz="3200">
+                <a:solidFill>
+                  <a:srgbClr val="000000"/>
+                </a:solidFill>
+                <a:latin typeface="Calibri"/>
+              </a:rPr>
+              <a:t>Could be used by anybody looking to buy a fuel efficient car</a:t>
+            </a:r>
             <a:endParaRPr/>
           </a:p>
         </p:txBody>
       </p:sp>
     </p:spTree>
   </p:cSld>
+  <p:timing>
+    <p:tnLst>
+      <p:par>
+        <p:cTn id="15" dur="indefinite" restart="never" nodeType="tmRoot">
+          <p:childTnLst>
+            <p:seq>
+              <p:cTn id="16" nodeType="mainSeq"/>
+              <p:prevCondLst>
+                <p:cond delay="0" evt="onPrev">
+                  <p:tgtEl>
+                    <p:sldTgt/>
+                  </p:tgtEl>
+                </p:cond>
+              </p:prevCondLst>
+              <p:nextCondLst>
+                <p:cond delay="0" evt="onNext">
+                  <p:tgtEl>
+                    <p:sldTgt/>
+                  </p:tgtEl>
+                </p:cond>
+              </p:nextCondLst>
+            </p:seq>
+          </p:childTnLst>
+        </p:cTn>
+      </p:par>
+    </p:tnLst>
+  </p:timing>
 </p:sld>
 </file>
 
@@ -2237,4 +5891,450 @@
     </a:fmtScheme>
   </a:themeElements>
 </a:theme>
+</file>
+
+<file path=ppt/theme/theme2.xml><?xml version="1.0" encoding="utf-8"?>
+<a:theme xmlns:a="http://schemas.openxmlformats.org/drawingml/2006/main" name="Office Theme">
+  <a:themeElements>
+    <a:clrScheme name="Office">
+      <a:dk1>
+        <a:sysClr val="windowText" lastClr="000000"/>
+      </a:dk1>
+      <a:lt1>
+        <a:sysClr val="window" lastClr="FFFFFF"/>
+      </a:lt1>
+      <a:dk2>
+        <a:srgbClr val="1F497D"/>
+      </a:dk2>
+      <a:lt2>
+        <a:srgbClr val="EEECE1"/>
+      </a:lt2>
+      <a:accent1>
+        <a:srgbClr val="4F81BD"/>
+      </a:accent1>
+      <a:accent2>
+        <a:srgbClr val="C0504D"/>
+      </a:accent2>
+      <a:accent3>
+        <a:srgbClr val="9BBB59"/>
+      </a:accent3>
+      <a:accent4>
+        <a:srgbClr val="8064A2"/>
+      </a:accent4>
+      <a:accent5>
+        <a:srgbClr val="4BACC6"/>
+      </a:accent5>
+      <a:accent6>
+        <a:srgbClr val="F79646"/>
+      </a:accent6>
+      <a:hlink>
+        <a:srgbClr val="0000FF"/>
+      </a:hlink>
+      <a:folHlink>
+        <a:srgbClr val="800080"/>
+      </a:folHlink>
+    </a:clrScheme>
+    <a:fontScheme name="Office">
+      <a:majorFont>
+        <a:latin typeface="Arial"/>
+        <a:ea typeface="DejaVu Sans"/>
+        <a:cs typeface="DejaVu Sans"/>
+      </a:majorFont>
+      <a:minorFont>
+        <a:latin typeface="Arial"/>
+        <a:ea typeface="DejaVu Sans"/>
+        <a:cs typeface="DejaVu Sans"/>
+      </a:minorFont>
+    </a:fontScheme>
+    <a:fmtScheme name="Office">
+      <a:fillStyleLst>
+        <a:solidFill>
+          <a:schemeClr val="phClr"/>
+        </a:solidFill>
+        <a:gradFill rotWithShape="1">
+          <a:gsLst>
+            <a:gs pos="0">
+              <a:schemeClr val="phClr">
+                <a:tint val="50000"/>
+                <a:satMod val="300000"/>
+              </a:schemeClr>
+            </a:gs>
+            <a:gs pos="35000">
+              <a:schemeClr val="phClr">
+                <a:tint val="37000"/>
+                <a:satMod val="300000"/>
+              </a:schemeClr>
+            </a:gs>
+            <a:gs pos="100000">
+              <a:schemeClr val="phClr">
+                <a:tint val="15000"/>
+                <a:satMod val="350000"/>
+              </a:schemeClr>
+            </a:gs>
+          </a:gsLst>
+          <a:lin ang="16200000" scaled="1"/>
+        </a:gradFill>
+        <a:gradFill rotWithShape="1">
+          <a:gsLst>
+            <a:gs pos="0">
+              <a:schemeClr val="phClr">
+                <a:shade val="51000"/>
+                <a:satMod val="130000"/>
+              </a:schemeClr>
+            </a:gs>
+            <a:gs pos="80000">
+              <a:schemeClr val="phClr">
+                <a:shade val="93000"/>
+                <a:satMod val="130000"/>
+              </a:schemeClr>
+            </a:gs>
+            <a:gs pos="100000">
+              <a:schemeClr val="phClr">
+                <a:shade val="94000"/>
+                <a:satMod val="135000"/>
+              </a:schemeClr>
+            </a:gs>
+          </a:gsLst>
+          <a:lin ang="16200000" scaled="0"/>
+        </a:gradFill>
+      </a:fillStyleLst>
+      <a:lnStyleLst>
+        <a:ln w="9525" cap="flat" cmpd="sng" algn="ctr">
+          <a:solidFill>
+            <a:schemeClr val="phClr">
+              <a:shade val="95000"/>
+              <a:satMod val="105000"/>
+            </a:schemeClr>
+          </a:solidFill>
+          <a:prstDash val="solid"/>
+        </a:ln>
+        <a:ln w="25400" cap="flat" cmpd="sng" algn="ctr">
+          <a:solidFill>
+            <a:schemeClr val="phClr"/>
+          </a:solidFill>
+          <a:prstDash val="solid"/>
+        </a:ln>
+        <a:ln w="38100" cap="flat" cmpd="sng" algn="ctr">
+          <a:solidFill>
+            <a:schemeClr val="phClr"/>
+          </a:solidFill>
+          <a:prstDash val="solid"/>
+        </a:ln>
+      </a:lnStyleLst>
+      <a:effectStyleLst>
+        <a:effectStyle>
+          <a:effectLst>
+            <a:outerShdw blurRad="40000" dist="20000" dir="5400000" rotWithShape="0">
+              <a:srgbClr val="000000">
+                <a:alpha val="38000"/>
+              </a:srgbClr>
+            </a:outerShdw>
+          </a:effectLst>
+        </a:effectStyle>
+        <a:effectStyle>
+          <a:effectLst>
+            <a:outerShdw blurRad="40000" dist="23000" dir="5400000" rotWithShape="0">
+              <a:srgbClr val="000000">
+                <a:alpha val="35000"/>
+              </a:srgbClr>
+            </a:outerShdw>
+          </a:effectLst>
+        </a:effectStyle>
+        <a:effectStyle>
+          <a:effectLst>
+            <a:outerShdw blurRad="40000" dist="23000" dir="5400000" rotWithShape="0">
+              <a:srgbClr val="000000">
+                <a:alpha val="35000"/>
+              </a:srgbClr>
+            </a:outerShdw>
+          </a:effectLst>
+          <a:scene3d>
+            <a:camera prst="orthographicFront">
+              <a:rot lat="0" lon="0" rev="0"/>
+            </a:camera>
+            <a:lightRig rig="threePt" dir="t">
+              <a:rot lat="0" lon="0" rev="1200000"/>
+            </a:lightRig>
+          </a:scene3d>
+          <a:sp3d>
+            <a:bevelT w="63500" h="25400"/>
+          </a:sp3d>
+        </a:effectStyle>
+      </a:effectStyleLst>
+      <a:bgFillStyleLst>
+        <a:solidFill>
+          <a:schemeClr val="phClr"/>
+        </a:solidFill>
+        <a:gradFill rotWithShape="1">
+          <a:gsLst>
+            <a:gs pos="0">
+              <a:schemeClr val="phClr">
+                <a:tint val="40000"/>
+                <a:satMod val="350000"/>
+              </a:schemeClr>
+            </a:gs>
+            <a:gs pos="40000">
+              <a:schemeClr val="phClr">
+                <a:tint val="45000"/>
+                <a:shade val="99000"/>
+                <a:satMod val="350000"/>
+              </a:schemeClr>
+            </a:gs>
+            <a:gs pos="100000">
+              <a:schemeClr val="phClr">
+                <a:shade val="20000"/>
+                <a:satMod val="255000"/>
+              </a:schemeClr>
+            </a:gs>
+          </a:gsLst>
+          <a:path path="circle">
+            <a:fillToRect l="50000" t="-80000" r="50000" b="180000"/>
+          </a:path>
+        </a:gradFill>
+        <a:gradFill rotWithShape="1">
+          <a:gsLst>
+            <a:gs pos="0">
+              <a:schemeClr val="phClr">
+                <a:tint val="80000"/>
+                <a:satMod val="300000"/>
+              </a:schemeClr>
+            </a:gs>
+            <a:gs pos="100000">
+              <a:schemeClr val="phClr">
+                <a:shade val="30000"/>
+                <a:satMod val="200000"/>
+              </a:schemeClr>
+            </a:gs>
+          </a:gsLst>
+          <a:path path="circle">
+            <a:fillToRect l="50000" t="50000" r="50000" b="50000"/>
+          </a:path>
+        </a:gradFill>
+      </a:bgFillStyleLst>
+    </a:fmtScheme>
+  </a:themeElements>
+</a:theme>
+</file>
+
+<file path=ppt/theme/theme3.xml><?xml version="1.0" encoding="utf-8"?>
+<a:theme xmlns:a="http://schemas.openxmlformats.org/drawingml/2006/main" name="Office Theme">
+  <a:themeElements>
+    <a:clrScheme name="Office">
+      <a:dk1>
+        <a:sysClr val="windowText" lastClr="000000"/>
+      </a:dk1>
+      <a:lt1>
+        <a:sysClr val="window" lastClr="FFFFFF"/>
+      </a:lt1>
+      <a:dk2>
+        <a:srgbClr val="1F497D"/>
+      </a:dk2>
+      <a:lt2>
+        <a:srgbClr val="EEECE1"/>
+      </a:lt2>
+      <a:accent1>
+        <a:srgbClr val="4F81BD"/>
+      </a:accent1>
+      <a:accent2>
+        <a:srgbClr val="C0504D"/>
+      </a:accent2>
+      <a:accent3>
+        <a:srgbClr val="9BBB59"/>
+      </a:accent3>
+      <a:accent4>
+        <a:srgbClr val="8064A2"/>
+      </a:accent4>
+      <a:accent5>
+        <a:srgbClr val="4BACC6"/>
+      </a:accent5>
+      <a:accent6>
+        <a:srgbClr val="F79646"/>
+      </a:accent6>
+      <a:hlink>
+        <a:srgbClr val="0000FF"/>
+      </a:hlink>
+      <a:folHlink>
+        <a:srgbClr val="800080"/>
+      </a:folHlink>
+    </a:clrScheme>
+    <a:fontScheme name="Office">
+      <a:majorFont>
+        <a:latin typeface="Arial"/>
+        <a:ea typeface="DejaVu Sans"/>
+        <a:cs typeface="DejaVu Sans"/>
+      </a:majorFont>
+      <a:minorFont>
+        <a:latin typeface="Arial"/>
+        <a:ea typeface="DejaVu Sans"/>
+        <a:cs typeface="DejaVu Sans"/>
+      </a:minorFont>
+    </a:fontScheme>
+    <a:fmtScheme name="Office">
+      <a:fillStyleLst>
+        <a:solidFill>
+          <a:schemeClr val="phClr"/>
+        </a:solidFill>
+        <a:gradFill rotWithShape="1">
+          <a:gsLst>
+            <a:gs pos="0">
+              <a:schemeClr val="phClr">
+                <a:tint val="50000"/>
+                <a:satMod val="300000"/>
+              </a:schemeClr>
+            </a:gs>
+            <a:gs pos="35000">
+              <a:schemeClr val="phClr">
+                <a:tint val="37000"/>
+                <a:satMod val="300000"/>
+              </a:schemeClr>
+            </a:gs>
+            <a:gs pos="100000">
+              <a:schemeClr val="phClr">
+                <a:tint val="15000"/>
+                <a:satMod val="350000"/>
+              </a:schemeClr>
+            </a:gs>
+          </a:gsLst>
+          <a:lin ang="16200000" scaled="1"/>
+        </a:gradFill>
+        <a:gradFill rotWithShape="1">
+          <a:gsLst>
+            <a:gs pos="0">
+              <a:schemeClr val="phClr">
+                <a:shade val="51000"/>
+                <a:satMod val="130000"/>
+              </a:schemeClr>
+            </a:gs>
+            <a:gs pos="80000">
+              <a:schemeClr val="phClr">
+                <a:shade val="93000"/>
+                <a:satMod val="130000"/>
+              </a:schemeClr>
+            </a:gs>
+            <a:gs pos="100000">
+              <a:schemeClr val="phClr">
+                <a:shade val="94000"/>
+                <a:satMod val="135000"/>
+              </a:schemeClr>
+            </a:gs>
+          </a:gsLst>
+          <a:lin ang="16200000" scaled="0"/>
+        </a:gradFill>
+      </a:fillStyleLst>
+      <a:lnStyleLst>
+        <a:ln w="9525" cap="flat" cmpd="sng" algn="ctr">
+          <a:solidFill>
+            <a:schemeClr val="phClr">
+              <a:shade val="95000"/>
+              <a:satMod val="105000"/>
+            </a:schemeClr>
+          </a:solidFill>
+          <a:prstDash val="solid"/>
+        </a:ln>
+        <a:ln w="25400" cap="flat" cmpd="sng" algn="ctr">
+          <a:solidFill>
+            <a:schemeClr val="phClr"/>
+          </a:solidFill>
+          <a:prstDash val="solid"/>
+        </a:ln>
+        <a:ln w="38100" cap="flat" cmpd="sng" algn="ctr">
+          <a:solidFill>
+            <a:schemeClr val="phClr"/>
+          </a:solidFill>
+          <a:prstDash val="solid"/>
+        </a:ln>
+      </a:lnStyleLst>
+      <a:effectStyleLst>
+        <a:effectStyle>
+          <a:effectLst>
+            <a:outerShdw blurRad="40000" dist="20000" dir="5400000" rotWithShape="0">
+              <a:srgbClr val="000000">
+                <a:alpha val="38000"/>
+              </a:srgbClr>
+            </a:outerShdw>
+          </a:effectLst>
+        </a:effectStyle>
+        <a:effectStyle>
+          <a:effectLst>
+            <a:outerShdw blurRad="40000" dist="23000" dir="5400000" rotWithShape="0">
+              <a:srgbClr val="000000">
+                <a:alpha val="35000"/>
+              </a:srgbClr>
+            </a:outerShdw>
+          </a:effectLst>
+        </a:effectStyle>
+        <a:effectStyle>
+          <a:effectLst>
+            <a:outerShdw blurRad="40000" dist="23000" dir="5400000" rotWithShape="0">
+              <a:srgbClr val="000000">
+                <a:alpha val="35000"/>
+              </a:srgbClr>
+            </a:outerShdw>
+          </a:effectLst>
+          <a:scene3d>
+            <a:camera prst="orthographicFront">
+              <a:rot lat="0" lon="0" rev="0"/>
+            </a:camera>
+            <a:lightRig rig="threePt" dir="t">
+              <a:rot lat="0" lon="0" rev="1200000"/>
+            </a:lightRig>
+          </a:scene3d>
+          <a:sp3d>
+            <a:bevelT w="63500" h="25400"/>
+          </a:sp3d>
+        </a:effectStyle>
+      </a:effectStyleLst>
+      <a:bgFillStyleLst>
+        <a:solidFill>
+          <a:schemeClr val="phClr"/>
+        </a:solidFill>
+        <a:gradFill rotWithShape="1">
+          <a:gsLst>
+            <a:gs pos="0">
+              <a:schemeClr val="phClr">
+                <a:tint val="40000"/>
+                <a:satMod val="350000"/>
+              </a:schemeClr>
+            </a:gs>
+            <a:gs pos="40000">
+              <a:schemeClr val="phClr">
+                <a:tint val="45000"/>
+                <a:shade val="99000"/>
+                <a:satMod val="350000"/>
+              </a:schemeClr>
+            </a:gs>
+            <a:gs pos="100000">
+              <a:schemeClr val="phClr">
+                <a:shade val="20000"/>
+                <a:satMod val="255000"/>
+              </a:schemeClr>
+            </a:gs>
+          </a:gsLst>
+          <a:path path="circle">
+            <a:fillToRect l="50000" t="-80000" r="50000" b="180000"/>
+          </a:path>
+        </a:gradFill>
+        <a:gradFill rotWithShape="1">
+          <a:gsLst>
+            <a:gs pos="0">
+              <a:schemeClr val="phClr">
+                <a:tint val="80000"/>
+                <a:satMod val="300000"/>
+              </a:schemeClr>
+            </a:gs>
+            <a:gs pos="100000">
+              <a:schemeClr val="phClr">
+                <a:shade val="30000"/>
+                <a:satMod val="200000"/>
+              </a:schemeClr>
+            </a:gs>
+          </a:gsLst>
+          <a:path path="circle">
+            <a:fillToRect l="50000" t="50000" r="50000" b="50000"/>
+          </a:path>
+        </a:gradFill>
+      </a:bgFillStyleLst>
+    </a:fmtScheme>
+  </a:themeElements>
+</a:theme>
 </file>